--- a/ProjectArchitecture.pptx
+++ b/ProjectArchitecture.pptx
@@ -1,43 +1,47 @@
 
 <file path=ppt/presentation.xml><?xml version="1.0" encoding="utf-8"?>
-<p:presentation xmlns:a="http://schemas.openxmlformats.org/drawingml/2006/main" xmlns:r="http://schemas.openxmlformats.org/officeDocument/2006/relationships" xmlns:mc="http://schemas.openxmlformats.org/markup-compatibility/2006" xmlns:mv="urn:schemas-microsoft-com:mac:vml" xmlns:p="http://schemas.openxmlformats.org/presentationml/2006/main" xmlns:c="http://schemas.openxmlformats.org/drawingml/2006/chart" xmlns:dgm="http://schemas.openxmlformats.org/drawingml/2006/diagram" xmlns:o="urn:schemas-microsoft-com:office:office" xmlns:v="urn:schemas-microsoft-com:vml" xmlns:pvml="urn:schemas-microsoft-com:office:powerpoint" xmlns:com="http://schemas.openxmlformats.org/drawingml/2006/compatibility" xmlns:p14="http://schemas.microsoft.com/office/powerpoint/2010/main" xmlns:p15="http://schemas.microsoft.com/office/powerpoint/2012/main" autoCompressPictures="0" embedTrueTypeFonts="1" strictFirstAndLastChars="0" saveSubsetFonts="1">
+<p:presentation xmlns:a="http://schemas.openxmlformats.org/drawingml/2006/main" xmlns:r="http://schemas.openxmlformats.org/officeDocument/2006/relationships" xmlns:p="http://schemas.openxmlformats.org/presentationml/2006/main" strictFirstAndLastChars="0" embedTrueTypeFonts="1" saveSubsetFonts="1" autoCompressPictures="0">
   <p:sldMasterIdLst>
-    <p:sldMasterId id="2147483659" r:id="rId3"/>
+    <p:sldMasterId id="2147483659" r:id="rId1"/>
   </p:sldMasterIdLst>
   <p:notesMasterIdLst>
-    <p:notesMasterId r:id="rId4"/>
+    <p:notesMasterId r:id="rId18"/>
   </p:notesMasterIdLst>
   <p:sldIdLst>
-    <p:sldId id="256" r:id="rId5"/>
-    <p:sldId id="257" r:id="rId6"/>
-    <p:sldId id="258" r:id="rId7"/>
-    <p:sldId id="259" r:id="rId8"/>
-    <p:sldId id="260" r:id="rId9"/>
-    <p:sldId id="261" r:id="rId10"/>
-    <p:sldId id="262" r:id="rId11"/>
-    <p:sldId id="263" r:id="rId12"/>
-    <p:sldId id="264" r:id="rId13"/>
-    <p:sldId id="265" r:id="rId14"/>
-    <p:sldId id="266" r:id="rId15"/>
-    <p:sldId id="267" r:id="rId16"/>
-    <p:sldId id="268" r:id="rId17"/>
-    <p:sldId id="269" r:id="rId18"/>
-    <p:sldId id="270" r:id="rId19"/>
-    <p:sldId id="271" r:id="rId20"/>
+    <p:sldId id="256" r:id="rId2"/>
+    <p:sldId id="257" r:id="rId3"/>
+    <p:sldId id="258" r:id="rId4"/>
+    <p:sldId id="259" r:id="rId5"/>
+    <p:sldId id="260" r:id="rId6"/>
+    <p:sldId id="261" r:id="rId7"/>
+    <p:sldId id="262" r:id="rId8"/>
+    <p:sldId id="263" r:id="rId9"/>
+    <p:sldId id="264" r:id="rId10"/>
+    <p:sldId id="265" r:id="rId11"/>
+    <p:sldId id="266" r:id="rId12"/>
+    <p:sldId id="267" r:id="rId13"/>
+    <p:sldId id="268" r:id="rId14"/>
+    <p:sldId id="269" r:id="rId15"/>
+    <p:sldId id="270" r:id="rId16"/>
+    <p:sldId id="271" r:id="rId17"/>
   </p:sldIdLst>
-  <p:sldSz cy="5143500" cx="9144000"/>
+  <p:sldSz cx="9144000" cy="5143500" type="screen16x9"/>
   <p:notesSz cx="6858000" cy="9144000"/>
   <p:embeddedFontLst>
     <p:embeddedFont>
-      <p:font typeface="Lato"/>
-      <p:regular r:id="rId21"/>
-      <p:bold r:id="rId22"/>
-      <p:italic r:id="rId23"/>
-      <p:boldItalic r:id="rId24"/>
+      <p:font typeface="Lato" panose="020B0604020202020204" charset="0"/>
+      <p:regular r:id="rId19"/>
+      <p:bold r:id="rId20"/>
+      <p:italic r:id="rId21"/>
+      <p:boldItalic r:id="rId22"/>
+    </p:embeddedFont>
+    <p:embeddedFont>
+      <p:font typeface="Impact" panose="020B0806030902050204" pitchFamily="34" charset="0"/>
+      <p:regular r:id="rId23"/>
     </p:embeddedFont>
   </p:embeddedFontLst>
   <p:defaultTextStyle>
-    <a:defPPr lvl="0" marR="0" rtl="0" algn="l">
+    <a:defPPr marR="0" lvl="0" algn="l" rtl="0">
       <a:lnSpc>
         <a:spcPct val="100000"/>
       </a:lnSpc>
@@ -48,7 +52,7 @@
         <a:spcPts val="0"/>
       </a:spcAft>
     </a:defPPr>
-    <a:lvl1pPr lvl="0" marR="0" rtl="0" algn="l">
+    <a:lvl1pPr marR="0" lvl="0" algn="l" rtl="0">
       <a:lnSpc>
         <a:spcPct val="100000"/>
       </a:lnSpc>
@@ -59,7 +63,7 @@
         <a:spcPts val="0"/>
       </a:spcAft>
       <a:buNone/>
-      <a:defRPr b="0" i="0" sz="1400" u="none" cap="none" strike="noStrike">
+      <a:defRPr sz="1400" b="0" i="0" u="none" strike="noStrike" cap="none">
         <a:solidFill>
           <a:srgbClr val="000000"/>
         </a:solidFill>
@@ -69,7 +73,7 @@
         <a:sym typeface="Arial"/>
       </a:defRPr>
     </a:lvl1pPr>
-    <a:lvl2pPr lvl="1" marR="0" rtl="0" algn="l">
+    <a:lvl2pPr marR="0" lvl="1" algn="l" rtl="0">
       <a:lnSpc>
         <a:spcPct val="100000"/>
       </a:lnSpc>
@@ -80,7 +84,7 @@
         <a:spcPts val="0"/>
       </a:spcAft>
       <a:buNone/>
-      <a:defRPr b="0" i="0" sz="1400" u="none" cap="none" strike="noStrike">
+      <a:defRPr sz="1400" b="0" i="0" u="none" strike="noStrike" cap="none">
         <a:solidFill>
           <a:srgbClr val="000000"/>
         </a:solidFill>
@@ -90,7 +94,7 @@
         <a:sym typeface="Arial"/>
       </a:defRPr>
     </a:lvl2pPr>
-    <a:lvl3pPr lvl="2" marR="0" rtl="0" algn="l">
+    <a:lvl3pPr marR="0" lvl="2" algn="l" rtl="0">
       <a:lnSpc>
         <a:spcPct val="100000"/>
       </a:lnSpc>
@@ -101,7 +105,7 @@
         <a:spcPts val="0"/>
       </a:spcAft>
       <a:buNone/>
-      <a:defRPr b="0" i="0" sz="1400" u="none" cap="none" strike="noStrike">
+      <a:defRPr sz="1400" b="0" i="0" u="none" strike="noStrike" cap="none">
         <a:solidFill>
           <a:srgbClr val="000000"/>
         </a:solidFill>
@@ -111,7 +115,7 @@
         <a:sym typeface="Arial"/>
       </a:defRPr>
     </a:lvl3pPr>
-    <a:lvl4pPr lvl="3" marR="0" rtl="0" algn="l">
+    <a:lvl4pPr marR="0" lvl="3" algn="l" rtl="0">
       <a:lnSpc>
         <a:spcPct val="100000"/>
       </a:lnSpc>
@@ -122,7 +126,7 @@
         <a:spcPts val="0"/>
       </a:spcAft>
       <a:buNone/>
-      <a:defRPr b="0" i="0" sz="1400" u="none" cap="none" strike="noStrike">
+      <a:defRPr sz="1400" b="0" i="0" u="none" strike="noStrike" cap="none">
         <a:solidFill>
           <a:srgbClr val="000000"/>
         </a:solidFill>
@@ -132,7 +136,7 @@
         <a:sym typeface="Arial"/>
       </a:defRPr>
     </a:lvl4pPr>
-    <a:lvl5pPr lvl="4" marR="0" rtl="0" algn="l">
+    <a:lvl5pPr marR="0" lvl="4" algn="l" rtl="0">
       <a:lnSpc>
         <a:spcPct val="100000"/>
       </a:lnSpc>
@@ -143,7 +147,7 @@
         <a:spcPts val="0"/>
       </a:spcAft>
       <a:buNone/>
-      <a:defRPr b="0" i="0" sz="1400" u="none" cap="none" strike="noStrike">
+      <a:defRPr sz="1400" b="0" i="0" u="none" strike="noStrike" cap="none">
         <a:solidFill>
           <a:srgbClr val="000000"/>
         </a:solidFill>
@@ -153,7 +157,7 @@
         <a:sym typeface="Arial"/>
       </a:defRPr>
     </a:lvl5pPr>
-    <a:lvl6pPr lvl="5" marR="0" rtl="0" algn="l">
+    <a:lvl6pPr marR="0" lvl="5" algn="l" rtl="0">
       <a:lnSpc>
         <a:spcPct val="100000"/>
       </a:lnSpc>
@@ -164,7 +168,7 @@
         <a:spcPts val="0"/>
       </a:spcAft>
       <a:buNone/>
-      <a:defRPr b="0" i="0" sz="1400" u="none" cap="none" strike="noStrike">
+      <a:defRPr sz="1400" b="0" i="0" u="none" strike="noStrike" cap="none">
         <a:solidFill>
           <a:srgbClr val="000000"/>
         </a:solidFill>
@@ -174,7 +178,7 @@
         <a:sym typeface="Arial"/>
       </a:defRPr>
     </a:lvl6pPr>
-    <a:lvl7pPr lvl="6" marR="0" rtl="0" algn="l">
+    <a:lvl7pPr marR="0" lvl="6" algn="l" rtl="0">
       <a:lnSpc>
         <a:spcPct val="100000"/>
       </a:lnSpc>
@@ -185,7 +189,7 @@
         <a:spcPts val="0"/>
       </a:spcAft>
       <a:buNone/>
-      <a:defRPr b="0" i="0" sz="1400" u="none" cap="none" strike="noStrike">
+      <a:defRPr sz="1400" b="0" i="0" u="none" strike="noStrike" cap="none">
         <a:solidFill>
           <a:srgbClr val="000000"/>
         </a:solidFill>
@@ -195,7 +199,7 @@
         <a:sym typeface="Arial"/>
       </a:defRPr>
     </a:lvl7pPr>
-    <a:lvl8pPr lvl="7" marR="0" rtl="0" algn="l">
+    <a:lvl8pPr marR="0" lvl="7" algn="l" rtl="0">
       <a:lnSpc>
         <a:spcPct val="100000"/>
       </a:lnSpc>
@@ -206,7 +210,7 @@
         <a:spcPts val="0"/>
       </a:spcAft>
       <a:buNone/>
-      <a:defRPr b="0" i="0" sz="1400" u="none" cap="none" strike="noStrike">
+      <a:defRPr sz="1400" b="0" i="0" u="none" strike="noStrike" cap="none">
         <a:solidFill>
           <a:srgbClr val="000000"/>
         </a:solidFill>
@@ -216,7 +220,7 @@
         <a:sym typeface="Arial"/>
       </a:defRPr>
     </a:lvl8pPr>
-    <a:lvl9pPr lvl="8" marR="0" rtl="0" algn="l">
+    <a:lvl9pPr marR="0" lvl="8" algn="l" rtl="0">
       <a:lnSpc>
         <a:spcPct val="100000"/>
       </a:lnSpc>
@@ -227,7 +231,7 @@
         <a:spcPts val="0"/>
       </a:spcAft>
       <a:buNone/>
-      <a:defRPr b="0" i="0" sz="1400" u="none" cap="none" strike="noStrike">
+      <a:defRPr sz="1400" b="0" i="0" u="none" strike="noStrike" cap="none">
         <a:solidFill>
           <a:srgbClr val="000000"/>
         </a:solidFill>
@@ -242,11 +246,16 @@
 </file>
 
 <file path=ppt/notesMasters/notesMaster1.xml><?xml version="1.0" encoding="utf-8"?>
-<p:notesMaster xmlns:a="http://schemas.openxmlformats.org/drawingml/2006/main" xmlns:r="http://schemas.openxmlformats.org/officeDocument/2006/relationships" xmlns:mc="http://schemas.openxmlformats.org/markup-compatibility/2006" xmlns:mv="urn:schemas-microsoft-com:mac:vml" xmlns:p="http://schemas.openxmlformats.org/presentationml/2006/main" xmlns:c="http://schemas.openxmlformats.org/drawingml/2006/chart" xmlns:dgm="http://schemas.openxmlformats.org/drawingml/2006/diagram" xmlns:o="urn:schemas-microsoft-com:office:office" xmlns:v="urn:schemas-microsoft-com:vml" xmlns:pvml="urn:schemas-microsoft-com:office:powerpoint" xmlns:com="http://schemas.openxmlformats.org/drawingml/2006/compatibility" xmlns:p14="http://schemas.microsoft.com/office/powerpoint/2010/main" xmlns:p15="http://schemas.microsoft.com/office/powerpoint/2012/main">
+<p:notesMaster xmlns:a="http://schemas.openxmlformats.org/drawingml/2006/main" xmlns:r="http://schemas.openxmlformats.org/officeDocument/2006/relationships" xmlns:p="http://schemas.openxmlformats.org/presentationml/2006/main">
   <p:cSld>
+    <p:bg>
+      <p:bgRef idx="1001">
+        <a:schemeClr val="bg1"/>
+      </p:bgRef>
+    </p:bg>
     <p:spTree>
       <p:nvGrpSpPr>
-        <p:cNvPr id="2" name="Shape 2"/>
+        <p:cNvPr id="1" name="Shape 2"/>
         <p:cNvGrpSpPr/>
         <p:nvPr/>
       </p:nvGrpSpPr>
@@ -261,9 +270,11 @@
       <p:sp>
         <p:nvSpPr>
           <p:cNvPr id="3" name="Shape 3"/>
-          <p:cNvSpPr/>
+          <p:cNvSpPr>
+            <a:spLocks noGrp="1" noRot="1" noChangeAspect="1"/>
+          </p:cNvSpPr>
           <p:nvPr>
-            <p:ph idx="2" type="sldImg"/>
+            <p:ph type="sldImg" idx="2"/>
           </p:nvPr>
         </p:nvSpPr>
         <p:spPr>
@@ -272,8 +283,13 @@
             <a:ext cx="6096075" cy="3429000"/>
           </a:xfrm>
           <a:custGeom>
+            <a:avLst/>
+            <a:gdLst/>
+            <a:ahLst/>
+            <a:cxnLst/>
+            <a:rect l="0" t="0" r="0" b="0"/>
             <a:pathLst>
-              <a:path extrusionOk="0" h="120000" w="120000">
+              <a:path w="120000" h="120000" extrusionOk="0">
                 <a:moveTo>
                   <a:pt x="0" y="0"/>
                 </a:moveTo>
@@ -291,23 +307,25 @@
             </a:pathLst>
           </a:custGeom>
           <a:noFill/>
-          <a:ln cap="flat" cmpd="sng" w="9525">
+          <a:ln w="9525" cap="flat" cmpd="sng">
             <a:solidFill>
               <a:srgbClr val="000000"/>
             </a:solidFill>
             <a:prstDash val="solid"/>
             <a:round/>
-            <a:headEnd len="med" w="med" type="none"/>
-            <a:tailEnd len="med" w="med" type="none"/>
+            <a:headEnd type="none" w="med" len="med"/>
+            <a:tailEnd type="none" w="med" len="med"/>
           </a:ln>
         </p:spPr>
       </p:sp>
       <p:sp>
         <p:nvSpPr>
           <p:cNvPr id="4" name="Shape 4"/>
-          <p:cNvSpPr txBox="1"/>
+          <p:cNvSpPr txBox="1">
+            <a:spLocks noGrp="1"/>
+          </p:cNvSpPr>
           <p:nvPr>
-            <p:ph idx="1" type="body"/>
+            <p:ph type="body" idx="1"/>
           </p:nvPr>
         </p:nvSpPr>
         <p:spPr>
@@ -324,7 +342,7 @@
           </a:ln>
         </p:spPr>
         <p:txBody>
-          <a:bodyPr anchorCtr="0" anchor="t" bIns="91425" lIns="91425" rIns="91425" wrap="square" tIns="91425"/>
+          <a:bodyPr wrap="square" lIns="91425" tIns="91425" rIns="91425" bIns="91425" anchor="t" anchorCtr="0"/>
           <a:lstStyle>
             <a:lvl1pPr lvl="0">
               <a:spcBef>
@@ -399,21 +417,115 @@
               <a:defRPr sz="1100"/>
             </a:lvl9pPr>
           </a:lstStyle>
-          <a:p/>
+          <a:p>
+            <a:endParaRPr/>
+          </a:p>
         </p:txBody>
       </p:sp>
     </p:spTree>
   </p:cSld>
-  <p:clrMap accent1="accent1" accent2="accent2" accent3="accent3" accent4="accent4" accent5="accent5" accent6="accent6" bg1="lt1" bg2="dk2" tx1="dk1" tx2="lt2" folHlink="folHlink" hlink="hlink"/>
+  <p:clrMap bg1="lt1" tx1="dk1" bg2="dk2" tx2="lt2" accent1="accent1" accent2="accent2" accent3="accent3" accent4="accent4" accent5="accent5" accent6="accent6" hlink="hlink" folHlink="folHlink"/>
+  <p:notesStyle>
+    <a:lvl1pPr marL="0" algn="l" defTabSz="914400" rtl="0" eaLnBrk="1" latinLnBrk="0" hangingPunct="1">
+      <a:defRPr sz="1200" kern="1200">
+        <a:solidFill>
+          <a:schemeClr val="tx1"/>
+        </a:solidFill>
+        <a:latin typeface="+mn-lt"/>
+        <a:ea typeface="+mn-ea"/>
+        <a:cs typeface="+mn-cs"/>
+      </a:defRPr>
+    </a:lvl1pPr>
+    <a:lvl2pPr marL="457200" algn="l" defTabSz="914400" rtl="0" eaLnBrk="1" latinLnBrk="0" hangingPunct="1">
+      <a:defRPr sz="1200" kern="1200">
+        <a:solidFill>
+          <a:schemeClr val="tx1"/>
+        </a:solidFill>
+        <a:latin typeface="+mn-lt"/>
+        <a:ea typeface="+mn-ea"/>
+        <a:cs typeface="+mn-cs"/>
+      </a:defRPr>
+    </a:lvl2pPr>
+    <a:lvl3pPr marL="914400" algn="l" defTabSz="914400" rtl="0" eaLnBrk="1" latinLnBrk="0" hangingPunct="1">
+      <a:defRPr sz="1200" kern="1200">
+        <a:solidFill>
+          <a:schemeClr val="tx1"/>
+        </a:solidFill>
+        <a:latin typeface="+mn-lt"/>
+        <a:ea typeface="+mn-ea"/>
+        <a:cs typeface="+mn-cs"/>
+      </a:defRPr>
+    </a:lvl3pPr>
+    <a:lvl4pPr marL="1371600" algn="l" defTabSz="914400" rtl="0" eaLnBrk="1" latinLnBrk="0" hangingPunct="1">
+      <a:defRPr sz="1200" kern="1200">
+        <a:solidFill>
+          <a:schemeClr val="tx1"/>
+        </a:solidFill>
+        <a:latin typeface="+mn-lt"/>
+        <a:ea typeface="+mn-ea"/>
+        <a:cs typeface="+mn-cs"/>
+      </a:defRPr>
+    </a:lvl4pPr>
+    <a:lvl5pPr marL="1828800" algn="l" defTabSz="914400" rtl="0" eaLnBrk="1" latinLnBrk="0" hangingPunct="1">
+      <a:defRPr sz="1200" kern="1200">
+        <a:solidFill>
+          <a:schemeClr val="tx1"/>
+        </a:solidFill>
+        <a:latin typeface="+mn-lt"/>
+        <a:ea typeface="+mn-ea"/>
+        <a:cs typeface="+mn-cs"/>
+      </a:defRPr>
+    </a:lvl5pPr>
+    <a:lvl6pPr marL="2286000" algn="l" defTabSz="914400" rtl="0" eaLnBrk="1" latinLnBrk="0" hangingPunct="1">
+      <a:defRPr sz="1200" kern="1200">
+        <a:solidFill>
+          <a:schemeClr val="tx1"/>
+        </a:solidFill>
+        <a:latin typeface="+mn-lt"/>
+        <a:ea typeface="+mn-ea"/>
+        <a:cs typeface="+mn-cs"/>
+      </a:defRPr>
+    </a:lvl6pPr>
+    <a:lvl7pPr marL="2743200" algn="l" defTabSz="914400" rtl="0" eaLnBrk="1" latinLnBrk="0" hangingPunct="1">
+      <a:defRPr sz="1200" kern="1200">
+        <a:solidFill>
+          <a:schemeClr val="tx1"/>
+        </a:solidFill>
+        <a:latin typeface="+mn-lt"/>
+        <a:ea typeface="+mn-ea"/>
+        <a:cs typeface="+mn-cs"/>
+      </a:defRPr>
+    </a:lvl7pPr>
+    <a:lvl8pPr marL="3200400" algn="l" defTabSz="914400" rtl="0" eaLnBrk="1" latinLnBrk="0" hangingPunct="1">
+      <a:defRPr sz="1200" kern="1200">
+        <a:solidFill>
+          <a:schemeClr val="tx1"/>
+        </a:solidFill>
+        <a:latin typeface="+mn-lt"/>
+        <a:ea typeface="+mn-ea"/>
+        <a:cs typeface="+mn-cs"/>
+      </a:defRPr>
+    </a:lvl8pPr>
+    <a:lvl9pPr marL="3657600" algn="l" defTabSz="914400" rtl="0" eaLnBrk="1" latinLnBrk="0" hangingPunct="1">
+      <a:defRPr sz="1200" kern="1200">
+        <a:solidFill>
+          <a:schemeClr val="tx1"/>
+        </a:solidFill>
+        <a:latin typeface="+mn-lt"/>
+        <a:ea typeface="+mn-ea"/>
+        <a:cs typeface="+mn-cs"/>
+      </a:defRPr>
+    </a:lvl9pPr>
+  </p:notesStyle>
 </p:notesMaster>
 </file>
 
 <file path=ppt/notesSlides/notesSlide1.xml><?xml version="1.0" encoding="utf-8"?>
-<p:notes xmlns:a="http://schemas.openxmlformats.org/drawingml/2006/main" xmlns:r="http://schemas.openxmlformats.org/officeDocument/2006/relationships" xmlns:mc="http://schemas.openxmlformats.org/markup-compatibility/2006" xmlns:mv="urn:schemas-microsoft-com:mac:vml" xmlns:p="http://schemas.openxmlformats.org/presentationml/2006/main" xmlns:c="http://schemas.openxmlformats.org/drawingml/2006/chart" xmlns:dgm="http://schemas.openxmlformats.org/drawingml/2006/diagram" xmlns:o="urn:schemas-microsoft-com:office:office" xmlns:v="urn:schemas-microsoft-com:vml" xmlns:pvml="urn:schemas-microsoft-com:office:powerpoint" xmlns:com="http://schemas.openxmlformats.org/drawingml/2006/compatibility" xmlns:p14="http://schemas.microsoft.com/office/powerpoint/2010/main" xmlns:p15="http://schemas.microsoft.com/office/powerpoint/2012/main" showMasterPhAnim="0" showMasterSp="0">
+<p:notes xmlns:a="http://schemas.openxmlformats.org/drawingml/2006/main" xmlns:r="http://schemas.openxmlformats.org/officeDocument/2006/relationships" xmlns:p="http://schemas.openxmlformats.org/presentationml/2006/main" showMasterSp="0" showMasterPhAnim="0">
   <p:cSld>
     <p:spTree>
       <p:nvGrpSpPr>
-        <p:cNvPr id="50" name="Shape 50"/>
+        <p:cNvPr id="1" name="Shape 50"/>
         <p:cNvGrpSpPr/>
         <p:nvPr/>
       </p:nvGrpSpPr>
@@ -428,19 +540,26 @@
       <p:sp>
         <p:nvSpPr>
           <p:cNvPr id="51" name="Shape 51"/>
-          <p:cNvSpPr/>
+          <p:cNvSpPr>
+            <a:spLocks noGrp="1" noRot="1" noChangeAspect="1"/>
+          </p:cNvSpPr>
           <p:nvPr>
-            <p:ph idx="2" type="sldImg"/>
+            <p:ph type="sldImg" idx="2"/>
           </p:nvPr>
         </p:nvSpPr>
         <p:spPr>
           <a:xfrm>
-            <a:off x="381300" y="685800"/>
+            <a:off x="381000" y="685800"/>
             <a:ext cx="6096000" cy="3429000"/>
           </a:xfrm>
           <a:custGeom>
+            <a:avLst/>
+            <a:gdLst/>
+            <a:ahLst/>
+            <a:cxnLst/>
+            <a:rect l="0" t="0" r="0" b="0"/>
             <a:pathLst>
-              <a:path extrusionOk="0" h="120000" w="120000">
+              <a:path w="120000" h="120000" extrusionOk="0">
                 <a:moveTo>
                   <a:pt x="0" y="0"/>
                 </a:moveTo>
@@ -462,9 +581,11 @@
       <p:sp>
         <p:nvSpPr>
           <p:cNvPr id="52" name="Shape 52"/>
-          <p:cNvSpPr txBox="1"/>
+          <p:cNvSpPr txBox="1">
+            <a:spLocks noGrp="1"/>
+          </p:cNvSpPr>
           <p:nvPr>
-            <p:ph idx="1" type="body"/>
+            <p:ph type="body" idx="1"/>
           </p:nvPr>
         </p:nvSpPr>
         <p:spPr>
@@ -477,20 +598,17 @@
           </a:prstGeom>
         </p:spPr>
         <p:txBody>
-          <a:bodyPr anchorCtr="0" anchor="t" bIns="91425" lIns="91425" rIns="91425" wrap="square" tIns="91425">
+          <a:bodyPr wrap="square" lIns="91425" tIns="91425" rIns="91425" bIns="91425" anchor="t" anchorCtr="0">
             <a:noAutofit/>
           </a:bodyPr>
           <a:lstStyle/>
           <a:p>
-            <a:pPr indent="0" lvl="0" marL="0">
+            <a:pPr marL="0" lvl="0" indent="0">
               <a:spcBef>
                 <a:spcPts val="0"/>
               </a:spcBef>
               <a:buNone/>
             </a:pPr>
-            <a:r>
-              <a:t/>
-            </a:r>
             <a:endParaRPr/>
           </a:p>
         </p:txBody>
@@ -504,11 +622,11 @@
 </file>
 
 <file path=ppt/notesSlides/notesSlide10.xml><?xml version="1.0" encoding="utf-8"?>
-<p:notes xmlns:a="http://schemas.openxmlformats.org/drawingml/2006/main" xmlns:r="http://schemas.openxmlformats.org/officeDocument/2006/relationships" xmlns:mc="http://schemas.openxmlformats.org/markup-compatibility/2006" xmlns:mv="urn:schemas-microsoft-com:mac:vml" xmlns:p="http://schemas.openxmlformats.org/presentationml/2006/main" xmlns:c="http://schemas.openxmlformats.org/drawingml/2006/chart" xmlns:dgm="http://schemas.openxmlformats.org/drawingml/2006/diagram" xmlns:o="urn:schemas-microsoft-com:office:office" xmlns:v="urn:schemas-microsoft-com:vml" xmlns:pvml="urn:schemas-microsoft-com:office:powerpoint" xmlns:com="http://schemas.openxmlformats.org/drawingml/2006/compatibility" xmlns:p14="http://schemas.microsoft.com/office/powerpoint/2010/main" xmlns:p15="http://schemas.microsoft.com/office/powerpoint/2012/main" showMasterPhAnim="0" showMasterSp="0">
+<p:notes xmlns:a="http://schemas.openxmlformats.org/drawingml/2006/main" xmlns:r="http://schemas.openxmlformats.org/officeDocument/2006/relationships" xmlns:p="http://schemas.openxmlformats.org/presentationml/2006/main" showMasterSp="0" showMasterPhAnim="0">
   <p:cSld>
     <p:spTree>
       <p:nvGrpSpPr>
-        <p:cNvPr id="113" name="Shape 113"/>
+        <p:cNvPr id="1" name="Shape 113"/>
         <p:cNvGrpSpPr/>
         <p:nvPr/>
       </p:nvGrpSpPr>
@@ -523,19 +641,26 @@
       <p:sp>
         <p:nvSpPr>
           <p:cNvPr id="114" name="Shape 114"/>
-          <p:cNvSpPr/>
+          <p:cNvSpPr>
+            <a:spLocks noGrp="1" noRot="1" noChangeAspect="1"/>
+          </p:cNvSpPr>
           <p:nvPr>
-            <p:ph idx="2" type="sldImg"/>
+            <p:ph type="sldImg" idx="2"/>
           </p:nvPr>
         </p:nvSpPr>
         <p:spPr>
           <a:xfrm>
-            <a:off x="381300" y="685800"/>
+            <a:off x="381000" y="685800"/>
             <a:ext cx="6096000" cy="3429000"/>
           </a:xfrm>
           <a:custGeom>
+            <a:avLst/>
+            <a:gdLst/>
+            <a:ahLst/>
+            <a:cxnLst/>
+            <a:rect l="0" t="0" r="0" b="0"/>
             <a:pathLst>
-              <a:path extrusionOk="0" h="120000" w="120000">
+              <a:path w="120000" h="120000" extrusionOk="0">
                 <a:moveTo>
                   <a:pt x="0" y="0"/>
                 </a:moveTo>
@@ -557,9 +682,11 @@
       <p:sp>
         <p:nvSpPr>
           <p:cNvPr id="115" name="Shape 115"/>
-          <p:cNvSpPr txBox="1"/>
+          <p:cNvSpPr txBox="1">
+            <a:spLocks noGrp="1"/>
+          </p:cNvSpPr>
           <p:nvPr>
-            <p:ph idx="1" type="body"/>
+            <p:ph type="body" idx="1"/>
           </p:nvPr>
         </p:nvSpPr>
         <p:spPr>
@@ -572,20 +699,17 @@
           </a:prstGeom>
         </p:spPr>
         <p:txBody>
-          <a:bodyPr anchorCtr="0" anchor="t" bIns="91425" lIns="91425" rIns="91425" wrap="square" tIns="91425">
+          <a:bodyPr wrap="square" lIns="91425" tIns="91425" rIns="91425" bIns="91425" anchor="t" anchorCtr="0">
             <a:noAutofit/>
           </a:bodyPr>
           <a:lstStyle/>
           <a:p>
-            <a:pPr indent="0" lvl="0" marL="0">
+            <a:pPr marL="0" lvl="0" indent="0">
               <a:spcBef>
                 <a:spcPts val="0"/>
               </a:spcBef>
               <a:buNone/>
             </a:pPr>
-            <a:r>
-              <a:t/>
-            </a:r>
             <a:endParaRPr/>
           </a:p>
         </p:txBody>
@@ -599,11 +723,11 @@
 </file>
 
 <file path=ppt/notesSlides/notesSlide11.xml><?xml version="1.0" encoding="utf-8"?>
-<p:notes xmlns:a="http://schemas.openxmlformats.org/drawingml/2006/main" xmlns:r="http://schemas.openxmlformats.org/officeDocument/2006/relationships" xmlns:mc="http://schemas.openxmlformats.org/markup-compatibility/2006" xmlns:mv="urn:schemas-microsoft-com:mac:vml" xmlns:p="http://schemas.openxmlformats.org/presentationml/2006/main" xmlns:c="http://schemas.openxmlformats.org/drawingml/2006/chart" xmlns:dgm="http://schemas.openxmlformats.org/drawingml/2006/diagram" xmlns:o="urn:schemas-microsoft-com:office:office" xmlns:v="urn:schemas-microsoft-com:vml" xmlns:pvml="urn:schemas-microsoft-com:office:powerpoint" xmlns:com="http://schemas.openxmlformats.org/drawingml/2006/compatibility" xmlns:p14="http://schemas.microsoft.com/office/powerpoint/2010/main" xmlns:p15="http://schemas.microsoft.com/office/powerpoint/2012/main" showMasterPhAnim="0" showMasterSp="0">
+<p:notes xmlns:a="http://schemas.openxmlformats.org/drawingml/2006/main" xmlns:r="http://schemas.openxmlformats.org/officeDocument/2006/relationships" xmlns:p="http://schemas.openxmlformats.org/presentationml/2006/main" showMasterSp="0" showMasterPhAnim="0">
   <p:cSld>
     <p:spTree>
       <p:nvGrpSpPr>
-        <p:cNvPr id="119" name="Shape 119"/>
+        <p:cNvPr id="1" name="Shape 119"/>
         <p:cNvGrpSpPr/>
         <p:nvPr/>
       </p:nvGrpSpPr>
@@ -618,19 +742,26 @@
       <p:sp>
         <p:nvSpPr>
           <p:cNvPr id="120" name="Shape 120"/>
-          <p:cNvSpPr/>
+          <p:cNvSpPr>
+            <a:spLocks noGrp="1" noRot="1" noChangeAspect="1"/>
+          </p:cNvSpPr>
           <p:nvPr>
-            <p:ph idx="2" type="sldImg"/>
+            <p:ph type="sldImg" idx="2"/>
           </p:nvPr>
         </p:nvSpPr>
         <p:spPr>
           <a:xfrm>
-            <a:off x="381300" y="685800"/>
+            <a:off x="381000" y="685800"/>
             <a:ext cx="6096000" cy="3429000"/>
           </a:xfrm>
           <a:custGeom>
+            <a:avLst/>
+            <a:gdLst/>
+            <a:ahLst/>
+            <a:cxnLst/>
+            <a:rect l="0" t="0" r="0" b="0"/>
             <a:pathLst>
-              <a:path extrusionOk="0" h="120000" w="120000">
+              <a:path w="120000" h="120000" extrusionOk="0">
                 <a:moveTo>
                   <a:pt x="0" y="0"/>
                 </a:moveTo>
@@ -652,9 +783,11 @@
       <p:sp>
         <p:nvSpPr>
           <p:cNvPr id="121" name="Shape 121"/>
-          <p:cNvSpPr txBox="1"/>
+          <p:cNvSpPr txBox="1">
+            <a:spLocks noGrp="1"/>
+          </p:cNvSpPr>
           <p:nvPr>
-            <p:ph idx="1" type="body"/>
+            <p:ph type="body" idx="1"/>
           </p:nvPr>
         </p:nvSpPr>
         <p:spPr>
@@ -667,20 +800,17 @@
           </a:prstGeom>
         </p:spPr>
         <p:txBody>
-          <a:bodyPr anchorCtr="0" anchor="t" bIns="91425" lIns="91425" rIns="91425" wrap="square" tIns="91425">
+          <a:bodyPr wrap="square" lIns="91425" tIns="91425" rIns="91425" bIns="91425" anchor="t" anchorCtr="0">
             <a:noAutofit/>
           </a:bodyPr>
           <a:lstStyle/>
           <a:p>
-            <a:pPr indent="0" lvl="0" marL="0">
+            <a:pPr marL="0" lvl="0" indent="0">
               <a:spcBef>
                 <a:spcPts val="0"/>
               </a:spcBef>
               <a:buNone/>
             </a:pPr>
-            <a:r>
-              <a:t/>
-            </a:r>
             <a:endParaRPr/>
           </a:p>
         </p:txBody>
@@ -694,11 +824,11 @@
 </file>
 
 <file path=ppt/notesSlides/notesSlide12.xml><?xml version="1.0" encoding="utf-8"?>
-<p:notes xmlns:a="http://schemas.openxmlformats.org/drawingml/2006/main" xmlns:r="http://schemas.openxmlformats.org/officeDocument/2006/relationships" xmlns:mc="http://schemas.openxmlformats.org/markup-compatibility/2006" xmlns:mv="urn:schemas-microsoft-com:mac:vml" xmlns:p="http://schemas.openxmlformats.org/presentationml/2006/main" xmlns:c="http://schemas.openxmlformats.org/drawingml/2006/chart" xmlns:dgm="http://schemas.openxmlformats.org/drawingml/2006/diagram" xmlns:o="urn:schemas-microsoft-com:office:office" xmlns:v="urn:schemas-microsoft-com:vml" xmlns:pvml="urn:schemas-microsoft-com:office:powerpoint" xmlns:com="http://schemas.openxmlformats.org/drawingml/2006/compatibility" xmlns:p14="http://schemas.microsoft.com/office/powerpoint/2010/main" xmlns:p15="http://schemas.microsoft.com/office/powerpoint/2012/main" showMasterPhAnim="0" showMasterSp="0">
+<p:notes xmlns:a="http://schemas.openxmlformats.org/drawingml/2006/main" xmlns:r="http://schemas.openxmlformats.org/officeDocument/2006/relationships" xmlns:p="http://schemas.openxmlformats.org/presentationml/2006/main" showMasterSp="0" showMasterPhAnim="0">
   <p:cSld>
     <p:spTree>
       <p:nvGrpSpPr>
-        <p:cNvPr id="125" name="Shape 125"/>
+        <p:cNvPr id="1" name="Shape 125"/>
         <p:cNvGrpSpPr/>
         <p:nvPr/>
       </p:nvGrpSpPr>
@@ -713,19 +843,26 @@
       <p:sp>
         <p:nvSpPr>
           <p:cNvPr id="126" name="Shape 126"/>
-          <p:cNvSpPr/>
+          <p:cNvSpPr>
+            <a:spLocks noGrp="1" noRot="1" noChangeAspect="1"/>
+          </p:cNvSpPr>
           <p:nvPr>
-            <p:ph idx="2" type="sldImg"/>
+            <p:ph type="sldImg" idx="2"/>
           </p:nvPr>
         </p:nvSpPr>
         <p:spPr>
           <a:xfrm>
-            <a:off x="381300" y="685800"/>
+            <a:off x="381000" y="685800"/>
             <a:ext cx="6096000" cy="3429000"/>
           </a:xfrm>
           <a:custGeom>
+            <a:avLst/>
+            <a:gdLst/>
+            <a:ahLst/>
+            <a:cxnLst/>
+            <a:rect l="0" t="0" r="0" b="0"/>
             <a:pathLst>
-              <a:path extrusionOk="0" h="120000" w="120000">
+              <a:path w="120000" h="120000" extrusionOk="0">
                 <a:moveTo>
                   <a:pt x="0" y="0"/>
                 </a:moveTo>
@@ -747,9 +884,11 @@
       <p:sp>
         <p:nvSpPr>
           <p:cNvPr id="127" name="Shape 127"/>
-          <p:cNvSpPr txBox="1"/>
+          <p:cNvSpPr txBox="1">
+            <a:spLocks noGrp="1"/>
+          </p:cNvSpPr>
           <p:nvPr>
-            <p:ph idx="1" type="body"/>
+            <p:ph type="body" idx="1"/>
           </p:nvPr>
         </p:nvSpPr>
         <p:spPr>
@@ -762,20 +901,17 @@
           </a:prstGeom>
         </p:spPr>
         <p:txBody>
-          <a:bodyPr anchorCtr="0" anchor="t" bIns="91425" lIns="91425" rIns="91425" wrap="square" tIns="91425">
+          <a:bodyPr wrap="square" lIns="91425" tIns="91425" rIns="91425" bIns="91425" anchor="t" anchorCtr="0">
             <a:noAutofit/>
           </a:bodyPr>
           <a:lstStyle/>
           <a:p>
-            <a:pPr indent="0" lvl="0" marL="0">
+            <a:pPr marL="0" lvl="0" indent="0">
               <a:spcBef>
                 <a:spcPts val="0"/>
               </a:spcBef>
               <a:buNone/>
             </a:pPr>
-            <a:r>
-              <a:t/>
-            </a:r>
             <a:endParaRPr/>
           </a:p>
         </p:txBody>
@@ -789,11 +925,11 @@
 </file>
 
 <file path=ppt/notesSlides/notesSlide13.xml><?xml version="1.0" encoding="utf-8"?>
-<p:notes xmlns:a="http://schemas.openxmlformats.org/drawingml/2006/main" xmlns:r="http://schemas.openxmlformats.org/officeDocument/2006/relationships" xmlns:mc="http://schemas.openxmlformats.org/markup-compatibility/2006" xmlns:mv="urn:schemas-microsoft-com:mac:vml" xmlns:p="http://schemas.openxmlformats.org/presentationml/2006/main" xmlns:c="http://schemas.openxmlformats.org/drawingml/2006/chart" xmlns:dgm="http://schemas.openxmlformats.org/drawingml/2006/diagram" xmlns:o="urn:schemas-microsoft-com:office:office" xmlns:v="urn:schemas-microsoft-com:vml" xmlns:pvml="urn:schemas-microsoft-com:office:powerpoint" xmlns:com="http://schemas.openxmlformats.org/drawingml/2006/compatibility" xmlns:p14="http://schemas.microsoft.com/office/powerpoint/2010/main" xmlns:p15="http://schemas.microsoft.com/office/powerpoint/2012/main" showMasterPhAnim="0" showMasterSp="0">
+<p:notes xmlns:a="http://schemas.openxmlformats.org/drawingml/2006/main" xmlns:r="http://schemas.openxmlformats.org/officeDocument/2006/relationships" xmlns:p="http://schemas.openxmlformats.org/presentationml/2006/main" showMasterSp="0" showMasterPhAnim="0">
   <p:cSld>
     <p:spTree>
       <p:nvGrpSpPr>
-        <p:cNvPr id="135" name="Shape 135"/>
+        <p:cNvPr id="1" name="Shape 135"/>
         <p:cNvGrpSpPr/>
         <p:nvPr/>
       </p:nvGrpSpPr>
@@ -808,19 +944,26 @@
       <p:sp>
         <p:nvSpPr>
           <p:cNvPr id="136" name="Shape 136"/>
-          <p:cNvSpPr/>
+          <p:cNvSpPr>
+            <a:spLocks noGrp="1" noRot="1" noChangeAspect="1"/>
+          </p:cNvSpPr>
           <p:nvPr>
-            <p:ph idx="2" type="sldImg"/>
+            <p:ph type="sldImg" idx="2"/>
           </p:nvPr>
         </p:nvSpPr>
         <p:spPr>
           <a:xfrm>
-            <a:off x="381300" y="685800"/>
+            <a:off x="381000" y="685800"/>
             <a:ext cx="6096000" cy="3429000"/>
           </a:xfrm>
           <a:custGeom>
+            <a:avLst/>
+            <a:gdLst/>
+            <a:ahLst/>
+            <a:cxnLst/>
+            <a:rect l="0" t="0" r="0" b="0"/>
             <a:pathLst>
-              <a:path extrusionOk="0" h="120000" w="120000">
+              <a:path w="120000" h="120000" extrusionOk="0">
                 <a:moveTo>
                   <a:pt x="0" y="0"/>
                 </a:moveTo>
@@ -842,9 +985,11 @@
       <p:sp>
         <p:nvSpPr>
           <p:cNvPr id="137" name="Shape 137"/>
-          <p:cNvSpPr txBox="1"/>
+          <p:cNvSpPr txBox="1">
+            <a:spLocks noGrp="1"/>
+          </p:cNvSpPr>
           <p:nvPr>
-            <p:ph idx="1" type="body"/>
+            <p:ph type="body" idx="1"/>
           </p:nvPr>
         </p:nvSpPr>
         <p:spPr>
@@ -857,20 +1002,17 @@
           </a:prstGeom>
         </p:spPr>
         <p:txBody>
-          <a:bodyPr anchorCtr="0" anchor="t" bIns="91425" lIns="91425" rIns="91425" wrap="square" tIns="91425">
+          <a:bodyPr wrap="square" lIns="91425" tIns="91425" rIns="91425" bIns="91425" anchor="t" anchorCtr="0">
             <a:noAutofit/>
           </a:bodyPr>
           <a:lstStyle/>
           <a:p>
-            <a:pPr indent="0" lvl="0" marL="0">
+            <a:pPr marL="0" lvl="0" indent="0">
               <a:spcBef>
                 <a:spcPts val="0"/>
               </a:spcBef>
               <a:buNone/>
             </a:pPr>
-            <a:r>
-              <a:t/>
-            </a:r>
             <a:endParaRPr/>
           </a:p>
         </p:txBody>
@@ -884,11 +1026,11 @@
 </file>
 
 <file path=ppt/notesSlides/notesSlide14.xml><?xml version="1.0" encoding="utf-8"?>
-<p:notes xmlns:a="http://schemas.openxmlformats.org/drawingml/2006/main" xmlns:r="http://schemas.openxmlformats.org/officeDocument/2006/relationships" xmlns:mc="http://schemas.openxmlformats.org/markup-compatibility/2006" xmlns:mv="urn:schemas-microsoft-com:mac:vml" xmlns:p="http://schemas.openxmlformats.org/presentationml/2006/main" xmlns:c="http://schemas.openxmlformats.org/drawingml/2006/chart" xmlns:dgm="http://schemas.openxmlformats.org/drawingml/2006/diagram" xmlns:o="urn:schemas-microsoft-com:office:office" xmlns:v="urn:schemas-microsoft-com:vml" xmlns:pvml="urn:schemas-microsoft-com:office:powerpoint" xmlns:com="http://schemas.openxmlformats.org/drawingml/2006/compatibility" xmlns:p14="http://schemas.microsoft.com/office/powerpoint/2010/main" xmlns:p15="http://schemas.microsoft.com/office/powerpoint/2012/main" showMasterPhAnim="0" showMasterSp="0">
+<p:notes xmlns:a="http://schemas.openxmlformats.org/drawingml/2006/main" xmlns:r="http://schemas.openxmlformats.org/officeDocument/2006/relationships" xmlns:p="http://schemas.openxmlformats.org/presentationml/2006/main" showMasterSp="0" showMasterPhAnim="0">
   <p:cSld>
     <p:spTree>
       <p:nvGrpSpPr>
-        <p:cNvPr id="141" name="Shape 141"/>
+        <p:cNvPr id="1" name="Shape 141"/>
         <p:cNvGrpSpPr/>
         <p:nvPr/>
       </p:nvGrpSpPr>
@@ -903,19 +1045,26 @@
       <p:sp>
         <p:nvSpPr>
           <p:cNvPr id="142" name="Shape 142"/>
-          <p:cNvSpPr/>
+          <p:cNvSpPr>
+            <a:spLocks noGrp="1" noRot="1" noChangeAspect="1"/>
+          </p:cNvSpPr>
           <p:nvPr>
-            <p:ph idx="2" type="sldImg"/>
+            <p:ph type="sldImg" idx="2"/>
           </p:nvPr>
         </p:nvSpPr>
         <p:spPr>
           <a:xfrm>
-            <a:off x="381300" y="685800"/>
+            <a:off x="381000" y="685800"/>
             <a:ext cx="6096000" cy="3429000"/>
           </a:xfrm>
           <a:custGeom>
+            <a:avLst/>
+            <a:gdLst/>
+            <a:ahLst/>
+            <a:cxnLst/>
+            <a:rect l="0" t="0" r="0" b="0"/>
             <a:pathLst>
-              <a:path extrusionOk="0" h="120000" w="120000">
+              <a:path w="120000" h="120000" extrusionOk="0">
                 <a:moveTo>
                   <a:pt x="0" y="0"/>
                 </a:moveTo>
@@ -937,9 +1086,11 @@
       <p:sp>
         <p:nvSpPr>
           <p:cNvPr id="143" name="Shape 143"/>
-          <p:cNvSpPr txBox="1"/>
+          <p:cNvSpPr txBox="1">
+            <a:spLocks noGrp="1"/>
+          </p:cNvSpPr>
           <p:nvPr>
-            <p:ph idx="1" type="body"/>
+            <p:ph type="body" idx="1"/>
           </p:nvPr>
         </p:nvSpPr>
         <p:spPr>
@@ -952,20 +1103,17 @@
           </a:prstGeom>
         </p:spPr>
         <p:txBody>
-          <a:bodyPr anchorCtr="0" anchor="t" bIns="91425" lIns="91425" rIns="91425" wrap="square" tIns="91425">
+          <a:bodyPr wrap="square" lIns="91425" tIns="91425" rIns="91425" bIns="91425" anchor="t" anchorCtr="0">
             <a:noAutofit/>
           </a:bodyPr>
           <a:lstStyle/>
           <a:p>
-            <a:pPr indent="0" lvl="0" marL="0">
+            <a:pPr marL="0" lvl="0" indent="0">
               <a:spcBef>
                 <a:spcPts val="0"/>
               </a:spcBef>
               <a:buNone/>
             </a:pPr>
-            <a:r>
-              <a:t/>
-            </a:r>
             <a:endParaRPr/>
           </a:p>
         </p:txBody>
@@ -979,11 +1127,11 @@
 </file>
 
 <file path=ppt/notesSlides/notesSlide15.xml><?xml version="1.0" encoding="utf-8"?>
-<p:notes xmlns:a="http://schemas.openxmlformats.org/drawingml/2006/main" xmlns:r="http://schemas.openxmlformats.org/officeDocument/2006/relationships" xmlns:mc="http://schemas.openxmlformats.org/markup-compatibility/2006" xmlns:mv="urn:schemas-microsoft-com:mac:vml" xmlns:p="http://schemas.openxmlformats.org/presentationml/2006/main" xmlns:c="http://schemas.openxmlformats.org/drawingml/2006/chart" xmlns:dgm="http://schemas.openxmlformats.org/drawingml/2006/diagram" xmlns:o="urn:schemas-microsoft-com:office:office" xmlns:v="urn:schemas-microsoft-com:vml" xmlns:pvml="urn:schemas-microsoft-com:office:powerpoint" xmlns:com="http://schemas.openxmlformats.org/drawingml/2006/compatibility" xmlns:p14="http://schemas.microsoft.com/office/powerpoint/2010/main" xmlns:p15="http://schemas.microsoft.com/office/powerpoint/2012/main" showMasterPhAnim="0" showMasterSp="0">
+<p:notes xmlns:a="http://schemas.openxmlformats.org/drawingml/2006/main" xmlns:r="http://schemas.openxmlformats.org/officeDocument/2006/relationships" xmlns:p="http://schemas.openxmlformats.org/presentationml/2006/main" showMasterSp="0" showMasterPhAnim="0">
   <p:cSld>
     <p:spTree>
       <p:nvGrpSpPr>
-        <p:cNvPr id="147" name="Shape 147"/>
+        <p:cNvPr id="1" name="Shape 147"/>
         <p:cNvGrpSpPr/>
         <p:nvPr/>
       </p:nvGrpSpPr>
@@ -998,19 +1146,26 @@
       <p:sp>
         <p:nvSpPr>
           <p:cNvPr id="148" name="Shape 148"/>
-          <p:cNvSpPr/>
+          <p:cNvSpPr>
+            <a:spLocks noGrp="1" noRot="1" noChangeAspect="1"/>
+          </p:cNvSpPr>
           <p:nvPr>
-            <p:ph idx="2" type="sldImg"/>
+            <p:ph type="sldImg" idx="2"/>
           </p:nvPr>
         </p:nvSpPr>
         <p:spPr>
           <a:xfrm>
-            <a:off x="381300" y="685800"/>
+            <a:off x="381000" y="685800"/>
             <a:ext cx="6096000" cy="3429000"/>
           </a:xfrm>
           <a:custGeom>
+            <a:avLst/>
+            <a:gdLst/>
+            <a:ahLst/>
+            <a:cxnLst/>
+            <a:rect l="0" t="0" r="0" b="0"/>
             <a:pathLst>
-              <a:path extrusionOk="0" h="120000" w="120000">
+              <a:path w="120000" h="120000" extrusionOk="0">
                 <a:moveTo>
                   <a:pt x="0" y="0"/>
                 </a:moveTo>
@@ -1032,9 +1187,11 @@
       <p:sp>
         <p:nvSpPr>
           <p:cNvPr id="149" name="Shape 149"/>
-          <p:cNvSpPr txBox="1"/>
+          <p:cNvSpPr txBox="1">
+            <a:spLocks noGrp="1"/>
+          </p:cNvSpPr>
           <p:nvPr>
-            <p:ph idx="1" type="body"/>
+            <p:ph type="body" idx="1"/>
           </p:nvPr>
         </p:nvSpPr>
         <p:spPr>
@@ -1047,20 +1204,17 @@
           </a:prstGeom>
         </p:spPr>
         <p:txBody>
-          <a:bodyPr anchorCtr="0" anchor="t" bIns="91425" lIns="91425" rIns="91425" wrap="square" tIns="91425">
+          <a:bodyPr wrap="square" lIns="91425" tIns="91425" rIns="91425" bIns="91425" anchor="t" anchorCtr="0">
             <a:noAutofit/>
           </a:bodyPr>
           <a:lstStyle/>
           <a:p>
-            <a:pPr indent="0" lvl="0" marL="0">
+            <a:pPr marL="0" lvl="0" indent="0">
               <a:spcBef>
                 <a:spcPts val="0"/>
               </a:spcBef>
               <a:buNone/>
             </a:pPr>
-            <a:r>
-              <a:t/>
-            </a:r>
             <a:endParaRPr/>
           </a:p>
         </p:txBody>
@@ -1074,11 +1228,11 @@
 </file>
 
 <file path=ppt/notesSlides/notesSlide16.xml><?xml version="1.0" encoding="utf-8"?>
-<p:notes xmlns:a="http://schemas.openxmlformats.org/drawingml/2006/main" xmlns:r="http://schemas.openxmlformats.org/officeDocument/2006/relationships" xmlns:mc="http://schemas.openxmlformats.org/markup-compatibility/2006" xmlns:mv="urn:schemas-microsoft-com:mac:vml" xmlns:p="http://schemas.openxmlformats.org/presentationml/2006/main" xmlns:c="http://schemas.openxmlformats.org/drawingml/2006/chart" xmlns:dgm="http://schemas.openxmlformats.org/drawingml/2006/diagram" xmlns:o="urn:schemas-microsoft-com:office:office" xmlns:v="urn:schemas-microsoft-com:vml" xmlns:pvml="urn:schemas-microsoft-com:office:powerpoint" xmlns:com="http://schemas.openxmlformats.org/drawingml/2006/compatibility" xmlns:p14="http://schemas.microsoft.com/office/powerpoint/2010/main" xmlns:p15="http://schemas.microsoft.com/office/powerpoint/2012/main" showMasterPhAnim="0" showMasterSp="0">
+<p:notes xmlns:a="http://schemas.openxmlformats.org/drawingml/2006/main" xmlns:r="http://schemas.openxmlformats.org/officeDocument/2006/relationships" xmlns:p="http://schemas.openxmlformats.org/presentationml/2006/main" showMasterSp="0" showMasterPhAnim="0">
   <p:cSld>
     <p:spTree>
       <p:nvGrpSpPr>
-        <p:cNvPr id="157" name="Shape 157"/>
+        <p:cNvPr id="1" name="Shape 157"/>
         <p:cNvGrpSpPr/>
         <p:nvPr/>
       </p:nvGrpSpPr>
@@ -1093,19 +1247,26 @@
       <p:sp>
         <p:nvSpPr>
           <p:cNvPr id="158" name="Shape 158"/>
-          <p:cNvSpPr/>
+          <p:cNvSpPr>
+            <a:spLocks noGrp="1" noRot="1" noChangeAspect="1"/>
+          </p:cNvSpPr>
           <p:nvPr>
-            <p:ph idx="2" type="sldImg"/>
+            <p:ph type="sldImg" idx="2"/>
           </p:nvPr>
         </p:nvSpPr>
         <p:spPr>
           <a:xfrm>
-            <a:off x="381300" y="685800"/>
+            <a:off x="381000" y="685800"/>
             <a:ext cx="6096000" cy="3429000"/>
           </a:xfrm>
           <a:custGeom>
+            <a:avLst/>
+            <a:gdLst/>
+            <a:ahLst/>
+            <a:cxnLst/>
+            <a:rect l="0" t="0" r="0" b="0"/>
             <a:pathLst>
-              <a:path extrusionOk="0" h="120000" w="120000">
+              <a:path w="120000" h="120000" extrusionOk="0">
                 <a:moveTo>
                   <a:pt x="0" y="0"/>
                 </a:moveTo>
@@ -1127,9 +1288,11 @@
       <p:sp>
         <p:nvSpPr>
           <p:cNvPr id="159" name="Shape 159"/>
-          <p:cNvSpPr txBox="1"/>
+          <p:cNvSpPr txBox="1">
+            <a:spLocks noGrp="1"/>
+          </p:cNvSpPr>
           <p:nvPr>
-            <p:ph idx="1" type="body"/>
+            <p:ph type="body" idx="1"/>
           </p:nvPr>
         </p:nvSpPr>
         <p:spPr>
@@ -1142,20 +1305,17 @@
           </a:prstGeom>
         </p:spPr>
         <p:txBody>
-          <a:bodyPr anchorCtr="0" anchor="t" bIns="91425" lIns="91425" rIns="91425" wrap="square" tIns="91425">
+          <a:bodyPr wrap="square" lIns="91425" tIns="91425" rIns="91425" bIns="91425" anchor="t" anchorCtr="0">
             <a:noAutofit/>
           </a:bodyPr>
           <a:lstStyle/>
           <a:p>
-            <a:pPr indent="0" lvl="0" marL="0">
+            <a:pPr marL="0" lvl="0" indent="0">
               <a:spcBef>
                 <a:spcPts val="0"/>
               </a:spcBef>
               <a:buNone/>
             </a:pPr>
-            <a:r>
-              <a:t/>
-            </a:r>
             <a:endParaRPr/>
           </a:p>
         </p:txBody>
@@ -1169,11 +1329,11 @@
 </file>
 
 <file path=ppt/notesSlides/notesSlide2.xml><?xml version="1.0" encoding="utf-8"?>
-<p:notes xmlns:a="http://schemas.openxmlformats.org/drawingml/2006/main" xmlns:r="http://schemas.openxmlformats.org/officeDocument/2006/relationships" xmlns:mc="http://schemas.openxmlformats.org/markup-compatibility/2006" xmlns:mv="urn:schemas-microsoft-com:mac:vml" xmlns:p="http://schemas.openxmlformats.org/presentationml/2006/main" xmlns:c="http://schemas.openxmlformats.org/drawingml/2006/chart" xmlns:dgm="http://schemas.openxmlformats.org/drawingml/2006/diagram" xmlns:o="urn:schemas-microsoft-com:office:office" xmlns:v="urn:schemas-microsoft-com:vml" xmlns:pvml="urn:schemas-microsoft-com:office:powerpoint" xmlns:com="http://schemas.openxmlformats.org/drawingml/2006/compatibility" xmlns:p14="http://schemas.microsoft.com/office/powerpoint/2010/main" xmlns:p15="http://schemas.microsoft.com/office/powerpoint/2012/main" showMasterPhAnim="0" showMasterSp="0">
+<p:notes xmlns:a="http://schemas.openxmlformats.org/drawingml/2006/main" xmlns:r="http://schemas.openxmlformats.org/officeDocument/2006/relationships" xmlns:p="http://schemas.openxmlformats.org/presentationml/2006/main" showMasterSp="0" showMasterPhAnim="0">
   <p:cSld>
     <p:spTree>
       <p:nvGrpSpPr>
-        <p:cNvPr id="56" name="Shape 56"/>
+        <p:cNvPr id="1" name="Shape 56"/>
         <p:cNvGrpSpPr/>
         <p:nvPr/>
       </p:nvGrpSpPr>
@@ -1188,19 +1348,26 @@
       <p:sp>
         <p:nvSpPr>
           <p:cNvPr id="57" name="Shape 57"/>
-          <p:cNvSpPr/>
+          <p:cNvSpPr>
+            <a:spLocks noGrp="1" noRot="1" noChangeAspect="1"/>
+          </p:cNvSpPr>
           <p:nvPr>
-            <p:ph idx="2" type="sldImg"/>
+            <p:ph type="sldImg" idx="2"/>
           </p:nvPr>
         </p:nvSpPr>
         <p:spPr>
           <a:xfrm>
-            <a:off x="381300" y="685800"/>
+            <a:off x="381000" y="685800"/>
             <a:ext cx="6096000" cy="3429000"/>
           </a:xfrm>
           <a:custGeom>
+            <a:avLst/>
+            <a:gdLst/>
+            <a:ahLst/>
+            <a:cxnLst/>
+            <a:rect l="0" t="0" r="0" b="0"/>
             <a:pathLst>
-              <a:path extrusionOk="0" h="120000" w="120000">
+              <a:path w="120000" h="120000" extrusionOk="0">
                 <a:moveTo>
                   <a:pt x="0" y="0"/>
                 </a:moveTo>
@@ -1222,9 +1389,11 @@
       <p:sp>
         <p:nvSpPr>
           <p:cNvPr id="58" name="Shape 58"/>
-          <p:cNvSpPr txBox="1"/>
+          <p:cNvSpPr txBox="1">
+            <a:spLocks noGrp="1"/>
+          </p:cNvSpPr>
           <p:nvPr>
-            <p:ph idx="1" type="body"/>
+            <p:ph type="body" idx="1"/>
           </p:nvPr>
         </p:nvSpPr>
         <p:spPr>
@@ -1237,20 +1406,17 @@
           </a:prstGeom>
         </p:spPr>
         <p:txBody>
-          <a:bodyPr anchorCtr="0" anchor="t" bIns="91425" lIns="91425" rIns="91425" wrap="square" tIns="91425">
+          <a:bodyPr wrap="square" lIns="91425" tIns="91425" rIns="91425" bIns="91425" anchor="t" anchorCtr="0">
             <a:noAutofit/>
           </a:bodyPr>
           <a:lstStyle/>
           <a:p>
-            <a:pPr indent="0" lvl="0" marL="0">
+            <a:pPr marL="0" lvl="0" indent="0">
               <a:spcBef>
                 <a:spcPts val="0"/>
               </a:spcBef>
               <a:buNone/>
             </a:pPr>
-            <a:r>
-              <a:t/>
-            </a:r>
             <a:endParaRPr/>
           </a:p>
         </p:txBody>
@@ -1264,11 +1430,11 @@
 </file>
 
 <file path=ppt/notesSlides/notesSlide3.xml><?xml version="1.0" encoding="utf-8"?>
-<p:notes xmlns:a="http://schemas.openxmlformats.org/drawingml/2006/main" xmlns:r="http://schemas.openxmlformats.org/officeDocument/2006/relationships" xmlns:mc="http://schemas.openxmlformats.org/markup-compatibility/2006" xmlns:mv="urn:schemas-microsoft-com:mac:vml" xmlns:p="http://schemas.openxmlformats.org/presentationml/2006/main" xmlns:c="http://schemas.openxmlformats.org/drawingml/2006/chart" xmlns:dgm="http://schemas.openxmlformats.org/drawingml/2006/diagram" xmlns:o="urn:schemas-microsoft-com:office:office" xmlns:v="urn:schemas-microsoft-com:vml" xmlns:pvml="urn:schemas-microsoft-com:office:powerpoint" xmlns:com="http://schemas.openxmlformats.org/drawingml/2006/compatibility" xmlns:p14="http://schemas.microsoft.com/office/powerpoint/2010/main" xmlns:p15="http://schemas.microsoft.com/office/powerpoint/2012/main" showMasterPhAnim="0" showMasterSp="0">
+<p:notes xmlns:a="http://schemas.openxmlformats.org/drawingml/2006/main" xmlns:r="http://schemas.openxmlformats.org/officeDocument/2006/relationships" xmlns:p="http://schemas.openxmlformats.org/presentationml/2006/main" showMasterSp="0" showMasterPhAnim="0">
   <p:cSld>
     <p:spTree>
       <p:nvGrpSpPr>
-        <p:cNvPr id="61" name="Shape 61"/>
+        <p:cNvPr id="1" name="Shape 61"/>
         <p:cNvGrpSpPr/>
         <p:nvPr/>
       </p:nvGrpSpPr>
@@ -1283,19 +1449,26 @@
       <p:sp>
         <p:nvSpPr>
           <p:cNvPr id="62" name="Shape 62"/>
-          <p:cNvSpPr/>
+          <p:cNvSpPr>
+            <a:spLocks noGrp="1" noRot="1" noChangeAspect="1"/>
+          </p:cNvSpPr>
           <p:nvPr>
-            <p:ph idx="2" type="sldImg"/>
+            <p:ph type="sldImg" idx="2"/>
           </p:nvPr>
         </p:nvSpPr>
         <p:spPr>
           <a:xfrm>
-            <a:off x="381300" y="685800"/>
+            <a:off x="381000" y="685800"/>
             <a:ext cx="6096000" cy="3429000"/>
           </a:xfrm>
           <a:custGeom>
+            <a:avLst/>
+            <a:gdLst/>
+            <a:ahLst/>
+            <a:cxnLst/>
+            <a:rect l="0" t="0" r="0" b="0"/>
             <a:pathLst>
-              <a:path extrusionOk="0" h="120000" w="120000">
+              <a:path w="120000" h="120000" extrusionOk="0">
                 <a:moveTo>
                   <a:pt x="0" y="0"/>
                 </a:moveTo>
@@ -1317,9 +1490,11 @@
       <p:sp>
         <p:nvSpPr>
           <p:cNvPr id="63" name="Shape 63"/>
-          <p:cNvSpPr txBox="1"/>
+          <p:cNvSpPr txBox="1">
+            <a:spLocks noGrp="1"/>
+          </p:cNvSpPr>
           <p:nvPr>
-            <p:ph idx="1" type="body"/>
+            <p:ph type="body" idx="1"/>
           </p:nvPr>
         </p:nvSpPr>
         <p:spPr>
@@ -1332,20 +1507,17 @@
           </a:prstGeom>
         </p:spPr>
         <p:txBody>
-          <a:bodyPr anchorCtr="0" anchor="t" bIns="91425" lIns="91425" rIns="91425" wrap="square" tIns="91425">
+          <a:bodyPr wrap="square" lIns="91425" tIns="91425" rIns="91425" bIns="91425" anchor="t" anchorCtr="0">
             <a:noAutofit/>
           </a:bodyPr>
           <a:lstStyle/>
           <a:p>
-            <a:pPr indent="0" lvl="0" marL="0">
+            <a:pPr marL="0" lvl="0" indent="0">
               <a:spcBef>
                 <a:spcPts val="0"/>
               </a:spcBef>
               <a:buNone/>
             </a:pPr>
-            <a:r>
-              <a:t/>
-            </a:r>
             <a:endParaRPr/>
           </a:p>
         </p:txBody>
@@ -1359,11 +1531,11 @@
 </file>
 
 <file path=ppt/notesSlides/notesSlide4.xml><?xml version="1.0" encoding="utf-8"?>
-<p:notes xmlns:a="http://schemas.openxmlformats.org/drawingml/2006/main" xmlns:r="http://schemas.openxmlformats.org/officeDocument/2006/relationships" xmlns:mc="http://schemas.openxmlformats.org/markup-compatibility/2006" xmlns:mv="urn:schemas-microsoft-com:mac:vml" xmlns:p="http://schemas.openxmlformats.org/presentationml/2006/main" xmlns:c="http://schemas.openxmlformats.org/drawingml/2006/chart" xmlns:dgm="http://schemas.openxmlformats.org/drawingml/2006/diagram" xmlns:o="urn:schemas-microsoft-com:office:office" xmlns:v="urn:schemas-microsoft-com:vml" xmlns:pvml="urn:schemas-microsoft-com:office:powerpoint" xmlns:com="http://schemas.openxmlformats.org/drawingml/2006/compatibility" xmlns:p14="http://schemas.microsoft.com/office/powerpoint/2010/main" xmlns:p15="http://schemas.microsoft.com/office/powerpoint/2012/main" showMasterPhAnim="0" showMasterSp="0">
+<p:notes xmlns:a="http://schemas.openxmlformats.org/drawingml/2006/main" xmlns:r="http://schemas.openxmlformats.org/officeDocument/2006/relationships" xmlns:p="http://schemas.openxmlformats.org/presentationml/2006/main" showMasterSp="0" showMasterPhAnim="0">
   <p:cSld>
     <p:spTree>
       <p:nvGrpSpPr>
-        <p:cNvPr id="66" name="Shape 66"/>
+        <p:cNvPr id="1" name="Shape 66"/>
         <p:cNvGrpSpPr/>
         <p:nvPr/>
       </p:nvGrpSpPr>
@@ -1378,19 +1550,26 @@
       <p:sp>
         <p:nvSpPr>
           <p:cNvPr id="67" name="Shape 67"/>
-          <p:cNvSpPr/>
+          <p:cNvSpPr>
+            <a:spLocks noGrp="1" noRot="1" noChangeAspect="1"/>
+          </p:cNvSpPr>
           <p:nvPr>
-            <p:ph idx="2" type="sldImg"/>
+            <p:ph type="sldImg" idx="2"/>
           </p:nvPr>
         </p:nvSpPr>
         <p:spPr>
           <a:xfrm>
-            <a:off x="381300" y="685800"/>
+            <a:off x="381000" y="685800"/>
             <a:ext cx="6096000" cy="3429000"/>
           </a:xfrm>
           <a:custGeom>
+            <a:avLst/>
+            <a:gdLst/>
+            <a:ahLst/>
+            <a:cxnLst/>
+            <a:rect l="0" t="0" r="0" b="0"/>
             <a:pathLst>
-              <a:path extrusionOk="0" h="120000" w="120000">
+              <a:path w="120000" h="120000" extrusionOk="0">
                 <a:moveTo>
                   <a:pt x="0" y="0"/>
                 </a:moveTo>
@@ -1412,9 +1591,11 @@
       <p:sp>
         <p:nvSpPr>
           <p:cNvPr id="68" name="Shape 68"/>
-          <p:cNvSpPr txBox="1"/>
+          <p:cNvSpPr txBox="1">
+            <a:spLocks noGrp="1"/>
+          </p:cNvSpPr>
           <p:nvPr>
-            <p:ph idx="1" type="body"/>
+            <p:ph type="body" idx="1"/>
           </p:nvPr>
         </p:nvSpPr>
         <p:spPr>
@@ -1427,20 +1608,17 @@
           </a:prstGeom>
         </p:spPr>
         <p:txBody>
-          <a:bodyPr anchorCtr="0" anchor="t" bIns="91425" lIns="91425" rIns="91425" wrap="square" tIns="91425">
+          <a:bodyPr wrap="square" lIns="91425" tIns="91425" rIns="91425" bIns="91425" anchor="t" anchorCtr="0">
             <a:noAutofit/>
           </a:bodyPr>
           <a:lstStyle/>
           <a:p>
-            <a:pPr indent="0" lvl="0" marL="0">
+            <a:pPr marL="0" lvl="0" indent="0">
               <a:spcBef>
                 <a:spcPts val="0"/>
               </a:spcBef>
               <a:buNone/>
             </a:pPr>
-            <a:r>
-              <a:t/>
-            </a:r>
             <a:endParaRPr/>
           </a:p>
         </p:txBody>
@@ -1454,11 +1632,11 @@
 </file>
 
 <file path=ppt/notesSlides/notesSlide5.xml><?xml version="1.0" encoding="utf-8"?>
-<p:notes xmlns:a="http://schemas.openxmlformats.org/drawingml/2006/main" xmlns:r="http://schemas.openxmlformats.org/officeDocument/2006/relationships" xmlns:mc="http://schemas.openxmlformats.org/markup-compatibility/2006" xmlns:mv="urn:schemas-microsoft-com:mac:vml" xmlns:p="http://schemas.openxmlformats.org/presentationml/2006/main" xmlns:c="http://schemas.openxmlformats.org/drawingml/2006/chart" xmlns:dgm="http://schemas.openxmlformats.org/drawingml/2006/diagram" xmlns:o="urn:schemas-microsoft-com:office:office" xmlns:v="urn:schemas-microsoft-com:vml" xmlns:pvml="urn:schemas-microsoft-com:office:powerpoint" xmlns:com="http://schemas.openxmlformats.org/drawingml/2006/compatibility" xmlns:p14="http://schemas.microsoft.com/office/powerpoint/2010/main" xmlns:p15="http://schemas.microsoft.com/office/powerpoint/2012/main" showMasterPhAnim="0" showMasterSp="0">
+<p:notes xmlns:a="http://schemas.openxmlformats.org/drawingml/2006/main" xmlns:r="http://schemas.openxmlformats.org/officeDocument/2006/relationships" xmlns:p="http://schemas.openxmlformats.org/presentationml/2006/main" showMasterSp="0" showMasterPhAnim="0">
   <p:cSld>
     <p:spTree>
       <p:nvGrpSpPr>
-        <p:cNvPr id="71" name="Shape 71"/>
+        <p:cNvPr id="1" name="Shape 71"/>
         <p:cNvGrpSpPr/>
         <p:nvPr/>
       </p:nvGrpSpPr>
@@ -1473,19 +1651,26 @@
       <p:sp>
         <p:nvSpPr>
           <p:cNvPr id="72" name="Shape 72"/>
-          <p:cNvSpPr/>
+          <p:cNvSpPr>
+            <a:spLocks noGrp="1" noRot="1" noChangeAspect="1"/>
+          </p:cNvSpPr>
           <p:nvPr>
-            <p:ph idx="2" type="sldImg"/>
+            <p:ph type="sldImg" idx="2"/>
           </p:nvPr>
         </p:nvSpPr>
         <p:spPr>
           <a:xfrm>
-            <a:off x="381300" y="685800"/>
+            <a:off x="381000" y="685800"/>
             <a:ext cx="6096000" cy="3429000"/>
           </a:xfrm>
           <a:custGeom>
+            <a:avLst/>
+            <a:gdLst/>
+            <a:ahLst/>
+            <a:cxnLst/>
+            <a:rect l="0" t="0" r="0" b="0"/>
             <a:pathLst>
-              <a:path extrusionOk="0" h="120000" w="120000">
+              <a:path w="120000" h="120000" extrusionOk="0">
                 <a:moveTo>
                   <a:pt x="0" y="0"/>
                 </a:moveTo>
@@ -1507,9 +1692,11 @@
       <p:sp>
         <p:nvSpPr>
           <p:cNvPr id="73" name="Shape 73"/>
-          <p:cNvSpPr txBox="1"/>
+          <p:cNvSpPr txBox="1">
+            <a:spLocks noGrp="1"/>
+          </p:cNvSpPr>
           <p:nvPr>
-            <p:ph idx="1" type="body"/>
+            <p:ph type="body" idx="1"/>
           </p:nvPr>
         </p:nvSpPr>
         <p:spPr>
@@ -1522,20 +1709,17 @@
           </a:prstGeom>
         </p:spPr>
         <p:txBody>
-          <a:bodyPr anchorCtr="0" anchor="t" bIns="91425" lIns="91425" rIns="91425" wrap="square" tIns="91425">
+          <a:bodyPr wrap="square" lIns="91425" tIns="91425" rIns="91425" bIns="91425" anchor="t" anchorCtr="0">
             <a:noAutofit/>
           </a:bodyPr>
           <a:lstStyle/>
           <a:p>
-            <a:pPr indent="0" lvl="0" marL="0">
+            <a:pPr marL="0" lvl="0" indent="0">
               <a:spcBef>
                 <a:spcPts val="0"/>
               </a:spcBef>
               <a:buNone/>
             </a:pPr>
-            <a:r>
-              <a:t/>
-            </a:r>
             <a:endParaRPr/>
           </a:p>
         </p:txBody>
@@ -1549,11 +1733,11 @@
 </file>
 
 <file path=ppt/notesSlides/notesSlide6.xml><?xml version="1.0" encoding="utf-8"?>
-<p:notes xmlns:a="http://schemas.openxmlformats.org/drawingml/2006/main" xmlns:r="http://schemas.openxmlformats.org/officeDocument/2006/relationships" xmlns:mc="http://schemas.openxmlformats.org/markup-compatibility/2006" xmlns:mv="urn:schemas-microsoft-com:mac:vml" xmlns:p="http://schemas.openxmlformats.org/presentationml/2006/main" xmlns:c="http://schemas.openxmlformats.org/drawingml/2006/chart" xmlns:dgm="http://schemas.openxmlformats.org/drawingml/2006/diagram" xmlns:o="urn:schemas-microsoft-com:office:office" xmlns:v="urn:schemas-microsoft-com:vml" xmlns:pvml="urn:schemas-microsoft-com:office:powerpoint" xmlns:com="http://schemas.openxmlformats.org/drawingml/2006/compatibility" xmlns:p14="http://schemas.microsoft.com/office/powerpoint/2010/main" xmlns:p15="http://schemas.microsoft.com/office/powerpoint/2012/main" showMasterPhAnim="0" showMasterSp="0">
+<p:notes xmlns:a="http://schemas.openxmlformats.org/drawingml/2006/main" xmlns:r="http://schemas.openxmlformats.org/officeDocument/2006/relationships" xmlns:p="http://schemas.openxmlformats.org/presentationml/2006/main" showMasterSp="0" showMasterPhAnim="0">
   <p:cSld>
     <p:spTree>
       <p:nvGrpSpPr>
-        <p:cNvPr id="81" name="Shape 81"/>
+        <p:cNvPr id="1" name="Shape 81"/>
         <p:cNvGrpSpPr/>
         <p:nvPr/>
       </p:nvGrpSpPr>
@@ -1568,19 +1752,26 @@
       <p:sp>
         <p:nvSpPr>
           <p:cNvPr id="82" name="Shape 82"/>
-          <p:cNvSpPr/>
+          <p:cNvSpPr>
+            <a:spLocks noGrp="1" noRot="1" noChangeAspect="1"/>
+          </p:cNvSpPr>
           <p:nvPr>
-            <p:ph idx="2" type="sldImg"/>
+            <p:ph type="sldImg" idx="2"/>
           </p:nvPr>
         </p:nvSpPr>
         <p:spPr>
           <a:xfrm>
-            <a:off x="381300" y="685800"/>
+            <a:off x="381000" y="685800"/>
             <a:ext cx="6096000" cy="3429000"/>
           </a:xfrm>
           <a:custGeom>
+            <a:avLst/>
+            <a:gdLst/>
+            <a:ahLst/>
+            <a:cxnLst/>
+            <a:rect l="0" t="0" r="0" b="0"/>
             <a:pathLst>
-              <a:path extrusionOk="0" h="120000" w="120000">
+              <a:path w="120000" h="120000" extrusionOk="0">
                 <a:moveTo>
                   <a:pt x="0" y="0"/>
                 </a:moveTo>
@@ -1602,9 +1793,11 @@
       <p:sp>
         <p:nvSpPr>
           <p:cNvPr id="83" name="Shape 83"/>
-          <p:cNvSpPr txBox="1"/>
+          <p:cNvSpPr txBox="1">
+            <a:spLocks noGrp="1"/>
+          </p:cNvSpPr>
           <p:nvPr>
-            <p:ph idx="1" type="body"/>
+            <p:ph type="body" idx="1"/>
           </p:nvPr>
         </p:nvSpPr>
         <p:spPr>
@@ -1617,20 +1810,17 @@
           </a:prstGeom>
         </p:spPr>
         <p:txBody>
-          <a:bodyPr anchorCtr="0" anchor="t" bIns="91425" lIns="91425" rIns="91425" wrap="square" tIns="91425">
+          <a:bodyPr wrap="square" lIns="91425" tIns="91425" rIns="91425" bIns="91425" anchor="t" anchorCtr="0">
             <a:noAutofit/>
           </a:bodyPr>
           <a:lstStyle/>
           <a:p>
-            <a:pPr indent="0" lvl="0" marL="0">
+            <a:pPr marL="0" lvl="0" indent="0">
               <a:spcBef>
                 <a:spcPts val="0"/>
               </a:spcBef>
               <a:buNone/>
             </a:pPr>
-            <a:r>
-              <a:t/>
-            </a:r>
             <a:endParaRPr/>
           </a:p>
         </p:txBody>
@@ -1644,11 +1834,11 @@
 </file>
 
 <file path=ppt/notesSlides/notesSlide7.xml><?xml version="1.0" encoding="utf-8"?>
-<p:notes xmlns:a="http://schemas.openxmlformats.org/drawingml/2006/main" xmlns:r="http://schemas.openxmlformats.org/officeDocument/2006/relationships" xmlns:mc="http://schemas.openxmlformats.org/markup-compatibility/2006" xmlns:mv="urn:schemas-microsoft-com:mac:vml" xmlns:p="http://schemas.openxmlformats.org/presentationml/2006/main" xmlns:c="http://schemas.openxmlformats.org/drawingml/2006/chart" xmlns:dgm="http://schemas.openxmlformats.org/drawingml/2006/diagram" xmlns:o="urn:schemas-microsoft-com:office:office" xmlns:v="urn:schemas-microsoft-com:vml" xmlns:pvml="urn:schemas-microsoft-com:office:powerpoint" xmlns:com="http://schemas.openxmlformats.org/drawingml/2006/compatibility" xmlns:p14="http://schemas.microsoft.com/office/powerpoint/2010/main" xmlns:p15="http://schemas.microsoft.com/office/powerpoint/2012/main" showMasterPhAnim="0" showMasterSp="0">
+<p:notes xmlns:a="http://schemas.openxmlformats.org/drawingml/2006/main" xmlns:r="http://schemas.openxmlformats.org/officeDocument/2006/relationships" xmlns:p="http://schemas.openxmlformats.org/presentationml/2006/main" showMasterSp="0" showMasterPhAnim="0">
   <p:cSld>
     <p:spTree>
       <p:nvGrpSpPr>
-        <p:cNvPr id="87" name="Shape 87"/>
+        <p:cNvPr id="1" name="Shape 87"/>
         <p:cNvGrpSpPr/>
         <p:nvPr/>
       </p:nvGrpSpPr>
@@ -1663,19 +1853,26 @@
       <p:sp>
         <p:nvSpPr>
           <p:cNvPr id="88" name="Shape 88"/>
-          <p:cNvSpPr/>
+          <p:cNvSpPr>
+            <a:spLocks noGrp="1" noRot="1" noChangeAspect="1"/>
+          </p:cNvSpPr>
           <p:nvPr>
-            <p:ph idx="2" type="sldImg"/>
+            <p:ph type="sldImg" idx="2"/>
           </p:nvPr>
         </p:nvSpPr>
         <p:spPr>
           <a:xfrm>
-            <a:off x="381300" y="685800"/>
+            <a:off x="381000" y="685800"/>
             <a:ext cx="6096000" cy="3429000"/>
           </a:xfrm>
           <a:custGeom>
+            <a:avLst/>
+            <a:gdLst/>
+            <a:ahLst/>
+            <a:cxnLst/>
+            <a:rect l="0" t="0" r="0" b="0"/>
             <a:pathLst>
-              <a:path extrusionOk="0" h="120000" w="120000">
+              <a:path w="120000" h="120000" extrusionOk="0">
                 <a:moveTo>
                   <a:pt x="0" y="0"/>
                 </a:moveTo>
@@ -1697,9 +1894,11 @@
       <p:sp>
         <p:nvSpPr>
           <p:cNvPr id="89" name="Shape 89"/>
-          <p:cNvSpPr txBox="1"/>
+          <p:cNvSpPr txBox="1">
+            <a:spLocks noGrp="1"/>
+          </p:cNvSpPr>
           <p:nvPr>
-            <p:ph idx="1" type="body"/>
+            <p:ph type="body" idx="1"/>
           </p:nvPr>
         </p:nvSpPr>
         <p:spPr>
@@ -1712,20 +1911,17 @@
           </a:prstGeom>
         </p:spPr>
         <p:txBody>
-          <a:bodyPr anchorCtr="0" anchor="t" bIns="91425" lIns="91425" rIns="91425" wrap="square" tIns="91425">
+          <a:bodyPr wrap="square" lIns="91425" tIns="91425" rIns="91425" bIns="91425" anchor="t" anchorCtr="0">
             <a:noAutofit/>
           </a:bodyPr>
           <a:lstStyle/>
           <a:p>
-            <a:pPr indent="0" lvl="0" marL="0">
+            <a:pPr marL="0" lvl="0" indent="0">
               <a:spcBef>
                 <a:spcPts val="0"/>
               </a:spcBef>
               <a:buNone/>
             </a:pPr>
-            <a:r>
-              <a:t/>
-            </a:r>
             <a:endParaRPr/>
           </a:p>
         </p:txBody>
@@ -1739,11 +1935,11 @@
 </file>
 
 <file path=ppt/notesSlides/notesSlide8.xml><?xml version="1.0" encoding="utf-8"?>
-<p:notes xmlns:a="http://schemas.openxmlformats.org/drawingml/2006/main" xmlns:r="http://schemas.openxmlformats.org/officeDocument/2006/relationships" xmlns:mc="http://schemas.openxmlformats.org/markup-compatibility/2006" xmlns:mv="urn:schemas-microsoft-com:mac:vml" xmlns:p="http://schemas.openxmlformats.org/presentationml/2006/main" xmlns:c="http://schemas.openxmlformats.org/drawingml/2006/chart" xmlns:dgm="http://schemas.openxmlformats.org/drawingml/2006/diagram" xmlns:o="urn:schemas-microsoft-com:office:office" xmlns:v="urn:schemas-microsoft-com:vml" xmlns:pvml="urn:schemas-microsoft-com:office:powerpoint" xmlns:com="http://schemas.openxmlformats.org/drawingml/2006/compatibility" xmlns:p14="http://schemas.microsoft.com/office/powerpoint/2010/main" xmlns:p15="http://schemas.microsoft.com/office/powerpoint/2012/main" showMasterPhAnim="0" showMasterSp="0">
+<p:notes xmlns:a="http://schemas.openxmlformats.org/drawingml/2006/main" xmlns:r="http://schemas.openxmlformats.org/officeDocument/2006/relationships" xmlns:p="http://schemas.openxmlformats.org/presentationml/2006/main" showMasterSp="0" showMasterPhAnim="0">
   <p:cSld>
     <p:spTree>
       <p:nvGrpSpPr>
-        <p:cNvPr id="97" name="Shape 97"/>
+        <p:cNvPr id="1" name="Shape 97"/>
         <p:cNvGrpSpPr/>
         <p:nvPr/>
       </p:nvGrpSpPr>
@@ -1758,19 +1954,26 @@
       <p:sp>
         <p:nvSpPr>
           <p:cNvPr id="98" name="Shape 98"/>
-          <p:cNvSpPr/>
+          <p:cNvSpPr>
+            <a:spLocks noGrp="1" noRot="1" noChangeAspect="1"/>
+          </p:cNvSpPr>
           <p:nvPr>
-            <p:ph idx="2" type="sldImg"/>
+            <p:ph type="sldImg" idx="2"/>
           </p:nvPr>
         </p:nvSpPr>
         <p:spPr>
           <a:xfrm>
-            <a:off x="381300" y="685800"/>
+            <a:off x="381000" y="685800"/>
             <a:ext cx="6096000" cy="3429000"/>
           </a:xfrm>
           <a:custGeom>
+            <a:avLst/>
+            <a:gdLst/>
+            <a:ahLst/>
+            <a:cxnLst/>
+            <a:rect l="0" t="0" r="0" b="0"/>
             <a:pathLst>
-              <a:path extrusionOk="0" h="120000" w="120000">
+              <a:path w="120000" h="120000" extrusionOk="0">
                 <a:moveTo>
                   <a:pt x="0" y="0"/>
                 </a:moveTo>
@@ -1792,9 +1995,11 @@
       <p:sp>
         <p:nvSpPr>
           <p:cNvPr id="99" name="Shape 99"/>
-          <p:cNvSpPr txBox="1"/>
+          <p:cNvSpPr txBox="1">
+            <a:spLocks noGrp="1"/>
+          </p:cNvSpPr>
           <p:nvPr>
-            <p:ph idx="1" type="body"/>
+            <p:ph type="body" idx="1"/>
           </p:nvPr>
         </p:nvSpPr>
         <p:spPr>
@@ -1807,20 +2012,17 @@
           </a:prstGeom>
         </p:spPr>
         <p:txBody>
-          <a:bodyPr anchorCtr="0" anchor="t" bIns="91425" lIns="91425" rIns="91425" wrap="square" tIns="91425">
+          <a:bodyPr wrap="square" lIns="91425" tIns="91425" rIns="91425" bIns="91425" anchor="t" anchorCtr="0">
             <a:noAutofit/>
           </a:bodyPr>
           <a:lstStyle/>
           <a:p>
-            <a:pPr indent="0" lvl="0" marL="0">
+            <a:pPr marL="0" lvl="0" indent="0">
               <a:spcBef>
                 <a:spcPts val="0"/>
               </a:spcBef>
               <a:buNone/>
             </a:pPr>
-            <a:r>
-              <a:t/>
-            </a:r>
             <a:endParaRPr/>
           </a:p>
         </p:txBody>
@@ -1834,11 +2036,11 @@
 </file>
 
 <file path=ppt/notesSlides/notesSlide9.xml><?xml version="1.0" encoding="utf-8"?>
-<p:notes xmlns:a="http://schemas.openxmlformats.org/drawingml/2006/main" xmlns:r="http://schemas.openxmlformats.org/officeDocument/2006/relationships" xmlns:mc="http://schemas.openxmlformats.org/markup-compatibility/2006" xmlns:mv="urn:schemas-microsoft-com:mac:vml" xmlns:p="http://schemas.openxmlformats.org/presentationml/2006/main" xmlns:c="http://schemas.openxmlformats.org/drawingml/2006/chart" xmlns:dgm="http://schemas.openxmlformats.org/drawingml/2006/diagram" xmlns:o="urn:schemas-microsoft-com:office:office" xmlns:v="urn:schemas-microsoft-com:vml" xmlns:pvml="urn:schemas-microsoft-com:office:powerpoint" xmlns:com="http://schemas.openxmlformats.org/drawingml/2006/compatibility" xmlns:p14="http://schemas.microsoft.com/office/powerpoint/2010/main" xmlns:p15="http://schemas.microsoft.com/office/powerpoint/2012/main" showMasterPhAnim="0" showMasterSp="0">
+<p:notes xmlns:a="http://schemas.openxmlformats.org/drawingml/2006/main" xmlns:r="http://schemas.openxmlformats.org/officeDocument/2006/relationships" xmlns:p="http://schemas.openxmlformats.org/presentationml/2006/main" showMasterSp="0" showMasterPhAnim="0">
   <p:cSld>
     <p:spTree>
       <p:nvGrpSpPr>
-        <p:cNvPr id="103" name="Shape 103"/>
+        <p:cNvPr id="1" name="Shape 103"/>
         <p:cNvGrpSpPr/>
         <p:nvPr/>
       </p:nvGrpSpPr>
@@ -1853,19 +2055,26 @@
       <p:sp>
         <p:nvSpPr>
           <p:cNvPr id="104" name="Shape 104"/>
-          <p:cNvSpPr/>
+          <p:cNvSpPr>
+            <a:spLocks noGrp="1" noRot="1" noChangeAspect="1"/>
+          </p:cNvSpPr>
           <p:nvPr>
-            <p:ph idx="2" type="sldImg"/>
+            <p:ph type="sldImg" idx="2"/>
           </p:nvPr>
         </p:nvSpPr>
         <p:spPr>
           <a:xfrm>
-            <a:off x="381300" y="685800"/>
+            <a:off x="381000" y="685800"/>
             <a:ext cx="6096000" cy="3429000"/>
           </a:xfrm>
           <a:custGeom>
+            <a:avLst/>
+            <a:gdLst/>
+            <a:ahLst/>
+            <a:cxnLst/>
+            <a:rect l="0" t="0" r="0" b="0"/>
             <a:pathLst>
-              <a:path extrusionOk="0" h="120000" w="120000">
+              <a:path w="120000" h="120000" extrusionOk="0">
                 <a:moveTo>
                   <a:pt x="0" y="0"/>
                 </a:moveTo>
@@ -1887,9 +2096,11 @@
       <p:sp>
         <p:nvSpPr>
           <p:cNvPr id="105" name="Shape 105"/>
-          <p:cNvSpPr txBox="1"/>
+          <p:cNvSpPr txBox="1">
+            <a:spLocks noGrp="1"/>
+          </p:cNvSpPr>
           <p:nvPr>
-            <p:ph idx="1" type="body"/>
+            <p:ph type="body" idx="1"/>
           </p:nvPr>
         </p:nvSpPr>
         <p:spPr>
@@ -1902,20 +2113,17 @@
           </a:prstGeom>
         </p:spPr>
         <p:txBody>
-          <a:bodyPr anchorCtr="0" anchor="t" bIns="91425" lIns="91425" rIns="91425" wrap="square" tIns="91425">
+          <a:bodyPr wrap="square" lIns="91425" tIns="91425" rIns="91425" bIns="91425" anchor="t" anchorCtr="0">
             <a:noAutofit/>
           </a:bodyPr>
           <a:lstStyle/>
           <a:p>
-            <a:pPr indent="0" lvl="0" marL="0">
+            <a:pPr marL="0" lvl="0" indent="0">
               <a:spcBef>
                 <a:spcPts val="0"/>
               </a:spcBef>
               <a:buNone/>
             </a:pPr>
-            <a:r>
-              <a:t/>
-            </a:r>
             <a:endParaRPr/>
           </a:p>
         </p:txBody>
@@ -1929,11 +2137,11 @@
 </file>
 
 <file path=ppt/slideLayouts/slideLayout1.xml><?xml version="1.0" encoding="utf-8"?>
-<p:sldLayout xmlns:a="http://schemas.openxmlformats.org/drawingml/2006/main" xmlns:r="http://schemas.openxmlformats.org/officeDocument/2006/relationships" xmlns:mc="http://schemas.openxmlformats.org/markup-compatibility/2006" xmlns:mv="urn:schemas-microsoft-com:mac:vml" xmlns:p="http://schemas.openxmlformats.org/presentationml/2006/main" xmlns:c="http://schemas.openxmlformats.org/drawingml/2006/chart" xmlns:dgm="http://schemas.openxmlformats.org/drawingml/2006/diagram" xmlns:o="urn:schemas-microsoft-com:office:office" xmlns:v="urn:schemas-microsoft-com:vml" xmlns:pvml="urn:schemas-microsoft-com:office:powerpoint" xmlns:com="http://schemas.openxmlformats.org/drawingml/2006/compatibility" xmlns:p14="http://schemas.microsoft.com/office/powerpoint/2010/main" xmlns:p15="http://schemas.microsoft.com/office/powerpoint/2012/main" type="title">
+<p:sldLayout xmlns:a="http://schemas.openxmlformats.org/drawingml/2006/main" xmlns:r="http://schemas.openxmlformats.org/officeDocument/2006/relationships" xmlns:p="http://schemas.openxmlformats.org/presentationml/2006/main" type="title">
   <p:cSld name="Title slide">
     <p:spTree>
       <p:nvGrpSpPr>
-        <p:cNvPr id="9" name="Shape 9"/>
+        <p:cNvPr id="1" name="Shape 9"/>
         <p:cNvGrpSpPr/>
         <p:nvPr/>
       </p:nvGrpSpPr>
@@ -1948,7 +2156,9 @@
       <p:sp>
         <p:nvSpPr>
           <p:cNvPr id="10" name="Shape 10"/>
-          <p:cNvSpPr txBox="1"/>
+          <p:cNvSpPr txBox="1">
+            <a:spLocks noGrp="1"/>
+          </p:cNvSpPr>
           <p:nvPr>
             <p:ph type="ctrTitle"/>
           </p:nvPr>
@@ -1963,7 +2173,7 @@
           </a:prstGeom>
         </p:spPr>
         <p:txBody>
-          <a:bodyPr anchorCtr="0" anchor="b" bIns="91425" lIns="91425" rIns="91425" wrap="square" tIns="91425"/>
+          <a:bodyPr wrap="square" lIns="91425" tIns="91425" rIns="91425" bIns="91425" anchor="b" anchorCtr="0"/>
           <a:lstStyle>
             <a:lvl1pPr lvl="0" algn="ctr">
               <a:spcBef>
@@ -2038,15 +2248,19 @@
               <a:defRPr sz="5200"/>
             </a:lvl9pPr>
           </a:lstStyle>
-          <a:p/>
+          <a:p>
+            <a:endParaRPr/>
+          </a:p>
         </p:txBody>
       </p:sp>
       <p:sp>
         <p:nvSpPr>
           <p:cNvPr id="11" name="Shape 11"/>
-          <p:cNvSpPr txBox="1"/>
+          <p:cNvSpPr txBox="1">
+            <a:spLocks noGrp="1"/>
+          </p:cNvSpPr>
           <p:nvPr>
-            <p:ph idx="1" type="subTitle"/>
+            <p:ph type="subTitle" idx="1"/>
           </p:nvPr>
         </p:nvSpPr>
         <p:spPr>
@@ -2059,7 +2273,7 @@
           </a:prstGeom>
         </p:spPr>
         <p:txBody>
-          <a:bodyPr anchorCtr="0" anchor="t" bIns="91425" lIns="91425" rIns="91425" wrap="square" tIns="91425"/>
+          <a:bodyPr wrap="square" lIns="91425" tIns="91425" rIns="91425" bIns="91425" anchor="t" anchorCtr="0"/>
           <a:lstStyle>
             <a:lvl1pPr lvl="0" algn="ctr">
               <a:lnSpc>
@@ -2188,15 +2402,19 @@
               <a:defRPr sz="2800"/>
             </a:lvl9pPr>
           </a:lstStyle>
-          <a:p/>
+          <a:p>
+            <a:endParaRPr/>
+          </a:p>
         </p:txBody>
       </p:sp>
       <p:sp>
         <p:nvSpPr>
           <p:cNvPr id="12" name="Shape 12"/>
-          <p:cNvSpPr txBox="1"/>
+          <p:cNvSpPr txBox="1">
+            <a:spLocks noGrp="1"/>
+          </p:cNvSpPr>
           <p:nvPr>
-            <p:ph idx="12" type="sldNum"/>
+            <p:ph type="sldNum" idx="12"/>
           </p:nvPr>
         </p:nvSpPr>
         <p:spPr>
@@ -2209,12 +2427,12 @@
           </a:prstGeom>
         </p:spPr>
         <p:txBody>
-          <a:bodyPr anchorCtr="0" anchor="ctr" bIns="91425" lIns="91425" rIns="91425" wrap="square" tIns="91425">
+          <a:bodyPr wrap="square" lIns="91425" tIns="91425" rIns="91425" bIns="91425" anchor="ctr" anchorCtr="0">
             <a:noAutofit/>
           </a:bodyPr>
           <a:lstStyle/>
           <a:p>
-            <a:pPr indent="0" lvl="0" marL="0">
+            <a:pPr marL="0" lvl="0" indent="0">
               <a:spcBef>
                 <a:spcPts val="0"/>
               </a:spcBef>
@@ -2224,6 +2442,7 @@
               <a:rPr lang="en"/>
               <a:t>‹#›</a:t>
             </a:fld>
+            <a:endParaRPr lang="en"/>
           </a:p>
         </p:txBody>
       </p:sp>
@@ -2236,11 +2455,11 @@
 </file>
 
 <file path=ppt/slideLayouts/slideLayout10.xml><?xml version="1.0" encoding="utf-8"?>
-<p:sldLayout xmlns:a="http://schemas.openxmlformats.org/drawingml/2006/main" xmlns:r="http://schemas.openxmlformats.org/officeDocument/2006/relationships" xmlns:mc="http://schemas.openxmlformats.org/markup-compatibility/2006" xmlns:mv="urn:schemas-microsoft-com:mac:vml" xmlns:p="http://schemas.openxmlformats.org/presentationml/2006/main" xmlns:c="http://schemas.openxmlformats.org/drawingml/2006/chart" xmlns:dgm="http://schemas.openxmlformats.org/drawingml/2006/diagram" xmlns:o="urn:schemas-microsoft-com:office:office" xmlns:v="urn:schemas-microsoft-com:vml" xmlns:pvml="urn:schemas-microsoft-com:office:powerpoint" xmlns:com="http://schemas.openxmlformats.org/drawingml/2006/compatibility" xmlns:p14="http://schemas.microsoft.com/office/powerpoint/2010/main" xmlns:p15="http://schemas.microsoft.com/office/powerpoint/2012/main">
+<p:sldLayout xmlns:a="http://schemas.openxmlformats.org/drawingml/2006/main" xmlns:r="http://schemas.openxmlformats.org/officeDocument/2006/relationships" xmlns:p="http://schemas.openxmlformats.org/presentationml/2006/main">
   <p:cSld name="Big number">
     <p:spTree>
       <p:nvGrpSpPr>
-        <p:cNvPr id="44" name="Shape 44"/>
+        <p:cNvPr id="1" name="Shape 44"/>
         <p:cNvGrpSpPr/>
         <p:nvPr/>
       </p:nvGrpSpPr>
@@ -2255,7 +2474,9 @@
       <p:sp>
         <p:nvSpPr>
           <p:cNvPr id="45" name="Shape 45"/>
-          <p:cNvSpPr txBox="1"/>
+          <p:cNvSpPr txBox="1">
+            <a:spLocks noGrp="1"/>
+          </p:cNvSpPr>
           <p:nvPr>
             <p:ph type="title"/>
           </p:nvPr>
@@ -2270,7 +2491,7 @@
           </a:prstGeom>
         </p:spPr>
         <p:txBody>
-          <a:bodyPr anchorCtr="0" anchor="b" bIns="91425" lIns="91425" rIns="91425" wrap="square" tIns="91425"/>
+          <a:bodyPr wrap="square" lIns="91425" tIns="91425" rIns="91425" bIns="91425" anchor="b" anchorCtr="0"/>
           <a:lstStyle>
             <a:lvl1pPr lvl="0" algn="ctr">
               <a:spcBef>
@@ -2345,15 +2566,19 @@
               <a:defRPr sz="12000"/>
             </a:lvl9pPr>
           </a:lstStyle>
-          <a:p/>
+          <a:p>
+            <a:endParaRPr/>
+          </a:p>
         </p:txBody>
       </p:sp>
       <p:sp>
         <p:nvSpPr>
           <p:cNvPr id="46" name="Shape 46"/>
-          <p:cNvSpPr txBox="1"/>
+          <p:cNvSpPr txBox="1">
+            <a:spLocks noGrp="1"/>
+          </p:cNvSpPr>
           <p:nvPr>
-            <p:ph idx="1" type="body"/>
+            <p:ph type="body" idx="1"/>
           </p:nvPr>
         </p:nvSpPr>
         <p:spPr>
@@ -2366,7 +2591,7 @@
           </a:prstGeom>
         </p:spPr>
         <p:txBody>
-          <a:bodyPr anchorCtr="0" anchor="t" bIns="91425" lIns="91425" rIns="91425" wrap="square" tIns="91425"/>
+          <a:bodyPr wrap="square" lIns="91425" tIns="91425" rIns="91425" bIns="91425" anchor="t" anchorCtr="0"/>
           <a:lstStyle>
             <a:lvl1pPr lvl="0" algn="ctr">
               <a:spcBef>
@@ -2441,15 +2666,19 @@
               <a:defRPr/>
             </a:lvl9pPr>
           </a:lstStyle>
-          <a:p/>
+          <a:p>
+            <a:endParaRPr/>
+          </a:p>
         </p:txBody>
       </p:sp>
       <p:sp>
         <p:nvSpPr>
           <p:cNvPr id="47" name="Shape 47"/>
-          <p:cNvSpPr txBox="1"/>
+          <p:cNvSpPr txBox="1">
+            <a:spLocks noGrp="1"/>
+          </p:cNvSpPr>
           <p:nvPr>
-            <p:ph idx="12" type="sldNum"/>
+            <p:ph type="sldNum" idx="12"/>
           </p:nvPr>
         </p:nvSpPr>
         <p:spPr>
@@ -2462,12 +2691,12 @@
           </a:prstGeom>
         </p:spPr>
         <p:txBody>
-          <a:bodyPr anchorCtr="0" anchor="ctr" bIns="91425" lIns="91425" rIns="91425" wrap="square" tIns="91425">
+          <a:bodyPr wrap="square" lIns="91425" tIns="91425" rIns="91425" bIns="91425" anchor="ctr" anchorCtr="0">
             <a:noAutofit/>
           </a:bodyPr>
           <a:lstStyle/>
           <a:p>
-            <a:pPr indent="0" lvl="0" marL="0">
+            <a:pPr marL="0" lvl="0" indent="0">
               <a:spcBef>
                 <a:spcPts val="0"/>
               </a:spcBef>
@@ -2477,6 +2706,7 @@
               <a:rPr lang="en"/>
               <a:t>‹#›</a:t>
             </a:fld>
+            <a:endParaRPr lang="en"/>
           </a:p>
         </p:txBody>
       </p:sp>
@@ -2489,11 +2719,11 @@
 </file>
 
 <file path=ppt/slideLayouts/slideLayout11.xml><?xml version="1.0" encoding="utf-8"?>
-<p:sldLayout xmlns:a="http://schemas.openxmlformats.org/drawingml/2006/main" xmlns:r="http://schemas.openxmlformats.org/officeDocument/2006/relationships" xmlns:mc="http://schemas.openxmlformats.org/markup-compatibility/2006" xmlns:mv="urn:schemas-microsoft-com:mac:vml" xmlns:p="http://schemas.openxmlformats.org/presentationml/2006/main" xmlns:c="http://schemas.openxmlformats.org/drawingml/2006/chart" xmlns:dgm="http://schemas.openxmlformats.org/drawingml/2006/diagram" xmlns:o="urn:schemas-microsoft-com:office:office" xmlns:v="urn:schemas-microsoft-com:vml" xmlns:pvml="urn:schemas-microsoft-com:office:powerpoint" xmlns:com="http://schemas.openxmlformats.org/drawingml/2006/compatibility" xmlns:p14="http://schemas.microsoft.com/office/powerpoint/2010/main" xmlns:p15="http://schemas.microsoft.com/office/powerpoint/2012/main" type="blank">
+<p:sldLayout xmlns:a="http://schemas.openxmlformats.org/drawingml/2006/main" xmlns:r="http://schemas.openxmlformats.org/officeDocument/2006/relationships" xmlns:p="http://schemas.openxmlformats.org/presentationml/2006/main" type="blank">
   <p:cSld name="Blank">
     <p:spTree>
       <p:nvGrpSpPr>
-        <p:cNvPr id="48" name="Shape 48"/>
+        <p:cNvPr id="1" name="Shape 48"/>
         <p:cNvGrpSpPr/>
         <p:nvPr/>
       </p:nvGrpSpPr>
@@ -2508,9 +2738,11 @@
       <p:sp>
         <p:nvSpPr>
           <p:cNvPr id="49" name="Shape 49"/>
-          <p:cNvSpPr txBox="1"/>
+          <p:cNvSpPr txBox="1">
+            <a:spLocks noGrp="1"/>
+          </p:cNvSpPr>
           <p:nvPr>
-            <p:ph idx="12" type="sldNum"/>
+            <p:ph type="sldNum" idx="12"/>
           </p:nvPr>
         </p:nvSpPr>
         <p:spPr>
@@ -2523,12 +2755,12 @@
           </a:prstGeom>
         </p:spPr>
         <p:txBody>
-          <a:bodyPr anchorCtr="0" anchor="ctr" bIns="91425" lIns="91425" rIns="91425" wrap="square" tIns="91425">
+          <a:bodyPr wrap="square" lIns="91425" tIns="91425" rIns="91425" bIns="91425" anchor="ctr" anchorCtr="0">
             <a:noAutofit/>
           </a:bodyPr>
           <a:lstStyle/>
           <a:p>
-            <a:pPr indent="0" lvl="0" marL="0">
+            <a:pPr marL="0" lvl="0" indent="0">
               <a:spcBef>
                 <a:spcPts val="0"/>
               </a:spcBef>
@@ -2538,6 +2770,7 @@
               <a:rPr lang="en"/>
               <a:t>‹#›</a:t>
             </a:fld>
+            <a:endParaRPr lang="en"/>
           </a:p>
         </p:txBody>
       </p:sp>
@@ -2550,11 +2783,11 @@
 </file>
 
 <file path=ppt/slideLayouts/slideLayout2.xml><?xml version="1.0" encoding="utf-8"?>
-<p:sldLayout xmlns:a="http://schemas.openxmlformats.org/drawingml/2006/main" xmlns:r="http://schemas.openxmlformats.org/officeDocument/2006/relationships" xmlns:mc="http://schemas.openxmlformats.org/markup-compatibility/2006" xmlns:mv="urn:schemas-microsoft-com:mac:vml" xmlns:p="http://schemas.openxmlformats.org/presentationml/2006/main" xmlns:c="http://schemas.openxmlformats.org/drawingml/2006/chart" xmlns:dgm="http://schemas.openxmlformats.org/drawingml/2006/diagram" xmlns:o="urn:schemas-microsoft-com:office:office" xmlns:v="urn:schemas-microsoft-com:vml" xmlns:pvml="urn:schemas-microsoft-com:office:powerpoint" xmlns:com="http://schemas.openxmlformats.org/drawingml/2006/compatibility" xmlns:p14="http://schemas.microsoft.com/office/powerpoint/2010/main" xmlns:p15="http://schemas.microsoft.com/office/powerpoint/2012/main" type="secHead">
+<p:sldLayout xmlns:a="http://schemas.openxmlformats.org/drawingml/2006/main" xmlns:r="http://schemas.openxmlformats.org/officeDocument/2006/relationships" xmlns:p="http://schemas.openxmlformats.org/presentationml/2006/main" type="secHead">
   <p:cSld name="Section header">
     <p:spTree>
       <p:nvGrpSpPr>
-        <p:cNvPr id="13" name="Shape 13"/>
+        <p:cNvPr id="1" name="Shape 13"/>
         <p:cNvGrpSpPr/>
         <p:nvPr/>
       </p:nvGrpSpPr>
@@ -2569,7 +2802,9 @@
       <p:sp>
         <p:nvSpPr>
           <p:cNvPr id="14" name="Shape 14"/>
-          <p:cNvSpPr txBox="1"/>
+          <p:cNvSpPr txBox="1">
+            <a:spLocks noGrp="1"/>
+          </p:cNvSpPr>
           <p:nvPr>
             <p:ph type="title"/>
           </p:nvPr>
@@ -2584,7 +2819,7 @@
           </a:prstGeom>
         </p:spPr>
         <p:txBody>
-          <a:bodyPr anchorCtr="0" anchor="ctr" bIns="91425" lIns="91425" rIns="91425" wrap="square" tIns="91425"/>
+          <a:bodyPr wrap="square" lIns="91425" tIns="91425" rIns="91425" bIns="91425" anchor="ctr" anchorCtr="0"/>
           <a:lstStyle>
             <a:lvl1pPr lvl="0" algn="ctr">
               <a:spcBef>
@@ -2659,15 +2894,19 @@
               <a:defRPr sz="3600"/>
             </a:lvl9pPr>
           </a:lstStyle>
-          <a:p/>
+          <a:p>
+            <a:endParaRPr/>
+          </a:p>
         </p:txBody>
       </p:sp>
       <p:sp>
         <p:nvSpPr>
           <p:cNvPr id="15" name="Shape 15"/>
-          <p:cNvSpPr txBox="1"/>
+          <p:cNvSpPr txBox="1">
+            <a:spLocks noGrp="1"/>
+          </p:cNvSpPr>
           <p:nvPr>
-            <p:ph idx="12" type="sldNum"/>
+            <p:ph type="sldNum" idx="12"/>
           </p:nvPr>
         </p:nvSpPr>
         <p:spPr>
@@ -2680,12 +2919,12 @@
           </a:prstGeom>
         </p:spPr>
         <p:txBody>
-          <a:bodyPr anchorCtr="0" anchor="ctr" bIns="91425" lIns="91425" rIns="91425" wrap="square" tIns="91425">
+          <a:bodyPr wrap="square" lIns="91425" tIns="91425" rIns="91425" bIns="91425" anchor="ctr" anchorCtr="0">
             <a:noAutofit/>
           </a:bodyPr>
           <a:lstStyle/>
           <a:p>
-            <a:pPr indent="0" lvl="0" marL="0">
+            <a:pPr marL="0" lvl="0" indent="0">
               <a:spcBef>
                 <a:spcPts val="0"/>
               </a:spcBef>
@@ -2695,6 +2934,7 @@
               <a:rPr lang="en"/>
               <a:t>‹#›</a:t>
             </a:fld>
+            <a:endParaRPr lang="en"/>
           </a:p>
         </p:txBody>
       </p:sp>
@@ -2707,11 +2947,11 @@
 </file>
 
 <file path=ppt/slideLayouts/slideLayout3.xml><?xml version="1.0" encoding="utf-8"?>
-<p:sldLayout xmlns:a="http://schemas.openxmlformats.org/drawingml/2006/main" xmlns:r="http://schemas.openxmlformats.org/officeDocument/2006/relationships" xmlns:mc="http://schemas.openxmlformats.org/markup-compatibility/2006" xmlns:mv="urn:schemas-microsoft-com:mac:vml" xmlns:p="http://schemas.openxmlformats.org/presentationml/2006/main" xmlns:c="http://schemas.openxmlformats.org/drawingml/2006/chart" xmlns:dgm="http://schemas.openxmlformats.org/drawingml/2006/diagram" xmlns:o="urn:schemas-microsoft-com:office:office" xmlns:v="urn:schemas-microsoft-com:vml" xmlns:pvml="urn:schemas-microsoft-com:office:powerpoint" xmlns:com="http://schemas.openxmlformats.org/drawingml/2006/compatibility" xmlns:p14="http://schemas.microsoft.com/office/powerpoint/2010/main" xmlns:p15="http://schemas.microsoft.com/office/powerpoint/2012/main" type="tx">
+<p:sldLayout xmlns:a="http://schemas.openxmlformats.org/drawingml/2006/main" xmlns:r="http://schemas.openxmlformats.org/officeDocument/2006/relationships" xmlns:p="http://schemas.openxmlformats.org/presentationml/2006/main" type="tx">
   <p:cSld name="Title and body">
     <p:spTree>
       <p:nvGrpSpPr>
-        <p:cNvPr id="16" name="Shape 16"/>
+        <p:cNvPr id="1" name="Shape 16"/>
         <p:cNvGrpSpPr/>
         <p:nvPr/>
       </p:nvGrpSpPr>
@@ -2726,7 +2966,9 @@
       <p:sp>
         <p:nvSpPr>
           <p:cNvPr id="17" name="Shape 17"/>
-          <p:cNvSpPr txBox="1"/>
+          <p:cNvSpPr txBox="1">
+            <a:spLocks noGrp="1"/>
+          </p:cNvSpPr>
           <p:nvPr>
             <p:ph type="title"/>
           </p:nvPr>
@@ -2741,7 +2983,7 @@
           </a:prstGeom>
         </p:spPr>
         <p:txBody>
-          <a:bodyPr anchorCtr="0" anchor="t" bIns="91425" lIns="91425" rIns="91425" wrap="square" tIns="91425"/>
+          <a:bodyPr wrap="square" lIns="91425" tIns="91425" rIns="91425" bIns="91425" anchor="t" anchorCtr="0"/>
           <a:lstStyle>
             <a:lvl1pPr lvl="0">
               <a:spcBef>
@@ -2816,15 +3058,19 @@
               <a:defRPr/>
             </a:lvl9pPr>
           </a:lstStyle>
-          <a:p/>
+          <a:p>
+            <a:endParaRPr/>
+          </a:p>
         </p:txBody>
       </p:sp>
       <p:sp>
         <p:nvSpPr>
           <p:cNvPr id="18" name="Shape 18"/>
-          <p:cNvSpPr txBox="1"/>
+          <p:cNvSpPr txBox="1">
+            <a:spLocks noGrp="1"/>
+          </p:cNvSpPr>
           <p:nvPr>
-            <p:ph idx="1" type="body"/>
+            <p:ph type="body" idx="1"/>
           </p:nvPr>
         </p:nvSpPr>
         <p:spPr>
@@ -2837,7 +3083,7 @@
           </a:prstGeom>
         </p:spPr>
         <p:txBody>
-          <a:bodyPr anchorCtr="0" anchor="t" bIns="91425" lIns="91425" rIns="91425" wrap="square" tIns="91425"/>
+          <a:bodyPr wrap="square" lIns="91425" tIns="91425" rIns="91425" bIns="91425" anchor="t" anchorCtr="0"/>
           <a:lstStyle>
             <a:lvl1pPr lvl="0">
               <a:spcBef>
@@ -2912,15 +3158,19 @@
               <a:defRPr/>
             </a:lvl9pPr>
           </a:lstStyle>
-          <a:p/>
+          <a:p>
+            <a:endParaRPr/>
+          </a:p>
         </p:txBody>
       </p:sp>
       <p:sp>
         <p:nvSpPr>
           <p:cNvPr id="19" name="Shape 19"/>
-          <p:cNvSpPr txBox="1"/>
+          <p:cNvSpPr txBox="1">
+            <a:spLocks noGrp="1"/>
+          </p:cNvSpPr>
           <p:nvPr>
-            <p:ph idx="12" type="sldNum"/>
+            <p:ph type="sldNum" idx="12"/>
           </p:nvPr>
         </p:nvSpPr>
         <p:spPr>
@@ -2933,12 +3183,12 @@
           </a:prstGeom>
         </p:spPr>
         <p:txBody>
-          <a:bodyPr anchorCtr="0" anchor="ctr" bIns="91425" lIns="91425" rIns="91425" wrap="square" tIns="91425">
+          <a:bodyPr wrap="square" lIns="91425" tIns="91425" rIns="91425" bIns="91425" anchor="ctr" anchorCtr="0">
             <a:noAutofit/>
           </a:bodyPr>
           <a:lstStyle/>
           <a:p>
-            <a:pPr indent="0" lvl="0" marL="0">
+            <a:pPr marL="0" lvl="0" indent="0">
               <a:spcBef>
                 <a:spcPts val="0"/>
               </a:spcBef>
@@ -2948,6 +3198,7 @@
               <a:rPr lang="en"/>
               <a:t>‹#›</a:t>
             </a:fld>
+            <a:endParaRPr lang="en"/>
           </a:p>
         </p:txBody>
       </p:sp>
@@ -2960,11 +3211,11 @@
 </file>
 
 <file path=ppt/slideLayouts/slideLayout4.xml><?xml version="1.0" encoding="utf-8"?>
-<p:sldLayout xmlns:a="http://schemas.openxmlformats.org/drawingml/2006/main" xmlns:r="http://schemas.openxmlformats.org/officeDocument/2006/relationships" xmlns:mc="http://schemas.openxmlformats.org/markup-compatibility/2006" xmlns:mv="urn:schemas-microsoft-com:mac:vml" xmlns:p="http://schemas.openxmlformats.org/presentationml/2006/main" xmlns:c="http://schemas.openxmlformats.org/drawingml/2006/chart" xmlns:dgm="http://schemas.openxmlformats.org/drawingml/2006/diagram" xmlns:o="urn:schemas-microsoft-com:office:office" xmlns:v="urn:schemas-microsoft-com:vml" xmlns:pvml="urn:schemas-microsoft-com:office:powerpoint" xmlns:com="http://schemas.openxmlformats.org/drawingml/2006/compatibility" xmlns:p14="http://schemas.microsoft.com/office/powerpoint/2010/main" xmlns:p15="http://schemas.microsoft.com/office/powerpoint/2012/main" type="twoColTx">
+<p:sldLayout xmlns:a="http://schemas.openxmlformats.org/drawingml/2006/main" xmlns:r="http://schemas.openxmlformats.org/officeDocument/2006/relationships" xmlns:p="http://schemas.openxmlformats.org/presentationml/2006/main" type="twoColTx">
   <p:cSld name="Title and two columns">
     <p:spTree>
       <p:nvGrpSpPr>
-        <p:cNvPr id="20" name="Shape 20"/>
+        <p:cNvPr id="1" name="Shape 20"/>
         <p:cNvGrpSpPr/>
         <p:nvPr/>
       </p:nvGrpSpPr>
@@ -2979,7 +3230,9 @@
       <p:sp>
         <p:nvSpPr>
           <p:cNvPr id="21" name="Shape 21"/>
-          <p:cNvSpPr txBox="1"/>
+          <p:cNvSpPr txBox="1">
+            <a:spLocks noGrp="1"/>
+          </p:cNvSpPr>
           <p:nvPr>
             <p:ph type="title"/>
           </p:nvPr>
@@ -2994,7 +3247,7 @@
           </a:prstGeom>
         </p:spPr>
         <p:txBody>
-          <a:bodyPr anchorCtr="0" anchor="t" bIns="91425" lIns="91425" rIns="91425" wrap="square" tIns="91425"/>
+          <a:bodyPr wrap="square" lIns="91425" tIns="91425" rIns="91425" bIns="91425" anchor="t" anchorCtr="0"/>
           <a:lstStyle>
             <a:lvl1pPr lvl="0">
               <a:spcBef>
@@ -3069,15 +3322,19 @@
               <a:defRPr/>
             </a:lvl9pPr>
           </a:lstStyle>
-          <a:p/>
+          <a:p>
+            <a:endParaRPr/>
+          </a:p>
         </p:txBody>
       </p:sp>
       <p:sp>
         <p:nvSpPr>
           <p:cNvPr id="22" name="Shape 22"/>
-          <p:cNvSpPr txBox="1"/>
+          <p:cNvSpPr txBox="1">
+            <a:spLocks noGrp="1"/>
+          </p:cNvSpPr>
           <p:nvPr>
-            <p:ph idx="1" type="body"/>
+            <p:ph type="body" idx="1"/>
           </p:nvPr>
         </p:nvSpPr>
         <p:spPr>
@@ -3090,7 +3347,7 @@
           </a:prstGeom>
         </p:spPr>
         <p:txBody>
-          <a:bodyPr anchorCtr="0" anchor="t" bIns="91425" lIns="91425" rIns="91425" wrap="square" tIns="91425"/>
+          <a:bodyPr wrap="square" lIns="91425" tIns="91425" rIns="91425" bIns="91425" anchor="t" anchorCtr="0"/>
           <a:lstStyle>
             <a:lvl1pPr lvl="0">
               <a:spcBef>
@@ -3165,15 +3422,19 @@
               <a:defRPr sz="1200"/>
             </a:lvl9pPr>
           </a:lstStyle>
-          <a:p/>
+          <a:p>
+            <a:endParaRPr/>
+          </a:p>
         </p:txBody>
       </p:sp>
       <p:sp>
         <p:nvSpPr>
           <p:cNvPr id="23" name="Shape 23"/>
-          <p:cNvSpPr txBox="1"/>
+          <p:cNvSpPr txBox="1">
+            <a:spLocks noGrp="1"/>
+          </p:cNvSpPr>
           <p:nvPr>
-            <p:ph idx="2" type="body"/>
+            <p:ph type="body" idx="2"/>
           </p:nvPr>
         </p:nvSpPr>
         <p:spPr>
@@ -3186,7 +3447,7 @@
           </a:prstGeom>
         </p:spPr>
         <p:txBody>
-          <a:bodyPr anchorCtr="0" anchor="t" bIns="91425" lIns="91425" rIns="91425" wrap="square" tIns="91425"/>
+          <a:bodyPr wrap="square" lIns="91425" tIns="91425" rIns="91425" bIns="91425" anchor="t" anchorCtr="0"/>
           <a:lstStyle>
             <a:lvl1pPr lvl="0">
               <a:spcBef>
@@ -3261,15 +3522,19 @@
               <a:defRPr sz="1200"/>
             </a:lvl9pPr>
           </a:lstStyle>
-          <a:p/>
+          <a:p>
+            <a:endParaRPr/>
+          </a:p>
         </p:txBody>
       </p:sp>
       <p:sp>
         <p:nvSpPr>
           <p:cNvPr id="24" name="Shape 24"/>
-          <p:cNvSpPr txBox="1"/>
+          <p:cNvSpPr txBox="1">
+            <a:spLocks noGrp="1"/>
+          </p:cNvSpPr>
           <p:nvPr>
-            <p:ph idx="12" type="sldNum"/>
+            <p:ph type="sldNum" idx="12"/>
           </p:nvPr>
         </p:nvSpPr>
         <p:spPr>
@@ -3282,12 +3547,12 @@
           </a:prstGeom>
         </p:spPr>
         <p:txBody>
-          <a:bodyPr anchorCtr="0" anchor="ctr" bIns="91425" lIns="91425" rIns="91425" wrap="square" tIns="91425">
+          <a:bodyPr wrap="square" lIns="91425" tIns="91425" rIns="91425" bIns="91425" anchor="ctr" anchorCtr="0">
             <a:noAutofit/>
           </a:bodyPr>
           <a:lstStyle/>
           <a:p>
-            <a:pPr indent="0" lvl="0" marL="0">
+            <a:pPr marL="0" lvl="0" indent="0">
               <a:spcBef>
                 <a:spcPts val="0"/>
               </a:spcBef>
@@ -3297,6 +3562,7 @@
               <a:rPr lang="en"/>
               <a:t>‹#›</a:t>
             </a:fld>
+            <a:endParaRPr lang="en"/>
           </a:p>
         </p:txBody>
       </p:sp>
@@ -3309,11 +3575,11 @@
 </file>
 
 <file path=ppt/slideLayouts/slideLayout5.xml><?xml version="1.0" encoding="utf-8"?>
-<p:sldLayout xmlns:a="http://schemas.openxmlformats.org/drawingml/2006/main" xmlns:r="http://schemas.openxmlformats.org/officeDocument/2006/relationships" xmlns:mc="http://schemas.openxmlformats.org/markup-compatibility/2006" xmlns:mv="urn:schemas-microsoft-com:mac:vml" xmlns:p="http://schemas.openxmlformats.org/presentationml/2006/main" xmlns:c="http://schemas.openxmlformats.org/drawingml/2006/chart" xmlns:dgm="http://schemas.openxmlformats.org/drawingml/2006/diagram" xmlns:o="urn:schemas-microsoft-com:office:office" xmlns:v="urn:schemas-microsoft-com:vml" xmlns:pvml="urn:schemas-microsoft-com:office:powerpoint" xmlns:com="http://schemas.openxmlformats.org/drawingml/2006/compatibility" xmlns:p14="http://schemas.microsoft.com/office/powerpoint/2010/main" xmlns:p15="http://schemas.microsoft.com/office/powerpoint/2012/main" type="titleOnly">
+<p:sldLayout xmlns:a="http://schemas.openxmlformats.org/drawingml/2006/main" xmlns:r="http://schemas.openxmlformats.org/officeDocument/2006/relationships" xmlns:p="http://schemas.openxmlformats.org/presentationml/2006/main" type="titleOnly">
   <p:cSld name="Title only">
     <p:spTree>
       <p:nvGrpSpPr>
-        <p:cNvPr id="25" name="Shape 25"/>
+        <p:cNvPr id="1" name="Shape 25"/>
         <p:cNvGrpSpPr/>
         <p:nvPr/>
       </p:nvGrpSpPr>
@@ -3328,7 +3594,9 @@
       <p:sp>
         <p:nvSpPr>
           <p:cNvPr id="26" name="Shape 26"/>
-          <p:cNvSpPr txBox="1"/>
+          <p:cNvSpPr txBox="1">
+            <a:spLocks noGrp="1"/>
+          </p:cNvSpPr>
           <p:nvPr>
             <p:ph type="title"/>
           </p:nvPr>
@@ -3343,7 +3611,7 @@
           </a:prstGeom>
         </p:spPr>
         <p:txBody>
-          <a:bodyPr anchorCtr="0" anchor="t" bIns="91425" lIns="91425" rIns="91425" wrap="square" tIns="91425"/>
+          <a:bodyPr wrap="square" lIns="91425" tIns="91425" rIns="91425" bIns="91425" anchor="t" anchorCtr="0"/>
           <a:lstStyle>
             <a:lvl1pPr lvl="0">
               <a:spcBef>
@@ -3418,15 +3686,19 @@
               <a:defRPr/>
             </a:lvl9pPr>
           </a:lstStyle>
-          <a:p/>
+          <a:p>
+            <a:endParaRPr/>
+          </a:p>
         </p:txBody>
       </p:sp>
       <p:sp>
         <p:nvSpPr>
           <p:cNvPr id="27" name="Shape 27"/>
-          <p:cNvSpPr txBox="1"/>
+          <p:cNvSpPr txBox="1">
+            <a:spLocks noGrp="1"/>
+          </p:cNvSpPr>
           <p:nvPr>
-            <p:ph idx="12" type="sldNum"/>
+            <p:ph type="sldNum" idx="12"/>
           </p:nvPr>
         </p:nvSpPr>
         <p:spPr>
@@ -3439,12 +3711,12 @@
           </a:prstGeom>
         </p:spPr>
         <p:txBody>
-          <a:bodyPr anchorCtr="0" anchor="ctr" bIns="91425" lIns="91425" rIns="91425" wrap="square" tIns="91425">
+          <a:bodyPr wrap="square" lIns="91425" tIns="91425" rIns="91425" bIns="91425" anchor="ctr" anchorCtr="0">
             <a:noAutofit/>
           </a:bodyPr>
           <a:lstStyle/>
           <a:p>
-            <a:pPr indent="0" lvl="0" marL="0">
+            <a:pPr marL="0" lvl="0" indent="0">
               <a:spcBef>
                 <a:spcPts val="0"/>
               </a:spcBef>
@@ -3454,6 +3726,7 @@
               <a:rPr lang="en"/>
               <a:t>‹#›</a:t>
             </a:fld>
+            <a:endParaRPr lang="en"/>
           </a:p>
         </p:txBody>
       </p:sp>
@@ -3466,11 +3739,11 @@
 </file>
 
 <file path=ppt/slideLayouts/slideLayout6.xml><?xml version="1.0" encoding="utf-8"?>
-<p:sldLayout xmlns:a="http://schemas.openxmlformats.org/drawingml/2006/main" xmlns:r="http://schemas.openxmlformats.org/officeDocument/2006/relationships" xmlns:mc="http://schemas.openxmlformats.org/markup-compatibility/2006" xmlns:mv="urn:schemas-microsoft-com:mac:vml" xmlns:p="http://schemas.openxmlformats.org/presentationml/2006/main" xmlns:c="http://schemas.openxmlformats.org/drawingml/2006/chart" xmlns:dgm="http://schemas.openxmlformats.org/drawingml/2006/diagram" xmlns:o="urn:schemas-microsoft-com:office:office" xmlns:v="urn:schemas-microsoft-com:vml" xmlns:pvml="urn:schemas-microsoft-com:office:powerpoint" xmlns:com="http://schemas.openxmlformats.org/drawingml/2006/compatibility" xmlns:p14="http://schemas.microsoft.com/office/powerpoint/2010/main" xmlns:p15="http://schemas.microsoft.com/office/powerpoint/2012/main">
+<p:sldLayout xmlns:a="http://schemas.openxmlformats.org/drawingml/2006/main" xmlns:r="http://schemas.openxmlformats.org/officeDocument/2006/relationships" xmlns:p="http://schemas.openxmlformats.org/presentationml/2006/main">
   <p:cSld name="One column text">
     <p:spTree>
       <p:nvGrpSpPr>
-        <p:cNvPr id="28" name="Shape 28"/>
+        <p:cNvPr id="1" name="Shape 28"/>
         <p:cNvGrpSpPr/>
         <p:nvPr/>
       </p:nvGrpSpPr>
@@ -3485,7 +3758,9 @@
       <p:sp>
         <p:nvSpPr>
           <p:cNvPr id="29" name="Shape 29"/>
-          <p:cNvSpPr txBox="1"/>
+          <p:cNvSpPr txBox="1">
+            <a:spLocks noGrp="1"/>
+          </p:cNvSpPr>
           <p:nvPr>
             <p:ph type="title"/>
           </p:nvPr>
@@ -3500,7 +3775,7 @@
           </a:prstGeom>
         </p:spPr>
         <p:txBody>
-          <a:bodyPr anchorCtr="0" anchor="b" bIns="91425" lIns="91425" rIns="91425" wrap="square" tIns="91425"/>
+          <a:bodyPr wrap="square" lIns="91425" tIns="91425" rIns="91425" bIns="91425" anchor="b" anchorCtr="0"/>
           <a:lstStyle>
             <a:lvl1pPr lvl="0">
               <a:spcBef>
@@ -3575,15 +3850,19 @@
               <a:defRPr sz="2400"/>
             </a:lvl9pPr>
           </a:lstStyle>
-          <a:p/>
+          <a:p>
+            <a:endParaRPr/>
+          </a:p>
         </p:txBody>
       </p:sp>
       <p:sp>
         <p:nvSpPr>
           <p:cNvPr id="30" name="Shape 30"/>
-          <p:cNvSpPr txBox="1"/>
+          <p:cNvSpPr txBox="1">
+            <a:spLocks noGrp="1"/>
+          </p:cNvSpPr>
           <p:nvPr>
-            <p:ph idx="1" type="body"/>
+            <p:ph type="body" idx="1"/>
           </p:nvPr>
         </p:nvSpPr>
         <p:spPr>
@@ -3596,7 +3875,7 @@
           </a:prstGeom>
         </p:spPr>
         <p:txBody>
-          <a:bodyPr anchorCtr="0" anchor="t" bIns="91425" lIns="91425" rIns="91425" wrap="square" tIns="91425"/>
+          <a:bodyPr wrap="square" lIns="91425" tIns="91425" rIns="91425" bIns="91425" anchor="t" anchorCtr="0"/>
           <a:lstStyle>
             <a:lvl1pPr lvl="0">
               <a:spcBef>
@@ -3671,15 +3950,19 @@
               <a:defRPr sz="1200"/>
             </a:lvl9pPr>
           </a:lstStyle>
-          <a:p/>
+          <a:p>
+            <a:endParaRPr/>
+          </a:p>
         </p:txBody>
       </p:sp>
       <p:sp>
         <p:nvSpPr>
           <p:cNvPr id="31" name="Shape 31"/>
-          <p:cNvSpPr txBox="1"/>
+          <p:cNvSpPr txBox="1">
+            <a:spLocks noGrp="1"/>
+          </p:cNvSpPr>
           <p:nvPr>
-            <p:ph idx="12" type="sldNum"/>
+            <p:ph type="sldNum" idx="12"/>
           </p:nvPr>
         </p:nvSpPr>
         <p:spPr>
@@ -3692,12 +3975,12 @@
           </a:prstGeom>
         </p:spPr>
         <p:txBody>
-          <a:bodyPr anchorCtr="0" anchor="ctr" bIns="91425" lIns="91425" rIns="91425" wrap="square" tIns="91425">
+          <a:bodyPr wrap="square" lIns="91425" tIns="91425" rIns="91425" bIns="91425" anchor="ctr" anchorCtr="0">
             <a:noAutofit/>
           </a:bodyPr>
           <a:lstStyle/>
           <a:p>
-            <a:pPr indent="0" lvl="0" marL="0">
+            <a:pPr marL="0" lvl="0" indent="0">
               <a:spcBef>
                 <a:spcPts val="0"/>
               </a:spcBef>
@@ -3707,6 +3990,7 @@
               <a:rPr lang="en"/>
               <a:t>‹#›</a:t>
             </a:fld>
+            <a:endParaRPr lang="en"/>
           </a:p>
         </p:txBody>
       </p:sp>
@@ -3719,11 +4003,11 @@
 </file>
 
 <file path=ppt/slideLayouts/slideLayout7.xml><?xml version="1.0" encoding="utf-8"?>
-<p:sldLayout xmlns:a="http://schemas.openxmlformats.org/drawingml/2006/main" xmlns:r="http://schemas.openxmlformats.org/officeDocument/2006/relationships" xmlns:mc="http://schemas.openxmlformats.org/markup-compatibility/2006" xmlns:mv="urn:schemas-microsoft-com:mac:vml" xmlns:p="http://schemas.openxmlformats.org/presentationml/2006/main" xmlns:c="http://schemas.openxmlformats.org/drawingml/2006/chart" xmlns:dgm="http://schemas.openxmlformats.org/drawingml/2006/diagram" xmlns:o="urn:schemas-microsoft-com:office:office" xmlns:v="urn:schemas-microsoft-com:vml" xmlns:pvml="urn:schemas-microsoft-com:office:powerpoint" xmlns:com="http://schemas.openxmlformats.org/drawingml/2006/compatibility" xmlns:p14="http://schemas.microsoft.com/office/powerpoint/2010/main" xmlns:p15="http://schemas.microsoft.com/office/powerpoint/2012/main">
+<p:sldLayout xmlns:a="http://schemas.openxmlformats.org/drawingml/2006/main" xmlns:r="http://schemas.openxmlformats.org/officeDocument/2006/relationships" xmlns:p="http://schemas.openxmlformats.org/presentationml/2006/main">
   <p:cSld name="Main point">
     <p:spTree>
       <p:nvGrpSpPr>
-        <p:cNvPr id="32" name="Shape 32"/>
+        <p:cNvPr id="1" name="Shape 32"/>
         <p:cNvGrpSpPr/>
         <p:nvPr/>
       </p:nvGrpSpPr>
@@ -3738,7 +4022,9 @@
       <p:sp>
         <p:nvSpPr>
           <p:cNvPr id="33" name="Shape 33"/>
-          <p:cNvSpPr txBox="1"/>
+          <p:cNvSpPr txBox="1">
+            <a:spLocks noGrp="1"/>
+          </p:cNvSpPr>
           <p:nvPr>
             <p:ph type="title"/>
           </p:nvPr>
@@ -3753,7 +4039,7 @@
           </a:prstGeom>
         </p:spPr>
         <p:txBody>
-          <a:bodyPr anchorCtr="0" anchor="ctr" bIns="91425" lIns="91425" rIns="91425" wrap="square" tIns="91425"/>
+          <a:bodyPr wrap="square" lIns="91425" tIns="91425" rIns="91425" bIns="91425" anchor="ctr" anchorCtr="0"/>
           <a:lstStyle>
             <a:lvl1pPr lvl="0">
               <a:spcBef>
@@ -3828,15 +4114,19 @@
               <a:defRPr sz="4800"/>
             </a:lvl9pPr>
           </a:lstStyle>
-          <a:p/>
+          <a:p>
+            <a:endParaRPr/>
+          </a:p>
         </p:txBody>
       </p:sp>
       <p:sp>
         <p:nvSpPr>
           <p:cNvPr id="34" name="Shape 34"/>
-          <p:cNvSpPr txBox="1"/>
+          <p:cNvSpPr txBox="1">
+            <a:spLocks noGrp="1"/>
+          </p:cNvSpPr>
           <p:nvPr>
-            <p:ph idx="12" type="sldNum"/>
+            <p:ph type="sldNum" idx="12"/>
           </p:nvPr>
         </p:nvSpPr>
         <p:spPr>
@@ -3849,12 +4139,12 @@
           </a:prstGeom>
         </p:spPr>
         <p:txBody>
-          <a:bodyPr anchorCtr="0" anchor="ctr" bIns="91425" lIns="91425" rIns="91425" wrap="square" tIns="91425">
+          <a:bodyPr wrap="square" lIns="91425" tIns="91425" rIns="91425" bIns="91425" anchor="ctr" anchorCtr="0">
             <a:noAutofit/>
           </a:bodyPr>
           <a:lstStyle/>
           <a:p>
-            <a:pPr indent="0" lvl="0" marL="0">
+            <a:pPr marL="0" lvl="0" indent="0">
               <a:spcBef>
                 <a:spcPts val="0"/>
               </a:spcBef>
@@ -3864,6 +4154,7 @@
               <a:rPr lang="en"/>
               <a:t>‹#›</a:t>
             </a:fld>
+            <a:endParaRPr lang="en"/>
           </a:p>
         </p:txBody>
       </p:sp>
@@ -3876,11 +4167,11 @@
 </file>
 
 <file path=ppt/slideLayouts/slideLayout8.xml><?xml version="1.0" encoding="utf-8"?>
-<p:sldLayout xmlns:a="http://schemas.openxmlformats.org/drawingml/2006/main" xmlns:r="http://schemas.openxmlformats.org/officeDocument/2006/relationships" xmlns:mc="http://schemas.openxmlformats.org/markup-compatibility/2006" xmlns:mv="urn:schemas-microsoft-com:mac:vml" xmlns:p="http://schemas.openxmlformats.org/presentationml/2006/main" xmlns:c="http://schemas.openxmlformats.org/drawingml/2006/chart" xmlns:dgm="http://schemas.openxmlformats.org/drawingml/2006/diagram" xmlns:o="urn:schemas-microsoft-com:office:office" xmlns:v="urn:schemas-microsoft-com:vml" xmlns:pvml="urn:schemas-microsoft-com:office:powerpoint" xmlns:com="http://schemas.openxmlformats.org/drawingml/2006/compatibility" xmlns:p14="http://schemas.microsoft.com/office/powerpoint/2010/main" xmlns:p15="http://schemas.microsoft.com/office/powerpoint/2012/main">
+<p:sldLayout xmlns:a="http://schemas.openxmlformats.org/drawingml/2006/main" xmlns:r="http://schemas.openxmlformats.org/officeDocument/2006/relationships" xmlns:p="http://schemas.openxmlformats.org/presentationml/2006/main">
   <p:cSld name="Section title and description">
     <p:spTree>
       <p:nvGrpSpPr>
-        <p:cNvPr id="35" name="Shape 35"/>
+        <p:cNvPr id="1" name="Shape 35"/>
         <p:cNvGrpSpPr/>
         <p:nvPr/>
       </p:nvGrpSpPr>
@@ -3914,20 +4205,17 @@
           </a:ln>
         </p:spPr>
         <p:txBody>
-          <a:bodyPr anchorCtr="0" anchor="ctr" bIns="91425" lIns="91425" rIns="91425" wrap="square" tIns="91425">
+          <a:bodyPr wrap="square" lIns="91425" tIns="91425" rIns="91425" bIns="91425" anchor="ctr" anchorCtr="0">
             <a:noAutofit/>
           </a:bodyPr>
           <a:lstStyle/>
           <a:p>
-            <a:pPr indent="0" lvl="0" marL="0">
+            <a:pPr marL="0" lvl="0" indent="0">
               <a:spcBef>
                 <a:spcPts val="0"/>
               </a:spcBef>
               <a:buNone/>
             </a:pPr>
-            <a:r>
-              <a:t/>
-            </a:r>
             <a:endParaRPr/>
           </a:p>
         </p:txBody>
@@ -3935,7 +4223,9 @@
       <p:sp>
         <p:nvSpPr>
           <p:cNvPr id="37" name="Shape 37"/>
-          <p:cNvSpPr txBox="1"/>
+          <p:cNvSpPr txBox="1">
+            <a:spLocks noGrp="1"/>
+          </p:cNvSpPr>
           <p:nvPr>
             <p:ph type="title"/>
           </p:nvPr>
@@ -3950,7 +4240,7 @@
           </a:prstGeom>
         </p:spPr>
         <p:txBody>
-          <a:bodyPr anchorCtr="0" anchor="b" bIns="91425" lIns="91425" rIns="91425" wrap="square" tIns="91425"/>
+          <a:bodyPr wrap="square" lIns="91425" tIns="91425" rIns="91425" bIns="91425" anchor="b" anchorCtr="0"/>
           <a:lstStyle>
             <a:lvl1pPr lvl="0" algn="ctr">
               <a:spcBef>
@@ -4025,15 +4315,19 @@
               <a:defRPr sz="4200"/>
             </a:lvl9pPr>
           </a:lstStyle>
-          <a:p/>
+          <a:p>
+            <a:endParaRPr/>
+          </a:p>
         </p:txBody>
       </p:sp>
       <p:sp>
         <p:nvSpPr>
           <p:cNvPr id="38" name="Shape 38"/>
-          <p:cNvSpPr txBox="1"/>
+          <p:cNvSpPr txBox="1">
+            <a:spLocks noGrp="1"/>
+          </p:cNvSpPr>
           <p:nvPr>
-            <p:ph idx="1" type="subTitle"/>
+            <p:ph type="subTitle" idx="1"/>
           </p:nvPr>
         </p:nvSpPr>
         <p:spPr>
@@ -4046,7 +4340,7 @@
           </a:prstGeom>
         </p:spPr>
         <p:txBody>
-          <a:bodyPr anchorCtr="0" anchor="t" bIns="91425" lIns="91425" rIns="91425" wrap="square" tIns="91425"/>
+          <a:bodyPr wrap="square" lIns="91425" tIns="91425" rIns="91425" bIns="91425" anchor="t" anchorCtr="0"/>
           <a:lstStyle>
             <a:lvl1pPr lvl="0" algn="ctr">
               <a:lnSpc>
@@ -4175,15 +4469,19 @@
               <a:defRPr sz="2100"/>
             </a:lvl9pPr>
           </a:lstStyle>
-          <a:p/>
+          <a:p>
+            <a:endParaRPr/>
+          </a:p>
         </p:txBody>
       </p:sp>
       <p:sp>
         <p:nvSpPr>
           <p:cNvPr id="39" name="Shape 39"/>
-          <p:cNvSpPr txBox="1"/>
+          <p:cNvSpPr txBox="1">
+            <a:spLocks noGrp="1"/>
+          </p:cNvSpPr>
           <p:nvPr>
-            <p:ph idx="2" type="body"/>
+            <p:ph type="body" idx="2"/>
           </p:nvPr>
         </p:nvSpPr>
         <p:spPr>
@@ -4196,7 +4494,7 @@
           </a:prstGeom>
         </p:spPr>
         <p:txBody>
-          <a:bodyPr anchorCtr="0" anchor="ctr" bIns="91425" lIns="91425" rIns="91425" wrap="square" tIns="91425"/>
+          <a:bodyPr wrap="square" lIns="91425" tIns="91425" rIns="91425" bIns="91425" anchor="ctr" anchorCtr="0"/>
           <a:lstStyle>
             <a:lvl1pPr lvl="0">
               <a:spcBef>
@@ -4334,15 +4632,19 @@
               </a:defRPr>
             </a:lvl9pPr>
           </a:lstStyle>
-          <a:p/>
+          <a:p>
+            <a:endParaRPr/>
+          </a:p>
         </p:txBody>
       </p:sp>
       <p:sp>
         <p:nvSpPr>
           <p:cNvPr id="40" name="Shape 40"/>
-          <p:cNvSpPr txBox="1"/>
+          <p:cNvSpPr txBox="1">
+            <a:spLocks noGrp="1"/>
+          </p:cNvSpPr>
           <p:nvPr>
-            <p:ph idx="12" type="sldNum"/>
+            <p:ph type="sldNum" idx="12"/>
           </p:nvPr>
         </p:nvSpPr>
         <p:spPr>
@@ -4355,12 +4657,12 @@
           </a:prstGeom>
         </p:spPr>
         <p:txBody>
-          <a:bodyPr anchorCtr="0" anchor="ctr" bIns="91425" lIns="91425" rIns="91425" wrap="square" tIns="91425">
+          <a:bodyPr wrap="square" lIns="91425" tIns="91425" rIns="91425" bIns="91425" anchor="ctr" anchorCtr="0">
             <a:noAutofit/>
           </a:bodyPr>
           <a:lstStyle/>
           <a:p>
-            <a:pPr indent="0" lvl="0" marL="0">
+            <a:pPr marL="0" lvl="0" indent="0">
               <a:spcBef>
                 <a:spcPts val="0"/>
               </a:spcBef>
@@ -4370,6 +4672,7 @@
               <a:rPr lang="en"/>
               <a:t>‹#›</a:t>
             </a:fld>
+            <a:endParaRPr lang="en"/>
           </a:p>
         </p:txBody>
       </p:sp>
@@ -4382,11 +4685,11 @@
 </file>
 
 <file path=ppt/slideLayouts/slideLayout9.xml><?xml version="1.0" encoding="utf-8"?>
-<p:sldLayout xmlns:a="http://schemas.openxmlformats.org/drawingml/2006/main" xmlns:r="http://schemas.openxmlformats.org/officeDocument/2006/relationships" xmlns:mc="http://schemas.openxmlformats.org/markup-compatibility/2006" xmlns:mv="urn:schemas-microsoft-com:mac:vml" xmlns:p="http://schemas.openxmlformats.org/presentationml/2006/main" xmlns:c="http://schemas.openxmlformats.org/drawingml/2006/chart" xmlns:dgm="http://schemas.openxmlformats.org/drawingml/2006/diagram" xmlns:o="urn:schemas-microsoft-com:office:office" xmlns:v="urn:schemas-microsoft-com:vml" xmlns:pvml="urn:schemas-microsoft-com:office:powerpoint" xmlns:com="http://schemas.openxmlformats.org/drawingml/2006/compatibility" xmlns:p14="http://schemas.microsoft.com/office/powerpoint/2010/main" xmlns:p15="http://schemas.microsoft.com/office/powerpoint/2012/main">
+<p:sldLayout xmlns:a="http://schemas.openxmlformats.org/drawingml/2006/main" xmlns:r="http://schemas.openxmlformats.org/officeDocument/2006/relationships" xmlns:p="http://schemas.openxmlformats.org/presentationml/2006/main">
   <p:cSld name="Caption">
     <p:spTree>
       <p:nvGrpSpPr>
-        <p:cNvPr id="41" name="Shape 41"/>
+        <p:cNvPr id="1" name="Shape 41"/>
         <p:cNvGrpSpPr/>
         <p:nvPr/>
       </p:nvGrpSpPr>
@@ -4401,9 +4704,11 @@
       <p:sp>
         <p:nvSpPr>
           <p:cNvPr id="42" name="Shape 42"/>
-          <p:cNvSpPr txBox="1"/>
+          <p:cNvSpPr txBox="1">
+            <a:spLocks noGrp="1"/>
+          </p:cNvSpPr>
           <p:nvPr>
-            <p:ph idx="1" type="body"/>
+            <p:ph type="body" idx="1"/>
           </p:nvPr>
         </p:nvSpPr>
         <p:spPr>
@@ -4416,7 +4721,7 @@
           </a:prstGeom>
         </p:spPr>
         <p:txBody>
-          <a:bodyPr anchorCtr="0" anchor="ctr" bIns="91425" lIns="91425" rIns="91425" wrap="square" tIns="91425"/>
+          <a:bodyPr wrap="square" lIns="91425" tIns="91425" rIns="91425" bIns="91425" anchor="ctr" anchorCtr="0"/>
           <a:lstStyle>
             <a:lvl1pPr lvl="0">
               <a:lnSpc>
@@ -4433,15 +4738,19 @@
               <a:defRPr/>
             </a:lvl1pPr>
           </a:lstStyle>
-          <a:p/>
+          <a:p>
+            <a:endParaRPr/>
+          </a:p>
         </p:txBody>
       </p:sp>
       <p:sp>
         <p:nvSpPr>
           <p:cNvPr id="43" name="Shape 43"/>
-          <p:cNvSpPr txBox="1"/>
+          <p:cNvSpPr txBox="1">
+            <a:spLocks noGrp="1"/>
+          </p:cNvSpPr>
           <p:nvPr>
-            <p:ph idx="12" type="sldNum"/>
+            <p:ph type="sldNum" idx="12"/>
           </p:nvPr>
         </p:nvSpPr>
         <p:spPr>
@@ -4454,12 +4763,12 @@
           </a:prstGeom>
         </p:spPr>
         <p:txBody>
-          <a:bodyPr anchorCtr="0" anchor="ctr" bIns="91425" lIns="91425" rIns="91425" wrap="square" tIns="91425">
+          <a:bodyPr wrap="square" lIns="91425" tIns="91425" rIns="91425" bIns="91425" anchor="ctr" anchorCtr="0">
             <a:noAutofit/>
           </a:bodyPr>
           <a:lstStyle/>
           <a:p>
-            <a:pPr indent="0" lvl="0" marL="0">
+            <a:pPr marL="0" lvl="0" indent="0">
               <a:spcBef>
                 <a:spcPts val="0"/>
               </a:spcBef>
@@ -4469,6 +4778,7 @@
               <a:rPr lang="en"/>
               <a:t>‹#›</a:t>
             </a:fld>
+            <a:endParaRPr lang="en"/>
           </a:p>
         </p:txBody>
       </p:sp>
@@ -4481,18 +4791,19 @@
 </file>
 
 <file path=ppt/slideMasters/slideMaster1.xml><?xml version="1.0" encoding="utf-8"?>
-<p:sldMaster xmlns:a="http://schemas.openxmlformats.org/drawingml/2006/main" xmlns:r="http://schemas.openxmlformats.org/officeDocument/2006/relationships" xmlns:mc="http://schemas.openxmlformats.org/markup-compatibility/2006" xmlns:mv="urn:schemas-microsoft-com:mac:vml" xmlns:p="http://schemas.openxmlformats.org/presentationml/2006/main" xmlns:c="http://schemas.openxmlformats.org/drawingml/2006/chart" xmlns:dgm="http://schemas.openxmlformats.org/drawingml/2006/diagram" xmlns:o="urn:schemas-microsoft-com:office:office" xmlns:v="urn:schemas-microsoft-com:vml" xmlns:pvml="urn:schemas-microsoft-com:office:powerpoint" xmlns:com="http://schemas.openxmlformats.org/drawingml/2006/compatibility" xmlns:p14="http://schemas.microsoft.com/office/powerpoint/2010/main" xmlns:p15="http://schemas.microsoft.com/office/powerpoint/2012/main">
+<p:sldMaster xmlns:a="http://schemas.openxmlformats.org/drawingml/2006/main" xmlns:r="http://schemas.openxmlformats.org/officeDocument/2006/relationships" xmlns:p="http://schemas.openxmlformats.org/presentationml/2006/main">
   <p:cSld name="simple-dark-2">
     <p:bg>
       <p:bgPr>
         <a:solidFill>
           <a:schemeClr val="lt1"/>
         </a:solidFill>
+        <a:effectLst/>
       </p:bgPr>
     </p:bg>
     <p:spTree>
       <p:nvGrpSpPr>
-        <p:cNvPr id="5" name="Shape 5"/>
+        <p:cNvPr id="1" name="Shape 5"/>
         <p:cNvGrpSpPr/>
         <p:nvPr/>
       </p:nvGrpSpPr>
@@ -4507,7 +4818,9 @@
       <p:sp>
         <p:nvSpPr>
           <p:cNvPr id="6" name="Shape 6"/>
-          <p:cNvSpPr txBox="1"/>
+          <p:cNvSpPr txBox="1">
+            <a:spLocks noGrp="1"/>
+          </p:cNvSpPr>
           <p:nvPr>
             <p:ph type="title"/>
           </p:nvPr>
@@ -4526,7 +4839,7 @@
           </a:ln>
         </p:spPr>
         <p:txBody>
-          <a:bodyPr anchorCtr="0" anchor="t" bIns="91425" lIns="91425" rIns="91425" wrap="square" tIns="91425"/>
+          <a:bodyPr wrap="square" lIns="91425" tIns="91425" rIns="91425" bIns="91425" anchor="t" anchorCtr="0"/>
           <a:lstStyle>
             <a:lvl1pPr lvl="0">
               <a:spcBef>
@@ -4664,15 +4977,19 @@
               </a:defRPr>
             </a:lvl9pPr>
           </a:lstStyle>
-          <a:p/>
+          <a:p>
+            <a:endParaRPr/>
+          </a:p>
         </p:txBody>
       </p:sp>
       <p:sp>
         <p:nvSpPr>
           <p:cNvPr id="7" name="Shape 7"/>
-          <p:cNvSpPr txBox="1"/>
+          <p:cNvSpPr txBox="1">
+            <a:spLocks noGrp="1"/>
+          </p:cNvSpPr>
           <p:nvPr>
-            <p:ph idx="1" type="body"/>
+            <p:ph type="body" idx="1"/>
           </p:nvPr>
         </p:nvSpPr>
         <p:spPr>
@@ -4689,7 +5006,7 @@
           </a:ln>
         </p:spPr>
         <p:txBody>
-          <a:bodyPr anchorCtr="0" anchor="t" bIns="91425" lIns="91425" rIns="91425" wrap="square" tIns="91425"/>
+          <a:bodyPr wrap="square" lIns="91425" tIns="91425" rIns="91425" bIns="91425" anchor="t" anchorCtr="0"/>
           <a:lstStyle>
             <a:lvl1pPr lvl="0">
               <a:lnSpc>
@@ -4881,15 +5198,19 @@
               </a:defRPr>
             </a:lvl9pPr>
           </a:lstStyle>
-          <a:p/>
+          <a:p>
+            <a:endParaRPr/>
+          </a:p>
         </p:txBody>
       </p:sp>
       <p:sp>
         <p:nvSpPr>
           <p:cNvPr id="8" name="Shape 8"/>
-          <p:cNvSpPr txBox="1"/>
+          <p:cNvSpPr txBox="1">
+            <a:spLocks noGrp="1"/>
+          </p:cNvSpPr>
           <p:nvPr>
-            <p:ph idx="12" type="sldNum"/>
+            <p:ph type="sldNum" idx="12"/>
           </p:nvPr>
         </p:nvSpPr>
         <p:spPr>
@@ -4906,12 +5227,12 @@
           </a:ln>
         </p:spPr>
         <p:txBody>
-          <a:bodyPr anchorCtr="0" anchor="ctr" bIns="91425" lIns="91425" rIns="91425" wrap="square" tIns="91425">
+          <a:bodyPr wrap="square" lIns="91425" tIns="91425" rIns="91425" bIns="91425" anchor="ctr" anchorCtr="0">
             <a:noAutofit/>
           </a:bodyPr>
           <a:lstStyle/>
           <a:p>
-            <a:pPr indent="0" lvl="0" marL="0" algn="r">
+            <a:pPr marL="0" lvl="0" indent="0" algn="r">
               <a:spcBef>
                 <a:spcPts val="0"/>
               </a:spcBef>
@@ -4925,12 +5246,17 @@
               </a:rPr>
               <a:t>‹#›</a:t>
             </a:fld>
+            <a:endParaRPr lang="en" sz="1000">
+              <a:solidFill>
+                <a:schemeClr val="lt2"/>
+              </a:solidFill>
+            </a:endParaRPr>
           </a:p>
         </p:txBody>
       </p:sp>
     </p:spTree>
   </p:cSld>
-  <p:clrMap accent1="accent1" accent2="accent2" accent3="accent3" accent4="accent4" accent5="accent5" accent6="accent6" bg1="lt1" bg2="dk2" tx1="dk1" tx2="lt2" folHlink="folHlink" hlink="hlink"/>
+  <p:clrMap bg1="lt1" tx1="dk1" bg2="dk2" tx2="lt2" accent1="accent1" accent2="accent2" accent3="accent3" accent4="accent4" accent5="accent5" accent6="accent6" hlink="hlink" folHlink="folHlink"/>
   <p:sldLayoutIdLst>
     <p:sldLayoutId id="2147483648" r:id="rId1"/>
     <p:sldLayoutId id="2147483649" r:id="rId2"/>
@@ -4944,10 +5270,10 @@
     <p:sldLayoutId id="2147483657" r:id="rId10"/>
     <p:sldLayoutId id="2147483658" r:id="rId11"/>
   </p:sldLayoutIdLst>
-  <p:hf dt="0" ftr="0" hdr="0" sldNum="0"/>
+  <p:hf sldNum="0" hdr="0" ftr="0" dt="0"/>
   <p:txStyles>
     <p:titleStyle>
-      <a:defPPr lvl="0" marR="0" rtl="0" algn="l">
+      <a:defPPr marR="0" lvl="0" algn="l" rtl="0">
         <a:lnSpc>
           <a:spcPct val="100000"/>
         </a:lnSpc>
@@ -4958,7 +5284,7 @@
           <a:spcPts val="0"/>
         </a:spcAft>
       </a:defPPr>
-      <a:lvl1pPr lvl="0" marR="0" rtl="0" algn="l">
+      <a:lvl1pPr marR="0" lvl="0" algn="l" rtl="0">
         <a:lnSpc>
           <a:spcPct val="100000"/>
         </a:lnSpc>
@@ -4969,7 +5295,7 @@
           <a:spcPts val="0"/>
         </a:spcAft>
         <a:buNone/>
-        <a:defRPr b="0" i="0" sz="1400" u="none" cap="none" strike="noStrike">
+        <a:defRPr sz="1400" b="0" i="0" u="none" strike="noStrike" cap="none">
           <a:solidFill>
             <a:srgbClr val="000000"/>
           </a:solidFill>
@@ -4981,7 +5307,7 @@
       </a:lvl1pPr>
     </p:titleStyle>
     <p:bodyStyle>
-      <a:defPPr lvl="0" marR="0" rtl="0" algn="l">
+      <a:defPPr marR="0" lvl="0" algn="l" rtl="0">
         <a:lnSpc>
           <a:spcPct val="100000"/>
         </a:lnSpc>
@@ -4992,7 +5318,7 @@
           <a:spcPts val="0"/>
         </a:spcAft>
       </a:defPPr>
-      <a:lvl1pPr lvl="0" marR="0" rtl="0" algn="l">
+      <a:lvl1pPr marR="0" lvl="0" algn="l" rtl="0">
         <a:lnSpc>
           <a:spcPct val="100000"/>
         </a:lnSpc>
@@ -5003,7 +5329,7 @@
           <a:spcPts val="0"/>
         </a:spcAft>
         <a:buNone/>
-        <a:defRPr b="0" i="0" sz="1400" u="none" cap="none" strike="noStrike">
+        <a:defRPr sz="1400" b="0" i="0" u="none" strike="noStrike" cap="none">
           <a:solidFill>
             <a:srgbClr val="000000"/>
           </a:solidFill>
@@ -5013,7 +5339,7 @@
           <a:sym typeface="Arial"/>
         </a:defRPr>
       </a:lvl1pPr>
-      <a:lvl2pPr lvl="1" marR="0" rtl="0" algn="l">
+      <a:lvl2pPr marR="0" lvl="1" algn="l" rtl="0">
         <a:lnSpc>
           <a:spcPct val="100000"/>
         </a:lnSpc>
@@ -5024,7 +5350,7 @@
           <a:spcPts val="0"/>
         </a:spcAft>
         <a:buNone/>
-        <a:defRPr b="0" i="0" sz="1400" u="none" cap="none" strike="noStrike">
+        <a:defRPr sz="1400" b="0" i="0" u="none" strike="noStrike" cap="none">
           <a:solidFill>
             <a:srgbClr val="000000"/>
           </a:solidFill>
@@ -5034,7 +5360,7 @@
           <a:sym typeface="Arial"/>
         </a:defRPr>
       </a:lvl2pPr>
-      <a:lvl3pPr lvl="2" marR="0" rtl="0" algn="l">
+      <a:lvl3pPr marR="0" lvl="2" algn="l" rtl="0">
         <a:lnSpc>
           <a:spcPct val="100000"/>
         </a:lnSpc>
@@ -5045,7 +5371,7 @@
           <a:spcPts val="0"/>
         </a:spcAft>
         <a:buNone/>
-        <a:defRPr b="0" i="0" sz="1400" u="none" cap="none" strike="noStrike">
+        <a:defRPr sz="1400" b="0" i="0" u="none" strike="noStrike" cap="none">
           <a:solidFill>
             <a:srgbClr val="000000"/>
           </a:solidFill>
@@ -5055,7 +5381,7 @@
           <a:sym typeface="Arial"/>
         </a:defRPr>
       </a:lvl3pPr>
-      <a:lvl4pPr lvl="3" marR="0" rtl="0" algn="l">
+      <a:lvl4pPr marR="0" lvl="3" algn="l" rtl="0">
         <a:lnSpc>
           <a:spcPct val="100000"/>
         </a:lnSpc>
@@ -5066,7 +5392,7 @@
           <a:spcPts val="0"/>
         </a:spcAft>
         <a:buNone/>
-        <a:defRPr b="0" i="0" sz="1400" u="none" cap="none" strike="noStrike">
+        <a:defRPr sz="1400" b="0" i="0" u="none" strike="noStrike" cap="none">
           <a:solidFill>
             <a:srgbClr val="000000"/>
           </a:solidFill>
@@ -5076,7 +5402,7 @@
           <a:sym typeface="Arial"/>
         </a:defRPr>
       </a:lvl4pPr>
-      <a:lvl5pPr lvl="4" marR="0" rtl="0" algn="l">
+      <a:lvl5pPr marR="0" lvl="4" algn="l" rtl="0">
         <a:lnSpc>
           <a:spcPct val="100000"/>
         </a:lnSpc>
@@ -5087,7 +5413,7 @@
           <a:spcPts val="0"/>
         </a:spcAft>
         <a:buNone/>
-        <a:defRPr b="0" i="0" sz="1400" u="none" cap="none" strike="noStrike">
+        <a:defRPr sz="1400" b="0" i="0" u="none" strike="noStrike" cap="none">
           <a:solidFill>
             <a:srgbClr val="000000"/>
           </a:solidFill>
@@ -5097,7 +5423,7 @@
           <a:sym typeface="Arial"/>
         </a:defRPr>
       </a:lvl5pPr>
-      <a:lvl6pPr lvl="5" marR="0" rtl="0" algn="l">
+      <a:lvl6pPr marR="0" lvl="5" algn="l" rtl="0">
         <a:lnSpc>
           <a:spcPct val="100000"/>
         </a:lnSpc>
@@ -5108,7 +5434,7 @@
           <a:spcPts val="0"/>
         </a:spcAft>
         <a:buNone/>
-        <a:defRPr b="0" i="0" sz="1400" u="none" cap="none" strike="noStrike">
+        <a:defRPr sz="1400" b="0" i="0" u="none" strike="noStrike" cap="none">
           <a:solidFill>
             <a:srgbClr val="000000"/>
           </a:solidFill>
@@ -5118,7 +5444,7 @@
           <a:sym typeface="Arial"/>
         </a:defRPr>
       </a:lvl6pPr>
-      <a:lvl7pPr lvl="6" marR="0" rtl="0" algn="l">
+      <a:lvl7pPr marR="0" lvl="6" algn="l" rtl="0">
         <a:lnSpc>
           <a:spcPct val="100000"/>
         </a:lnSpc>
@@ -5129,7 +5455,7 @@
           <a:spcPts val="0"/>
         </a:spcAft>
         <a:buNone/>
-        <a:defRPr b="0" i="0" sz="1400" u="none" cap="none" strike="noStrike">
+        <a:defRPr sz="1400" b="0" i="0" u="none" strike="noStrike" cap="none">
           <a:solidFill>
             <a:srgbClr val="000000"/>
           </a:solidFill>
@@ -5139,7 +5465,7 @@
           <a:sym typeface="Arial"/>
         </a:defRPr>
       </a:lvl7pPr>
-      <a:lvl8pPr lvl="7" marR="0" rtl="0" algn="l">
+      <a:lvl8pPr marR="0" lvl="7" algn="l" rtl="0">
         <a:lnSpc>
           <a:spcPct val="100000"/>
         </a:lnSpc>
@@ -5150,7 +5476,7 @@
           <a:spcPts val="0"/>
         </a:spcAft>
         <a:buNone/>
-        <a:defRPr b="0" i="0" sz="1400" u="none" cap="none" strike="noStrike">
+        <a:defRPr sz="1400" b="0" i="0" u="none" strike="noStrike" cap="none">
           <a:solidFill>
             <a:srgbClr val="000000"/>
           </a:solidFill>
@@ -5160,7 +5486,7 @@
           <a:sym typeface="Arial"/>
         </a:defRPr>
       </a:lvl8pPr>
-      <a:lvl9pPr lvl="8" marR="0" rtl="0" algn="l">
+      <a:lvl9pPr marR="0" lvl="8" algn="l" rtl="0">
         <a:lnSpc>
           <a:spcPct val="100000"/>
         </a:lnSpc>
@@ -5171,7 +5497,7 @@
           <a:spcPts val="0"/>
         </a:spcAft>
         <a:buNone/>
-        <a:defRPr b="0" i="0" sz="1400" u="none" cap="none" strike="noStrike">
+        <a:defRPr sz="1400" b="0" i="0" u="none" strike="noStrike" cap="none">
           <a:solidFill>
             <a:srgbClr val="000000"/>
           </a:solidFill>
@@ -5183,7 +5509,7 @@
       </a:lvl9pPr>
     </p:bodyStyle>
     <p:otherStyle>
-      <a:defPPr lvl="0" marR="0" rtl="0" algn="l">
+      <a:defPPr marR="0" lvl="0" algn="l" rtl="0">
         <a:lnSpc>
           <a:spcPct val="100000"/>
         </a:lnSpc>
@@ -5194,7 +5520,7 @@
           <a:spcPts val="0"/>
         </a:spcAft>
       </a:defPPr>
-      <a:lvl1pPr lvl="0" marR="0" rtl="0" algn="l">
+      <a:lvl1pPr marR="0" lvl="0" algn="l" rtl="0">
         <a:lnSpc>
           <a:spcPct val="100000"/>
         </a:lnSpc>
@@ -5205,7 +5531,7 @@
           <a:spcPts val="0"/>
         </a:spcAft>
         <a:buNone/>
-        <a:defRPr b="0" i="0" sz="1400" u="none" cap="none" strike="noStrike">
+        <a:defRPr sz="1400" b="0" i="0" u="none" strike="noStrike" cap="none">
           <a:solidFill>
             <a:srgbClr val="000000"/>
           </a:solidFill>
@@ -5215,7 +5541,7 @@
           <a:sym typeface="Arial"/>
         </a:defRPr>
       </a:lvl1pPr>
-      <a:lvl2pPr lvl="1" marR="0" rtl="0" algn="l">
+      <a:lvl2pPr marR="0" lvl="1" algn="l" rtl="0">
         <a:lnSpc>
           <a:spcPct val="100000"/>
         </a:lnSpc>
@@ -5226,7 +5552,7 @@
           <a:spcPts val="0"/>
         </a:spcAft>
         <a:buNone/>
-        <a:defRPr b="0" i="0" sz="1400" u="none" cap="none" strike="noStrike">
+        <a:defRPr sz="1400" b="0" i="0" u="none" strike="noStrike" cap="none">
           <a:solidFill>
             <a:srgbClr val="000000"/>
           </a:solidFill>
@@ -5236,7 +5562,7 @@
           <a:sym typeface="Arial"/>
         </a:defRPr>
       </a:lvl2pPr>
-      <a:lvl3pPr lvl="2" marR="0" rtl="0" algn="l">
+      <a:lvl3pPr marR="0" lvl="2" algn="l" rtl="0">
         <a:lnSpc>
           <a:spcPct val="100000"/>
         </a:lnSpc>
@@ -5247,7 +5573,7 @@
           <a:spcPts val="0"/>
         </a:spcAft>
         <a:buNone/>
-        <a:defRPr b="0" i="0" sz="1400" u="none" cap="none" strike="noStrike">
+        <a:defRPr sz="1400" b="0" i="0" u="none" strike="noStrike" cap="none">
           <a:solidFill>
             <a:srgbClr val="000000"/>
           </a:solidFill>
@@ -5257,7 +5583,7 @@
           <a:sym typeface="Arial"/>
         </a:defRPr>
       </a:lvl3pPr>
-      <a:lvl4pPr lvl="3" marR="0" rtl="0" algn="l">
+      <a:lvl4pPr marR="0" lvl="3" algn="l" rtl="0">
         <a:lnSpc>
           <a:spcPct val="100000"/>
         </a:lnSpc>
@@ -5268,7 +5594,7 @@
           <a:spcPts val="0"/>
         </a:spcAft>
         <a:buNone/>
-        <a:defRPr b="0" i="0" sz="1400" u="none" cap="none" strike="noStrike">
+        <a:defRPr sz="1400" b="0" i="0" u="none" strike="noStrike" cap="none">
           <a:solidFill>
             <a:srgbClr val="000000"/>
           </a:solidFill>
@@ -5278,7 +5604,7 @@
           <a:sym typeface="Arial"/>
         </a:defRPr>
       </a:lvl4pPr>
-      <a:lvl5pPr lvl="4" marR="0" rtl="0" algn="l">
+      <a:lvl5pPr marR="0" lvl="4" algn="l" rtl="0">
         <a:lnSpc>
           <a:spcPct val="100000"/>
         </a:lnSpc>
@@ -5289,7 +5615,7 @@
           <a:spcPts val="0"/>
         </a:spcAft>
         <a:buNone/>
-        <a:defRPr b="0" i="0" sz="1400" u="none" cap="none" strike="noStrike">
+        <a:defRPr sz="1400" b="0" i="0" u="none" strike="noStrike" cap="none">
           <a:solidFill>
             <a:srgbClr val="000000"/>
           </a:solidFill>
@@ -5299,7 +5625,7 @@
           <a:sym typeface="Arial"/>
         </a:defRPr>
       </a:lvl5pPr>
-      <a:lvl6pPr lvl="5" marR="0" rtl="0" algn="l">
+      <a:lvl6pPr marR="0" lvl="5" algn="l" rtl="0">
         <a:lnSpc>
           <a:spcPct val="100000"/>
         </a:lnSpc>
@@ -5310,7 +5636,7 @@
           <a:spcPts val="0"/>
         </a:spcAft>
         <a:buNone/>
-        <a:defRPr b="0" i="0" sz="1400" u="none" cap="none" strike="noStrike">
+        <a:defRPr sz="1400" b="0" i="0" u="none" strike="noStrike" cap="none">
           <a:solidFill>
             <a:srgbClr val="000000"/>
           </a:solidFill>
@@ -5320,7 +5646,7 @@
           <a:sym typeface="Arial"/>
         </a:defRPr>
       </a:lvl6pPr>
-      <a:lvl7pPr lvl="6" marR="0" rtl="0" algn="l">
+      <a:lvl7pPr marR="0" lvl="6" algn="l" rtl="0">
         <a:lnSpc>
           <a:spcPct val="100000"/>
         </a:lnSpc>
@@ -5331,7 +5657,7 @@
           <a:spcPts val="0"/>
         </a:spcAft>
         <a:buNone/>
-        <a:defRPr b="0" i="0" sz="1400" u="none" cap="none" strike="noStrike">
+        <a:defRPr sz="1400" b="0" i="0" u="none" strike="noStrike" cap="none">
           <a:solidFill>
             <a:srgbClr val="000000"/>
           </a:solidFill>
@@ -5341,7 +5667,7 @@
           <a:sym typeface="Arial"/>
         </a:defRPr>
       </a:lvl7pPr>
-      <a:lvl8pPr lvl="7" marR="0" rtl="0" algn="l">
+      <a:lvl8pPr marR="0" lvl="7" algn="l" rtl="0">
         <a:lnSpc>
           <a:spcPct val="100000"/>
         </a:lnSpc>
@@ -5352,7 +5678,7 @@
           <a:spcPts val="0"/>
         </a:spcAft>
         <a:buNone/>
-        <a:defRPr b="0" i="0" sz="1400" u="none" cap="none" strike="noStrike">
+        <a:defRPr sz="1400" b="0" i="0" u="none" strike="noStrike" cap="none">
           <a:solidFill>
             <a:srgbClr val="000000"/>
           </a:solidFill>
@@ -5362,7 +5688,7 @@
           <a:sym typeface="Arial"/>
         </a:defRPr>
       </a:lvl8pPr>
-      <a:lvl9pPr lvl="8" marR="0" rtl="0" algn="l">
+      <a:lvl9pPr marR="0" lvl="8" algn="l" rtl="0">
         <a:lnSpc>
           <a:spcPct val="100000"/>
         </a:lnSpc>
@@ -5373,7 +5699,7 @@
           <a:spcPts val="0"/>
         </a:spcAft>
         <a:buNone/>
-        <a:defRPr b="0" i="0" sz="1400" u="none" cap="none" strike="noStrike">
+        <a:defRPr sz="1400" b="0" i="0" u="none" strike="noStrike" cap="none">
           <a:solidFill>
             <a:srgbClr val="000000"/>
           </a:solidFill>
@@ -5389,11 +5715,11 @@
 </file>
 
 <file path=ppt/slides/slide1.xml><?xml version="1.0" encoding="utf-8"?>
-<p:sld xmlns:a="http://schemas.openxmlformats.org/drawingml/2006/main" xmlns:r="http://schemas.openxmlformats.org/officeDocument/2006/relationships" xmlns:mc="http://schemas.openxmlformats.org/markup-compatibility/2006" xmlns:mv="urn:schemas-microsoft-com:mac:vml" xmlns:p="http://schemas.openxmlformats.org/presentationml/2006/main" xmlns:c="http://schemas.openxmlformats.org/drawingml/2006/chart" xmlns:dgm="http://schemas.openxmlformats.org/drawingml/2006/diagram" xmlns:o="urn:schemas-microsoft-com:office:office" xmlns:v="urn:schemas-microsoft-com:vml" xmlns:pvml="urn:schemas-microsoft-com:office:powerpoint" xmlns:com="http://schemas.openxmlformats.org/drawingml/2006/compatibility" xmlns:p14="http://schemas.microsoft.com/office/powerpoint/2010/main" xmlns:p15="http://schemas.microsoft.com/office/powerpoint/2012/main">
+<p:sld xmlns:a="http://schemas.openxmlformats.org/drawingml/2006/main" xmlns:r="http://schemas.openxmlformats.org/officeDocument/2006/relationships" xmlns:p="http://schemas.openxmlformats.org/presentationml/2006/main">
   <p:cSld>
     <p:spTree>
       <p:nvGrpSpPr>
-        <p:cNvPr id="53" name="Shape 53"/>
+        <p:cNvPr id="1" name="Shape 53"/>
         <p:cNvGrpSpPr/>
         <p:nvPr/>
       </p:nvGrpSpPr>
@@ -5453,12 +5779,12 @@
           </a:ln>
         </p:spPr>
         <p:txBody>
-          <a:bodyPr anchorCtr="0" anchor="t" bIns="91425" lIns="91425" rIns="91425" wrap="square" tIns="91425">
+          <a:bodyPr wrap="square" lIns="91425" tIns="91425" rIns="91425" bIns="91425" anchor="t" anchorCtr="0">
             <a:noAutofit/>
           </a:bodyPr>
           <a:lstStyle/>
           <a:p>
-            <a:pPr indent="0" lvl="0" marL="0" algn="ctr">
+            <a:pPr marL="0" lvl="0" indent="0" algn="ctr">
               <a:spcBef>
                 <a:spcPts val="0"/>
               </a:spcBef>
@@ -5484,11 +5810,11 @@
 </file>
 
 <file path=ppt/slides/slide10.xml><?xml version="1.0" encoding="utf-8"?>
-<p:sld xmlns:a="http://schemas.openxmlformats.org/drawingml/2006/main" xmlns:r="http://schemas.openxmlformats.org/officeDocument/2006/relationships" xmlns:mc="http://schemas.openxmlformats.org/markup-compatibility/2006" xmlns:mv="urn:schemas-microsoft-com:mac:vml" xmlns:p="http://schemas.openxmlformats.org/presentationml/2006/main" xmlns:c="http://schemas.openxmlformats.org/drawingml/2006/chart" xmlns:dgm="http://schemas.openxmlformats.org/drawingml/2006/diagram" xmlns:o="urn:schemas-microsoft-com:office:office" xmlns:v="urn:schemas-microsoft-com:vml" xmlns:pvml="urn:schemas-microsoft-com:office:powerpoint" xmlns:com="http://schemas.openxmlformats.org/drawingml/2006/compatibility" xmlns:p14="http://schemas.microsoft.com/office/powerpoint/2010/main" xmlns:p15="http://schemas.microsoft.com/office/powerpoint/2012/main">
+<p:sld xmlns:a="http://schemas.openxmlformats.org/drawingml/2006/main" xmlns:r="http://schemas.openxmlformats.org/officeDocument/2006/relationships" xmlns:p="http://schemas.openxmlformats.org/presentationml/2006/main">
   <p:cSld>
     <p:spTree>
       <p:nvGrpSpPr>
-        <p:cNvPr id="116" name="Shape 116"/>
+        <p:cNvPr id="1" name="Shape 116"/>
         <p:cNvGrpSpPr/>
         <p:nvPr/>
       </p:nvGrpSpPr>
@@ -5503,7 +5829,9 @@
       <p:sp>
         <p:nvSpPr>
           <p:cNvPr id="117" name="Shape 117"/>
-          <p:cNvSpPr txBox="1"/>
+          <p:cNvSpPr txBox="1">
+            <a:spLocks noGrp="1"/>
+          </p:cNvSpPr>
           <p:nvPr>
             <p:ph type="title"/>
           </p:nvPr>
@@ -5518,12 +5846,12 @@
           </a:prstGeom>
         </p:spPr>
         <p:txBody>
-          <a:bodyPr anchorCtr="0" anchor="t" bIns="91425" lIns="91425" rIns="91425" wrap="square" tIns="91425">
+          <a:bodyPr wrap="square" lIns="91425" tIns="91425" rIns="91425" bIns="91425" anchor="t" anchorCtr="0">
             <a:noAutofit/>
           </a:bodyPr>
           <a:lstStyle/>
           <a:p>
-            <a:pPr indent="0" lvl="0" marL="0">
+            <a:pPr marL="0" lvl="0" indent="0">
               <a:spcBef>
                 <a:spcPts val="0"/>
               </a:spcBef>
@@ -5544,9 +5872,11 @@
       <p:sp>
         <p:nvSpPr>
           <p:cNvPr id="118" name="Shape 118"/>
-          <p:cNvSpPr txBox="1"/>
+          <p:cNvSpPr txBox="1">
+            <a:spLocks noGrp="1"/>
+          </p:cNvSpPr>
           <p:nvPr>
-            <p:ph idx="1" type="body"/>
+            <p:ph type="body" idx="1"/>
           </p:nvPr>
         </p:nvSpPr>
         <p:spPr>
@@ -5559,19 +5889,19 @@
           </a:prstGeom>
         </p:spPr>
         <p:txBody>
-          <a:bodyPr anchorCtr="0" anchor="ctr" bIns="91425" lIns="91425" rIns="91425" wrap="square" tIns="91425">
+          <a:bodyPr wrap="square" lIns="91425" tIns="91425" rIns="91425" bIns="91425" anchor="ctr" anchorCtr="0">
             <a:noAutofit/>
           </a:bodyPr>
           <a:lstStyle/>
           <a:p>
-            <a:pPr indent="0" lvl="0" marL="0">
+            <a:pPr marL="0" lvl="0" indent="0">
               <a:spcBef>
                 <a:spcPts val="0"/>
               </a:spcBef>
               <a:buNone/>
             </a:pPr>
             <a:r>
-              <a:rPr lang="en">
+              <a:rPr lang="en" dirty="0">
                 <a:latin typeface="Lato"/>
                 <a:ea typeface="Lato"/>
                 <a:cs typeface="Lato"/>
@@ -5580,7 +5910,7 @@
               <a:t>While the user is viewing the loading page, this is when cheapskates makes the call to the </a:t>
             </a:r>
             <a:r>
-              <a:rPr i="1" lang="en">
+              <a:rPr lang="en" i="1" dirty="0">
                 <a:latin typeface="Lato"/>
                 <a:ea typeface="Lato"/>
                 <a:cs typeface="Lato"/>
@@ -5589,7 +5919,7 @@
               <a:t>Zomato </a:t>
             </a:r>
             <a:r>
-              <a:rPr lang="en">
+              <a:rPr lang="en" dirty="0">
                 <a:latin typeface="Lato"/>
                 <a:ea typeface="Lato"/>
                 <a:cs typeface="Lato"/>
@@ -5598,7 +5928,7 @@
               <a:t>API. The request url needs to have a set longitude, latitude, radius, and cuisine in order to give the user the correct list. We easily add these values to the request URL string by concatenating the string. After the connection is made, we obtain the information using a type of JSON parsing called Volley. The API gives cheapskates the information in the form of JSON. We then organize the data, cutting out restaurants that are out of the users price range and to the specificity of the selected cuisine, by iterating through the </a:t>
             </a:r>
             <a:r>
-              <a:rPr i="1" lang="en">
+              <a:rPr lang="en" i="1" dirty="0">
                 <a:latin typeface="Lato"/>
                 <a:ea typeface="Lato"/>
                 <a:cs typeface="Lato"/>
@@ -5607,7 +5937,7 @@
               <a:t>Zomato </a:t>
             </a:r>
             <a:r>
-              <a:rPr lang="en">
+              <a:rPr lang="en" dirty="0">
                 <a:latin typeface="Lato"/>
                 <a:ea typeface="Lato"/>
                 <a:cs typeface="Lato"/>
@@ -5627,11 +5957,11 @@
 </file>
 
 <file path=ppt/slides/slide11.xml><?xml version="1.0" encoding="utf-8"?>
-<p:sld xmlns:a="http://schemas.openxmlformats.org/drawingml/2006/main" xmlns:r="http://schemas.openxmlformats.org/officeDocument/2006/relationships" xmlns:mc="http://schemas.openxmlformats.org/markup-compatibility/2006" xmlns:mv="urn:schemas-microsoft-com:mac:vml" xmlns:p="http://schemas.openxmlformats.org/presentationml/2006/main" xmlns:c="http://schemas.openxmlformats.org/drawingml/2006/chart" xmlns:dgm="http://schemas.openxmlformats.org/drawingml/2006/diagram" xmlns:o="urn:schemas-microsoft-com:office:office" xmlns:v="urn:schemas-microsoft-com:vml" xmlns:pvml="urn:schemas-microsoft-com:office:powerpoint" xmlns:com="http://schemas.openxmlformats.org/drawingml/2006/compatibility" xmlns:p14="http://schemas.microsoft.com/office/powerpoint/2010/main" xmlns:p15="http://schemas.microsoft.com/office/powerpoint/2012/main">
+<p:sld xmlns:a="http://schemas.openxmlformats.org/drawingml/2006/main" xmlns:r="http://schemas.openxmlformats.org/officeDocument/2006/relationships" xmlns:p="http://schemas.openxmlformats.org/presentationml/2006/main">
   <p:cSld>
     <p:spTree>
       <p:nvGrpSpPr>
-        <p:cNvPr id="122" name="Shape 122"/>
+        <p:cNvPr id="1" name="Shape 122"/>
         <p:cNvGrpSpPr/>
         <p:nvPr/>
       </p:nvGrpSpPr>
@@ -5646,7 +5976,9 @@
       <p:sp>
         <p:nvSpPr>
           <p:cNvPr id="123" name="Shape 123"/>
-          <p:cNvSpPr txBox="1"/>
+          <p:cNvSpPr txBox="1">
+            <a:spLocks noGrp="1"/>
+          </p:cNvSpPr>
           <p:nvPr>
             <p:ph type="title"/>
           </p:nvPr>
@@ -5661,12 +5993,12 @@
           </a:prstGeom>
         </p:spPr>
         <p:txBody>
-          <a:bodyPr anchorCtr="0" anchor="t" bIns="91425" lIns="91425" rIns="91425" wrap="square" tIns="91425">
+          <a:bodyPr wrap="square" lIns="91425" tIns="91425" rIns="91425" bIns="91425" anchor="t" anchorCtr="0">
             <a:noAutofit/>
           </a:bodyPr>
           <a:lstStyle/>
           <a:p>
-            <a:pPr indent="0" lvl="0" marL="0">
+            <a:pPr marL="0" lvl="0" indent="0">
               <a:spcBef>
                 <a:spcPts val="0"/>
               </a:spcBef>
@@ -5687,9 +6019,11 @@
       <p:sp>
         <p:nvSpPr>
           <p:cNvPr id="124" name="Shape 124"/>
-          <p:cNvSpPr txBox="1"/>
+          <p:cNvSpPr txBox="1">
+            <a:spLocks noGrp="1"/>
+          </p:cNvSpPr>
           <p:nvPr>
-            <p:ph idx="1" type="body"/>
+            <p:ph type="body" idx="1"/>
           </p:nvPr>
         </p:nvSpPr>
         <p:spPr>
@@ -5702,28 +6036,46 @@
           </a:prstGeom>
         </p:spPr>
         <p:txBody>
-          <a:bodyPr anchorCtr="0" anchor="ctr" bIns="91425" lIns="91425" rIns="91425" wrap="square" tIns="91425">
+          <a:bodyPr wrap="square" lIns="91425" tIns="91425" rIns="91425" bIns="91425" anchor="ctr" anchorCtr="0">
             <a:noAutofit/>
           </a:bodyPr>
           <a:lstStyle/>
           <a:p>
-            <a:pPr indent="0" lvl="0" marL="0">
+            <a:pPr marL="0" lvl="0" indent="0">
               <a:spcBef>
                 <a:spcPts val="0"/>
               </a:spcBef>
               <a:buNone/>
             </a:pPr>
             <a:r>
-              <a:rPr lang="en" sz="1600">
+              <a:rPr lang="en" sz="1600" dirty="0">
                 <a:latin typeface="Lato"/>
                 <a:ea typeface="Lato"/>
                 <a:cs typeface="Lato"/>
                 <a:sym typeface="Lato"/>
               </a:rPr>
-              <a:t>To display the resulting restaurants after the user has narrowed down the search, we use the android feature listview. The list that was created while the </a:t>
+              <a:t>To display the resulting restaurants after the user has narrowed down the search, we use the android feature </a:t>
             </a:r>
             <a:r>
-              <a:rPr i="1" lang="en" sz="1600">
+              <a:rPr lang="en" sz="1600" dirty="0" smtClean="0">
+                <a:latin typeface="Lato"/>
+                <a:ea typeface="Lato"/>
+                <a:cs typeface="Lato"/>
+                <a:sym typeface="Lato"/>
+              </a:rPr>
+              <a:t>Listview</a:t>
+            </a:r>
+            <a:r>
+              <a:rPr lang="en" sz="1600" dirty="0">
+                <a:latin typeface="Lato"/>
+                <a:ea typeface="Lato"/>
+                <a:cs typeface="Lato"/>
+                <a:sym typeface="Lato"/>
+              </a:rPr>
+              <a:t>. The list that was created while the </a:t>
+            </a:r>
+            <a:r>
+              <a:rPr lang="en" sz="1600" i="1" dirty="0">
                 <a:latin typeface="Lato"/>
                 <a:ea typeface="Lato"/>
                 <a:cs typeface="Lato"/>
@@ -5732,13 +6084,66 @@
               <a:t>Zomato</a:t>
             </a:r>
             <a:r>
-              <a:rPr lang="en" sz="1600">
+              <a:rPr lang="en" sz="1600" dirty="0">
                 <a:latin typeface="Lato"/>
                 <a:ea typeface="Lato"/>
                 <a:cs typeface="Lato"/>
                 <a:sym typeface="Lato"/>
               </a:rPr>
-              <a:t>’s API result was being sorted, is now being displayed as a scrollable list with the help of the list adapter. Each item of the list is clickable to the user can gain further information about the restaurant they selected. The user also has access to a back button, located in the toolbar, which gives them the option to go back to the cuisine page and select another option. The button has an intent that, when pressed, takes them back to the cuisines page so they can look through other budget friendly food options. However, if the user would like to change their budget, there is also a textbox located in the toolbar that allows them to change their budget with the press of go.</a:t>
+              <a:t>’s API result was being sorted, is now being displayed as a scrollable list with the help of the list adapter. Each item of the list is clickable </a:t>
+            </a:r>
+            <a:r>
+              <a:rPr lang="en" sz="1600" dirty="0" smtClean="0">
+                <a:latin typeface="Lato"/>
+                <a:ea typeface="Lato"/>
+                <a:cs typeface="Lato"/>
+                <a:sym typeface="Lato"/>
+              </a:rPr>
+              <a:t>so </a:t>
+            </a:r>
+            <a:r>
+              <a:rPr lang="en" sz="1600" dirty="0">
+                <a:latin typeface="Lato"/>
+                <a:ea typeface="Lato"/>
+                <a:cs typeface="Lato"/>
+                <a:sym typeface="Lato"/>
+              </a:rPr>
+              <a:t>the user can gain further information about the restaurant they selected</a:t>
+            </a:r>
+            <a:r>
+              <a:rPr lang="en" sz="1600" dirty="0" smtClean="0">
+                <a:latin typeface="Lato"/>
+                <a:ea typeface="Lato"/>
+                <a:cs typeface="Lato"/>
+                <a:sym typeface="Lato"/>
+              </a:rPr>
+              <a:t>. When clicked, the JSON object retrieved from the response body would be stored along with the intent, allowing the response to be utilized in a different java class. </a:t>
+            </a:r>
+          </a:p>
+          <a:p>
+            <a:pPr marL="0" lvl="0" indent="0">
+              <a:spcBef>
+                <a:spcPts val="0"/>
+              </a:spcBef>
+              <a:buNone/>
+            </a:pPr>
+            <a:r>
+              <a:rPr lang="en" sz="1600" dirty="0" smtClean="0">
+                <a:latin typeface="Lato"/>
+                <a:ea typeface="Lato"/>
+                <a:cs typeface="Lato"/>
+                <a:sym typeface="Lato"/>
+              </a:rPr>
+              <a:t>The </a:t>
+            </a:r>
+            <a:r>
+              <a:rPr lang="en" sz="1600" dirty="0">
+                <a:latin typeface="Lato"/>
+                <a:ea typeface="Lato"/>
+                <a:cs typeface="Lato"/>
+                <a:sym typeface="Lato"/>
+              </a:rPr>
+              <a:t>user also has access to a back button, located in the toolbar, which gives them the option to go back to the cuisine page and select another option. The button has an intent that, when pressed, takes them back to the cuisines page so they can look through other budget friendly food options. However, if the user would like to change their budget, there is also a textbox located in the toolbar that allows them to change their budget with the press of go.</a:t>
             </a:r>
           </a:p>
         </p:txBody>
@@ -5752,11 +6157,11 @@
 </file>
 
 <file path=ppt/slides/slide12.xml><?xml version="1.0" encoding="utf-8"?>
-<p:sld xmlns:a="http://schemas.openxmlformats.org/drawingml/2006/main" xmlns:r="http://schemas.openxmlformats.org/officeDocument/2006/relationships" xmlns:mc="http://schemas.openxmlformats.org/markup-compatibility/2006" xmlns:mv="urn:schemas-microsoft-com:mac:vml" xmlns:p="http://schemas.openxmlformats.org/presentationml/2006/main" xmlns:c="http://schemas.openxmlformats.org/drawingml/2006/chart" xmlns:dgm="http://schemas.openxmlformats.org/drawingml/2006/diagram" xmlns:o="urn:schemas-microsoft-com:office:office" xmlns:v="urn:schemas-microsoft-com:vml" xmlns:pvml="urn:schemas-microsoft-com:office:powerpoint" xmlns:com="http://schemas.openxmlformats.org/drawingml/2006/compatibility" xmlns:p14="http://schemas.microsoft.com/office/powerpoint/2010/main" xmlns:p15="http://schemas.microsoft.com/office/powerpoint/2012/main">
+<p:sld xmlns:a="http://schemas.openxmlformats.org/drawingml/2006/main" xmlns:r="http://schemas.openxmlformats.org/officeDocument/2006/relationships" xmlns:p="http://schemas.openxmlformats.org/presentationml/2006/main">
   <p:cSld>
     <p:spTree>
       <p:nvGrpSpPr>
-        <p:cNvPr id="128" name="Shape 128"/>
+        <p:cNvPr id="1" name="Shape 128"/>
         <p:cNvGrpSpPr/>
         <p:nvPr/>
       </p:nvGrpSpPr>
@@ -5841,31 +6246,28 @@
           <a:solidFill>
             <a:schemeClr val="accent1"/>
           </a:solidFill>
-          <a:ln cap="flat" cmpd="sng" w="9525">
+          <a:ln w="9525" cap="flat" cmpd="sng">
             <a:solidFill>
               <a:schemeClr val="accent1"/>
             </a:solidFill>
             <a:prstDash val="solid"/>
             <a:round/>
-            <a:headEnd len="med" w="med" type="none"/>
-            <a:tailEnd len="med" w="med" type="none"/>
+            <a:headEnd type="none" w="med" len="med"/>
+            <a:tailEnd type="none" w="med" len="med"/>
           </a:ln>
         </p:spPr>
         <p:txBody>
-          <a:bodyPr anchorCtr="0" anchor="ctr" bIns="91425" lIns="91425" rIns="91425" wrap="square" tIns="91425">
+          <a:bodyPr wrap="square" lIns="91425" tIns="91425" rIns="91425" bIns="91425" anchor="ctr" anchorCtr="0">
             <a:noAutofit/>
           </a:bodyPr>
           <a:lstStyle/>
           <a:p>
-            <a:pPr indent="0" lvl="0" marL="0">
+            <a:pPr marL="0" lvl="0" indent="0">
               <a:spcBef>
                 <a:spcPts val="0"/>
               </a:spcBef>
               <a:buNone/>
             </a:pPr>
-            <a:r>
-              <a:t/>
-            </a:r>
             <a:endParaRPr/>
           </a:p>
         </p:txBody>
@@ -5890,12 +6292,12 @@
           </a:ln>
         </p:spPr>
         <p:txBody>
-          <a:bodyPr anchorCtr="0" anchor="t" bIns="91425" lIns="91425" rIns="91425" wrap="square" tIns="91425">
+          <a:bodyPr wrap="square" lIns="91425" tIns="91425" rIns="91425" bIns="91425" anchor="t" anchorCtr="0">
             <a:noAutofit/>
           </a:bodyPr>
           <a:lstStyle/>
           <a:p>
-            <a:pPr indent="0" lvl="0" marL="0" algn="ctr">
+            <a:pPr marL="0" lvl="0" indent="0" algn="ctr">
               <a:spcBef>
                 <a:spcPts val="0"/>
               </a:spcBef>
@@ -5929,31 +6331,28 @@
           <a:solidFill>
             <a:schemeClr val="accent1"/>
           </a:solidFill>
-          <a:ln cap="flat" cmpd="sng" w="9525">
+          <a:ln w="9525" cap="flat" cmpd="sng">
             <a:solidFill>
               <a:schemeClr val="accent1"/>
             </a:solidFill>
             <a:prstDash val="solid"/>
             <a:round/>
-            <a:headEnd len="med" w="med" type="none"/>
-            <a:tailEnd len="med" w="med" type="none"/>
+            <a:headEnd type="none" w="med" len="med"/>
+            <a:tailEnd type="none" w="med" len="med"/>
           </a:ln>
         </p:spPr>
         <p:txBody>
-          <a:bodyPr anchorCtr="0" anchor="ctr" bIns="91425" lIns="91425" rIns="91425" wrap="square" tIns="91425">
+          <a:bodyPr wrap="square" lIns="91425" tIns="91425" rIns="91425" bIns="91425" anchor="ctr" anchorCtr="0">
             <a:noAutofit/>
           </a:bodyPr>
           <a:lstStyle/>
           <a:p>
-            <a:pPr indent="0" lvl="0" marL="0">
+            <a:pPr marL="0" lvl="0" indent="0">
               <a:spcBef>
                 <a:spcPts val="0"/>
               </a:spcBef>
               <a:buNone/>
             </a:pPr>
-            <a:r>
-              <a:t/>
-            </a:r>
             <a:endParaRPr/>
           </a:p>
         </p:txBody>
@@ -5978,12 +6377,12 @@
           </a:ln>
         </p:spPr>
         <p:txBody>
-          <a:bodyPr anchorCtr="0" anchor="t" bIns="91425" lIns="91425" rIns="91425" wrap="square" tIns="91425">
+          <a:bodyPr wrap="square" lIns="91425" tIns="91425" rIns="91425" bIns="91425" anchor="t" anchorCtr="0">
             <a:noAutofit/>
           </a:bodyPr>
           <a:lstStyle/>
           <a:p>
-            <a:pPr indent="0" lvl="0" marL="0">
+            <a:pPr marL="0" lvl="0" indent="0">
               <a:spcBef>
                 <a:spcPts val="0"/>
               </a:spcBef>
@@ -6009,11 +6408,11 @@
 </file>
 
 <file path=ppt/slides/slide13.xml><?xml version="1.0" encoding="utf-8"?>
-<p:sld xmlns:a="http://schemas.openxmlformats.org/drawingml/2006/main" xmlns:r="http://schemas.openxmlformats.org/officeDocument/2006/relationships" xmlns:mc="http://schemas.openxmlformats.org/markup-compatibility/2006" xmlns:mv="urn:schemas-microsoft-com:mac:vml" xmlns:p="http://schemas.openxmlformats.org/presentationml/2006/main" xmlns:c="http://schemas.openxmlformats.org/drawingml/2006/chart" xmlns:dgm="http://schemas.openxmlformats.org/drawingml/2006/diagram" xmlns:o="urn:schemas-microsoft-com:office:office" xmlns:v="urn:schemas-microsoft-com:vml" xmlns:pvml="urn:schemas-microsoft-com:office:powerpoint" xmlns:com="http://schemas.openxmlformats.org/drawingml/2006/compatibility" xmlns:p14="http://schemas.microsoft.com/office/powerpoint/2010/main" xmlns:p15="http://schemas.microsoft.com/office/powerpoint/2012/main">
+<p:sld xmlns:a="http://schemas.openxmlformats.org/drawingml/2006/main" xmlns:r="http://schemas.openxmlformats.org/officeDocument/2006/relationships" xmlns:p="http://schemas.openxmlformats.org/presentationml/2006/main">
   <p:cSld>
     <p:spTree>
       <p:nvGrpSpPr>
-        <p:cNvPr id="138" name="Shape 138"/>
+        <p:cNvPr id="1" name="Shape 138"/>
         <p:cNvGrpSpPr/>
         <p:nvPr/>
       </p:nvGrpSpPr>
@@ -6028,7 +6427,9 @@
       <p:sp>
         <p:nvSpPr>
           <p:cNvPr id="139" name="Shape 139"/>
-          <p:cNvSpPr txBox="1"/>
+          <p:cNvSpPr txBox="1">
+            <a:spLocks noGrp="1"/>
+          </p:cNvSpPr>
           <p:nvPr>
             <p:ph type="title"/>
           </p:nvPr>
@@ -6043,12 +6444,12 @@
           </a:prstGeom>
         </p:spPr>
         <p:txBody>
-          <a:bodyPr anchorCtr="0" anchor="t" bIns="91425" lIns="91425" rIns="91425" wrap="square" tIns="91425">
+          <a:bodyPr wrap="square" lIns="91425" tIns="91425" rIns="91425" bIns="91425" anchor="t" anchorCtr="0">
             <a:noAutofit/>
           </a:bodyPr>
           <a:lstStyle/>
           <a:p>
-            <a:pPr indent="0" lvl="0" marL="0">
+            <a:pPr marL="0" lvl="0" indent="0">
               <a:spcBef>
                 <a:spcPts val="0"/>
               </a:spcBef>
@@ -6069,9 +6470,11 @@
       <p:sp>
         <p:nvSpPr>
           <p:cNvPr id="140" name="Shape 140"/>
-          <p:cNvSpPr txBox="1"/>
+          <p:cNvSpPr txBox="1">
+            <a:spLocks noGrp="1"/>
+          </p:cNvSpPr>
           <p:nvPr>
-            <p:ph idx="1" type="body"/>
+            <p:ph type="body" idx="1"/>
           </p:nvPr>
         </p:nvSpPr>
         <p:spPr>
@@ -6084,25 +6487,43 @@
           </a:prstGeom>
         </p:spPr>
         <p:txBody>
-          <a:bodyPr anchorCtr="0" anchor="ctr" bIns="91425" lIns="91425" rIns="91425" wrap="square" tIns="91425">
+          <a:bodyPr wrap="square" lIns="91425" tIns="91425" rIns="91425" bIns="91425" anchor="ctr" anchorCtr="0">
             <a:noAutofit/>
           </a:bodyPr>
           <a:lstStyle/>
           <a:p>
-            <a:pPr indent="0" lvl="0" marL="0">
+            <a:pPr marL="0" lvl="0" indent="0">
               <a:spcBef>
                 <a:spcPts val="0"/>
               </a:spcBef>
               <a:buNone/>
             </a:pPr>
             <a:r>
-              <a:rPr lang="en">
+              <a:rPr lang="en" dirty="0">
                 <a:latin typeface="Lato"/>
                 <a:ea typeface="Lato"/>
                 <a:cs typeface="Lato"/>
                 <a:sym typeface="Lato"/>
               </a:rPr>
-              <a:t>In this page, we are simply giving the user the information. The list created when sorting the API not only stores the names of the restaurants, but also the location, address, rating and locality of each restaurant. This information is displayed to the user as well as a map view when the “Show in Maps” button is pressed. The maps button is linked to another page that displays the restaurant's location using the location saved in the list of restaurants and the Google Maps API. Like in the previous page, the user also has the option to go back to the previous page using the back button and change their inputted budget.</a:t>
+              <a:t>In this page, we are simply giving the user the information. The list created when sorting the API not only stores the names of the restaurants, but also the location, address, rating and locality of each restaurant. This information is displayed to the user as well as a map view when the “Show in Maps” button is pressed. The maps button is linked to another page that displays the restaurant's location using the </a:t>
+            </a:r>
+            <a:r>
+              <a:rPr lang="en" dirty="0" smtClean="0">
+                <a:latin typeface="Lato"/>
+                <a:ea typeface="Lato"/>
+                <a:cs typeface="Lato"/>
+                <a:sym typeface="Lato"/>
+              </a:rPr>
+              <a:t>longitude and latitude retrieved from the JSON object with </a:t>
+            </a:r>
+            <a:r>
+              <a:rPr lang="en" dirty="0">
+                <a:latin typeface="Lato"/>
+                <a:ea typeface="Lato"/>
+                <a:cs typeface="Lato"/>
+                <a:sym typeface="Lato"/>
+              </a:rPr>
+              <a:t>the Google Maps API. Like in the previous page, the user also has the option to go back to the previous page using the back button and change their inputted budget.</a:t>
             </a:r>
           </a:p>
         </p:txBody>
@@ -6116,11 +6537,11 @@
 </file>
 
 <file path=ppt/slides/slide14.xml><?xml version="1.0" encoding="utf-8"?>
-<p:sld xmlns:a="http://schemas.openxmlformats.org/drawingml/2006/main" xmlns:r="http://schemas.openxmlformats.org/officeDocument/2006/relationships" xmlns:mc="http://schemas.openxmlformats.org/markup-compatibility/2006" xmlns:mv="urn:schemas-microsoft-com:mac:vml" xmlns:p="http://schemas.openxmlformats.org/presentationml/2006/main" xmlns:c="http://schemas.openxmlformats.org/drawingml/2006/chart" xmlns:dgm="http://schemas.openxmlformats.org/drawingml/2006/diagram" xmlns:o="urn:schemas-microsoft-com:office:office" xmlns:v="urn:schemas-microsoft-com:vml" xmlns:pvml="urn:schemas-microsoft-com:office:powerpoint" xmlns:com="http://schemas.openxmlformats.org/drawingml/2006/compatibility" xmlns:p14="http://schemas.microsoft.com/office/powerpoint/2010/main" xmlns:p15="http://schemas.microsoft.com/office/powerpoint/2012/main">
+<p:sld xmlns:a="http://schemas.openxmlformats.org/drawingml/2006/main" xmlns:r="http://schemas.openxmlformats.org/officeDocument/2006/relationships" xmlns:p="http://schemas.openxmlformats.org/presentationml/2006/main">
   <p:cSld>
     <p:spTree>
       <p:nvGrpSpPr>
-        <p:cNvPr id="144" name="Shape 144"/>
+        <p:cNvPr id="1" name="Shape 144"/>
         <p:cNvGrpSpPr/>
         <p:nvPr/>
       </p:nvGrpSpPr>
@@ -6135,7 +6556,9 @@
       <p:sp>
         <p:nvSpPr>
           <p:cNvPr id="145" name="Shape 145"/>
-          <p:cNvSpPr txBox="1"/>
+          <p:cNvSpPr txBox="1">
+            <a:spLocks noGrp="1"/>
+          </p:cNvSpPr>
           <p:nvPr>
             <p:ph type="title"/>
           </p:nvPr>
@@ -6150,35 +6573,43 @@
           </a:prstGeom>
         </p:spPr>
         <p:txBody>
-          <a:bodyPr anchorCtr="0" anchor="t" bIns="91425" lIns="91425" rIns="91425" wrap="square" tIns="91425">
+          <a:bodyPr wrap="square" lIns="91425" tIns="91425" rIns="91425" bIns="91425" anchor="t" anchorCtr="0">
             <a:noAutofit/>
           </a:bodyPr>
           <a:lstStyle/>
           <a:p>
-            <a:pPr indent="0" lvl="0" marL="0">
+            <a:pPr marL="0" lvl="0" indent="0">
               <a:spcBef>
                 <a:spcPts val="0"/>
               </a:spcBef>
               <a:buNone/>
             </a:pPr>
             <a:r>
-              <a:rPr lang="en">
+              <a:rPr lang="en" dirty="0" smtClean="0">
                 <a:latin typeface="Impact"/>
                 <a:ea typeface="Impact"/>
                 <a:cs typeface="Impact"/>
                 <a:sym typeface="Impact"/>
               </a:rPr>
-              <a:t>What happens when you enter a 0 budget or a budget to big?</a:t>
+              <a:t>Types of error handling for user inputs:</a:t>
             </a:r>
+            <a:endParaRPr lang="en" dirty="0">
+              <a:latin typeface="Impact"/>
+              <a:ea typeface="Impact"/>
+              <a:cs typeface="Impact"/>
+              <a:sym typeface="Impact"/>
+            </a:endParaRPr>
           </a:p>
         </p:txBody>
       </p:sp>
       <p:sp>
         <p:nvSpPr>
           <p:cNvPr id="146" name="Shape 146"/>
-          <p:cNvSpPr txBox="1"/>
+          <p:cNvSpPr txBox="1">
+            <a:spLocks noGrp="1"/>
+          </p:cNvSpPr>
           <p:nvPr>
-            <p:ph idx="1" type="body"/>
+            <p:ph type="body" idx="1"/>
           </p:nvPr>
         </p:nvSpPr>
         <p:spPr>
@@ -6191,12 +6622,12 @@
           </a:prstGeom>
         </p:spPr>
         <p:txBody>
-          <a:bodyPr anchorCtr="0" anchor="t" bIns="91425" lIns="91425" rIns="91425" wrap="square" tIns="91425">
+          <a:bodyPr wrap="square" lIns="91425" tIns="91425" rIns="91425" bIns="91425" anchor="t" anchorCtr="0">
             <a:noAutofit/>
           </a:bodyPr>
           <a:lstStyle/>
           <a:p>
-            <a:pPr indent="0" lvl="0" marL="0">
+            <a:pPr marL="0" lvl="0" indent="0">
               <a:spcBef>
                 <a:spcPts val="0"/>
               </a:spcBef>
@@ -6213,15 +6644,12 @@
             </a:r>
           </a:p>
           <a:p>
-            <a:pPr indent="0" lvl="0" marL="0">
+            <a:pPr marL="0" lvl="0" indent="0">
               <a:spcBef>
                 <a:spcPts val="0"/>
               </a:spcBef>
               <a:buNone/>
             </a:pPr>
-            <a:r>
-              <a:t/>
-            </a:r>
             <a:endParaRPr>
               <a:latin typeface="Lato"/>
               <a:ea typeface="Lato"/>
@@ -6230,7 +6658,7 @@
             </a:endParaRPr>
           </a:p>
           <a:p>
-            <a:pPr indent="0" lvl="0" marL="0">
+            <a:pPr marL="0" lvl="0" indent="0">
               <a:spcBef>
                 <a:spcPts val="0"/>
               </a:spcBef>
@@ -6257,11 +6685,11 @@
 </file>
 
 <file path=ppt/slides/slide15.xml><?xml version="1.0" encoding="utf-8"?>
-<p:sld xmlns:a="http://schemas.openxmlformats.org/drawingml/2006/main" xmlns:r="http://schemas.openxmlformats.org/officeDocument/2006/relationships" xmlns:mc="http://schemas.openxmlformats.org/markup-compatibility/2006" xmlns:mv="urn:schemas-microsoft-com:mac:vml" xmlns:p="http://schemas.openxmlformats.org/presentationml/2006/main" xmlns:c="http://schemas.openxmlformats.org/drawingml/2006/chart" xmlns:dgm="http://schemas.openxmlformats.org/drawingml/2006/diagram" xmlns:o="urn:schemas-microsoft-com:office:office" xmlns:v="urn:schemas-microsoft-com:vml" xmlns:pvml="urn:schemas-microsoft-com:office:powerpoint" xmlns:com="http://schemas.openxmlformats.org/drawingml/2006/compatibility" xmlns:p14="http://schemas.microsoft.com/office/powerpoint/2010/main" xmlns:p15="http://schemas.microsoft.com/office/powerpoint/2012/main">
+<p:sld xmlns:a="http://schemas.openxmlformats.org/drawingml/2006/main" xmlns:r="http://schemas.openxmlformats.org/officeDocument/2006/relationships" xmlns:p="http://schemas.openxmlformats.org/presentationml/2006/main">
   <p:cSld>
     <p:spTree>
       <p:nvGrpSpPr>
-        <p:cNvPr id="150" name="Shape 150"/>
+        <p:cNvPr id="1" name="Shape 150"/>
         <p:cNvGrpSpPr/>
         <p:nvPr/>
       </p:nvGrpSpPr>
@@ -6346,31 +6774,28 @@
           <a:solidFill>
             <a:schemeClr val="accent1"/>
           </a:solidFill>
-          <a:ln cap="flat" cmpd="sng" w="9525">
+          <a:ln w="9525" cap="flat" cmpd="sng">
             <a:solidFill>
               <a:schemeClr val="accent1"/>
             </a:solidFill>
             <a:prstDash val="solid"/>
             <a:round/>
-            <a:headEnd len="med" w="med" type="none"/>
-            <a:tailEnd len="med" w="med" type="none"/>
+            <a:headEnd type="none" w="med" len="med"/>
+            <a:tailEnd type="none" w="med" len="med"/>
           </a:ln>
         </p:spPr>
         <p:txBody>
-          <a:bodyPr anchorCtr="0" anchor="ctr" bIns="91425" lIns="91425" rIns="91425" wrap="square" tIns="91425">
+          <a:bodyPr wrap="square" lIns="91425" tIns="91425" rIns="91425" bIns="91425" anchor="ctr" anchorCtr="0">
             <a:noAutofit/>
           </a:bodyPr>
           <a:lstStyle/>
           <a:p>
-            <a:pPr indent="0" lvl="0" marL="0">
+            <a:pPr marL="0" lvl="0" indent="0">
               <a:spcBef>
                 <a:spcPts val="0"/>
               </a:spcBef>
               <a:buNone/>
             </a:pPr>
-            <a:r>
-              <a:t/>
-            </a:r>
             <a:endParaRPr/>
           </a:p>
         </p:txBody>
@@ -6395,12 +6820,12 @@
           </a:ln>
         </p:spPr>
         <p:txBody>
-          <a:bodyPr anchorCtr="0" anchor="t" bIns="91425" lIns="91425" rIns="91425" wrap="square" tIns="91425">
+          <a:bodyPr wrap="square" lIns="91425" tIns="91425" rIns="91425" bIns="91425" anchor="t" anchorCtr="0">
             <a:noAutofit/>
           </a:bodyPr>
           <a:lstStyle/>
           <a:p>
-            <a:pPr indent="0" lvl="0" marL="0">
+            <a:pPr marL="0" lvl="0" indent="0">
               <a:spcBef>
                 <a:spcPts val="0"/>
               </a:spcBef>
@@ -6434,31 +6859,28 @@
           <a:solidFill>
             <a:schemeClr val="accent1"/>
           </a:solidFill>
-          <a:ln cap="flat" cmpd="sng" w="9525">
+          <a:ln w="9525" cap="flat" cmpd="sng">
             <a:solidFill>
               <a:schemeClr val="accent1"/>
             </a:solidFill>
             <a:prstDash val="solid"/>
             <a:round/>
-            <a:headEnd len="med" w="med" type="none"/>
-            <a:tailEnd len="med" w="med" type="none"/>
+            <a:headEnd type="none" w="med" len="med"/>
+            <a:tailEnd type="none" w="med" len="med"/>
           </a:ln>
         </p:spPr>
         <p:txBody>
-          <a:bodyPr anchorCtr="0" anchor="ctr" bIns="91425" lIns="91425" rIns="91425" wrap="square" tIns="91425">
+          <a:bodyPr wrap="square" lIns="91425" tIns="91425" rIns="91425" bIns="91425" anchor="ctr" anchorCtr="0">
             <a:noAutofit/>
           </a:bodyPr>
           <a:lstStyle/>
           <a:p>
-            <a:pPr indent="0" lvl="0" marL="0">
+            <a:pPr marL="0" lvl="0" indent="0">
               <a:spcBef>
                 <a:spcPts val="0"/>
               </a:spcBef>
               <a:buNone/>
             </a:pPr>
-            <a:r>
-              <a:t/>
-            </a:r>
             <a:endParaRPr/>
           </a:p>
         </p:txBody>
@@ -6483,12 +6905,12 @@
           </a:ln>
         </p:spPr>
         <p:txBody>
-          <a:bodyPr anchorCtr="0" anchor="t" bIns="91425" lIns="91425" rIns="91425" wrap="square" tIns="91425">
+          <a:bodyPr wrap="square" lIns="91425" tIns="91425" rIns="91425" bIns="91425" anchor="t" anchorCtr="0">
             <a:noAutofit/>
           </a:bodyPr>
           <a:lstStyle/>
           <a:p>
-            <a:pPr indent="0" lvl="0" marL="0" algn="ctr">
+            <a:pPr marL="0" lvl="0" indent="0" algn="ctr">
               <a:spcBef>
                 <a:spcPts val="0"/>
               </a:spcBef>
@@ -6514,11 +6936,11 @@
 </file>
 
 <file path=ppt/slides/slide16.xml><?xml version="1.0" encoding="utf-8"?>
-<p:sld xmlns:a="http://schemas.openxmlformats.org/drawingml/2006/main" xmlns:r="http://schemas.openxmlformats.org/officeDocument/2006/relationships" xmlns:mc="http://schemas.openxmlformats.org/markup-compatibility/2006" xmlns:mv="urn:schemas-microsoft-com:mac:vml" xmlns:p="http://schemas.openxmlformats.org/presentationml/2006/main" xmlns:c="http://schemas.openxmlformats.org/drawingml/2006/chart" xmlns:dgm="http://schemas.openxmlformats.org/drawingml/2006/diagram" xmlns:o="urn:schemas-microsoft-com:office:office" xmlns:v="urn:schemas-microsoft-com:vml" xmlns:pvml="urn:schemas-microsoft-com:office:powerpoint" xmlns:com="http://schemas.openxmlformats.org/drawingml/2006/compatibility" xmlns:p14="http://schemas.microsoft.com/office/powerpoint/2010/main" xmlns:p15="http://schemas.microsoft.com/office/powerpoint/2012/main">
+<p:sld xmlns:a="http://schemas.openxmlformats.org/drawingml/2006/main" xmlns:r="http://schemas.openxmlformats.org/officeDocument/2006/relationships" xmlns:p="http://schemas.openxmlformats.org/presentationml/2006/main">
   <p:cSld>
     <p:spTree>
       <p:nvGrpSpPr>
-        <p:cNvPr id="160" name="Shape 160"/>
+        <p:cNvPr id="1" name="Shape 160"/>
         <p:cNvGrpSpPr/>
         <p:nvPr/>
       </p:nvGrpSpPr>
@@ -6533,7 +6955,9 @@
       <p:sp>
         <p:nvSpPr>
           <p:cNvPr id="161" name="Shape 161"/>
-          <p:cNvSpPr txBox="1"/>
+          <p:cNvSpPr txBox="1">
+            <a:spLocks noGrp="1"/>
+          </p:cNvSpPr>
           <p:nvPr>
             <p:ph type="title"/>
           </p:nvPr>
@@ -6548,12 +6972,12 @@
           </a:prstGeom>
         </p:spPr>
         <p:txBody>
-          <a:bodyPr anchorCtr="0" anchor="ctr" bIns="91425" lIns="91425" rIns="91425" wrap="square" tIns="91425">
+          <a:bodyPr wrap="square" lIns="91425" tIns="91425" rIns="91425" bIns="91425" anchor="ctr" anchorCtr="0">
             <a:noAutofit/>
           </a:bodyPr>
           <a:lstStyle/>
           <a:p>
-            <a:pPr indent="0" lvl="0" marL="0">
+            <a:pPr marL="0" lvl="0" indent="0">
               <a:spcBef>
                 <a:spcPts val="0"/>
               </a:spcBef>
@@ -6569,19 +6993,7 @@
                 <a:cs typeface="Impact"/>
                 <a:sym typeface="Impact"/>
               </a:rPr>
-              <a:t>Bon Appetit</a:t>
-            </a:r>
-            <a:r>
-              <a:rPr lang="en">
-                <a:solidFill>
-                  <a:schemeClr val="accent1"/>
-                </a:solidFill>
-                <a:latin typeface="Impact"/>
-                <a:ea typeface="Impact"/>
-                <a:cs typeface="Impact"/>
-                <a:sym typeface="Impact"/>
-              </a:rPr>
-              <a:t>!</a:t>
+              <a:t>Bon Appetit!</a:t>
             </a:r>
           </a:p>
         </p:txBody>
@@ -6595,11 +7007,11 @@
 </file>
 
 <file path=ppt/slides/slide2.xml><?xml version="1.0" encoding="utf-8"?>
-<p:sld xmlns:a="http://schemas.openxmlformats.org/drawingml/2006/main" xmlns:r="http://schemas.openxmlformats.org/officeDocument/2006/relationships" xmlns:mc="http://schemas.openxmlformats.org/markup-compatibility/2006" xmlns:mv="urn:schemas-microsoft-com:mac:vml" xmlns:p="http://schemas.openxmlformats.org/presentationml/2006/main" xmlns:c="http://schemas.openxmlformats.org/drawingml/2006/chart" xmlns:dgm="http://schemas.openxmlformats.org/drawingml/2006/diagram" xmlns:o="urn:schemas-microsoft-com:office:office" xmlns:v="urn:schemas-microsoft-com:vml" xmlns:pvml="urn:schemas-microsoft-com:office:powerpoint" xmlns:com="http://schemas.openxmlformats.org/drawingml/2006/compatibility" xmlns:p14="http://schemas.microsoft.com/office/powerpoint/2010/main" xmlns:p15="http://schemas.microsoft.com/office/powerpoint/2012/main">
+<p:sld xmlns:a="http://schemas.openxmlformats.org/drawingml/2006/main" xmlns:r="http://schemas.openxmlformats.org/officeDocument/2006/relationships" xmlns:p="http://schemas.openxmlformats.org/presentationml/2006/main">
   <p:cSld>
     <p:spTree>
       <p:nvGrpSpPr>
-        <p:cNvPr id="59" name="Shape 59"/>
+        <p:cNvPr id="1" name="Shape 59"/>
         <p:cNvGrpSpPr/>
         <p:nvPr/>
       </p:nvGrpSpPr>
@@ -6614,7 +7026,9 @@
       <p:sp>
         <p:nvSpPr>
           <p:cNvPr id="60" name="Shape 60"/>
-          <p:cNvSpPr txBox="1"/>
+          <p:cNvSpPr txBox="1">
+            <a:spLocks noGrp="1"/>
+          </p:cNvSpPr>
           <p:nvPr>
             <p:ph type="title"/>
           </p:nvPr>
@@ -6629,12 +7043,12 @@
           </a:prstGeom>
         </p:spPr>
         <p:txBody>
-          <a:bodyPr anchorCtr="0" anchor="ctr" bIns="91425" lIns="91425" rIns="91425" wrap="square" tIns="91425">
+          <a:bodyPr wrap="square" lIns="91425" tIns="91425" rIns="91425" bIns="91425" anchor="ctr" anchorCtr="0">
             <a:noAutofit/>
           </a:bodyPr>
           <a:lstStyle/>
           <a:p>
-            <a:pPr indent="0" lvl="0" marL="0">
+            <a:pPr marL="0" lvl="0" indent="0">
               <a:spcBef>
                 <a:spcPts val="0"/>
               </a:spcBef>
@@ -6664,11 +7078,11 @@
 </file>
 
 <file path=ppt/slides/slide3.xml><?xml version="1.0" encoding="utf-8"?>
-<p:sld xmlns:a="http://schemas.openxmlformats.org/drawingml/2006/main" xmlns:r="http://schemas.openxmlformats.org/officeDocument/2006/relationships" xmlns:mc="http://schemas.openxmlformats.org/markup-compatibility/2006" xmlns:mv="urn:schemas-microsoft-com:mac:vml" xmlns:p="http://schemas.openxmlformats.org/presentationml/2006/main" xmlns:c="http://schemas.openxmlformats.org/drawingml/2006/chart" xmlns:dgm="http://schemas.openxmlformats.org/drawingml/2006/diagram" xmlns:o="urn:schemas-microsoft-com:office:office" xmlns:v="urn:schemas-microsoft-com:vml" xmlns:pvml="urn:schemas-microsoft-com:office:powerpoint" xmlns:com="http://schemas.openxmlformats.org/drawingml/2006/compatibility" xmlns:p14="http://schemas.microsoft.com/office/powerpoint/2010/main" xmlns:p15="http://schemas.microsoft.com/office/powerpoint/2012/main">
+<p:sld xmlns:a="http://schemas.openxmlformats.org/drawingml/2006/main" xmlns:r="http://schemas.openxmlformats.org/officeDocument/2006/relationships" xmlns:p="http://schemas.openxmlformats.org/presentationml/2006/main">
   <p:cSld>
     <p:spTree>
       <p:nvGrpSpPr>
-        <p:cNvPr id="64" name="Shape 64"/>
+        <p:cNvPr id="1" name="Shape 64"/>
         <p:cNvGrpSpPr/>
         <p:nvPr/>
       </p:nvGrpSpPr>
@@ -6683,9 +7097,11 @@
       <p:sp>
         <p:nvSpPr>
           <p:cNvPr id="65" name="Shape 65"/>
-          <p:cNvSpPr txBox="1"/>
+          <p:cNvSpPr txBox="1">
+            <a:spLocks noGrp="1"/>
+          </p:cNvSpPr>
           <p:nvPr>
-            <p:ph idx="1" type="body"/>
+            <p:ph type="body" idx="1"/>
           </p:nvPr>
         </p:nvSpPr>
         <p:spPr>
@@ -6698,12 +7114,12 @@
           </a:prstGeom>
         </p:spPr>
         <p:txBody>
-          <a:bodyPr anchorCtr="0" anchor="t" bIns="91425" lIns="91425" rIns="91425" wrap="square" tIns="91425">
+          <a:bodyPr wrap="square" lIns="91425" tIns="91425" rIns="91425" bIns="91425" anchor="t" anchorCtr="0">
             <a:noAutofit/>
           </a:bodyPr>
           <a:lstStyle/>
           <a:p>
-            <a:pPr indent="0" lvl="0" marL="0">
+            <a:pPr marL="0" lvl="0" indent="0">
               <a:spcBef>
                 <a:spcPts val="0"/>
               </a:spcBef>
@@ -6733,11 +7149,11 @@
 </file>
 
 <file path=ppt/slides/slide4.xml><?xml version="1.0" encoding="utf-8"?>
-<p:sld xmlns:a="http://schemas.openxmlformats.org/drawingml/2006/main" xmlns:r="http://schemas.openxmlformats.org/officeDocument/2006/relationships" xmlns:mc="http://schemas.openxmlformats.org/markup-compatibility/2006" xmlns:mv="urn:schemas-microsoft-com:mac:vml" xmlns:p="http://schemas.openxmlformats.org/presentationml/2006/main" xmlns:c="http://schemas.openxmlformats.org/drawingml/2006/chart" xmlns:dgm="http://schemas.openxmlformats.org/drawingml/2006/diagram" xmlns:o="urn:schemas-microsoft-com:office:office" xmlns:v="urn:schemas-microsoft-com:vml" xmlns:pvml="urn:schemas-microsoft-com:office:powerpoint" xmlns:com="http://schemas.openxmlformats.org/drawingml/2006/compatibility" xmlns:p14="http://schemas.microsoft.com/office/powerpoint/2010/main" xmlns:p15="http://schemas.microsoft.com/office/powerpoint/2012/main">
+<p:sld xmlns:a="http://schemas.openxmlformats.org/drawingml/2006/main" xmlns:r="http://schemas.openxmlformats.org/officeDocument/2006/relationships" xmlns:p="http://schemas.openxmlformats.org/presentationml/2006/main">
   <p:cSld>
     <p:spTree>
       <p:nvGrpSpPr>
-        <p:cNvPr id="69" name="Shape 69"/>
+        <p:cNvPr id="1" name="Shape 69"/>
         <p:cNvGrpSpPr/>
         <p:nvPr/>
       </p:nvGrpSpPr>
@@ -6752,7 +7168,9 @@
       <p:sp>
         <p:nvSpPr>
           <p:cNvPr id="70" name="Shape 70"/>
-          <p:cNvSpPr txBox="1"/>
+          <p:cNvSpPr txBox="1">
+            <a:spLocks noGrp="1"/>
+          </p:cNvSpPr>
           <p:nvPr>
             <p:ph type="title"/>
           </p:nvPr>
@@ -6767,12 +7185,12 @@
           </a:prstGeom>
         </p:spPr>
         <p:txBody>
-          <a:bodyPr anchorCtr="0" anchor="ctr" bIns="91425" lIns="91425" rIns="91425" wrap="square" tIns="91425">
+          <a:bodyPr wrap="square" lIns="91425" tIns="91425" rIns="91425" bIns="91425" anchor="ctr" anchorCtr="0">
             <a:noAutofit/>
           </a:bodyPr>
           <a:lstStyle/>
           <a:p>
-            <a:pPr indent="0" lvl="0" marL="0">
+            <a:pPr marL="0" lvl="0" indent="0">
               <a:spcBef>
                 <a:spcPts val="0"/>
               </a:spcBef>
@@ -6802,11 +7220,11 @@
 </file>
 
 <file path=ppt/slides/slide5.xml><?xml version="1.0" encoding="utf-8"?>
-<p:sld xmlns:a="http://schemas.openxmlformats.org/drawingml/2006/main" xmlns:r="http://schemas.openxmlformats.org/officeDocument/2006/relationships" xmlns:mc="http://schemas.openxmlformats.org/markup-compatibility/2006" xmlns:mv="urn:schemas-microsoft-com:mac:vml" xmlns:p="http://schemas.openxmlformats.org/presentationml/2006/main" xmlns:c="http://schemas.openxmlformats.org/drawingml/2006/chart" xmlns:dgm="http://schemas.openxmlformats.org/drawingml/2006/diagram" xmlns:o="urn:schemas-microsoft-com:office:office" xmlns:v="urn:schemas-microsoft-com:vml" xmlns:pvml="urn:schemas-microsoft-com:office:powerpoint" xmlns:com="http://schemas.openxmlformats.org/drawingml/2006/compatibility" xmlns:p14="http://schemas.microsoft.com/office/powerpoint/2010/main" xmlns:p15="http://schemas.microsoft.com/office/powerpoint/2012/main">
+<p:sld xmlns:a="http://schemas.openxmlformats.org/drawingml/2006/main" xmlns:r="http://schemas.openxmlformats.org/officeDocument/2006/relationships" xmlns:p="http://schemas.openxmlformats.org/presentationml/2006/main">
   <p:cSld>
     <p:spTree>
       <p:nvGrpSpPr>
-        <p:cNvPr id="74" name="Shape 74"/>
+        <p:cNvPr id="1" name="Shape 74"/>
         <p:cNvGrpSpPr/>
         <p:nvPr/>
       </p:nvGrpSpPr>
@@ -6828,7 +7246,7 @@
           <a:blip r:embed="rId3">
             <a:alphaModFix/>
           </a:blip>
-          <a:srcRect b="13541" l="7028" r="9001" t="9428"/>
+          <a:srcRect l="7028" t="9428" r="9001" b="13541"/>
           <a:stretch/>
         </p:blipFill>
         <p:spPr>
@@ -6862,31 +7280,28 @@
           <a:solidFill>
             <a:schemeClr val="accent1"/>
           </a:solidFill>
-          <a:ln cap="flat" cmpd="sng" w="9525">
+          <a:ln w="9525" cap="flat" cmpd="sng">
             <a:solidFill>
               <a:schemeClr val="accent1"/>
             </a:solidFill>
             <a:prstDash val="solid"/>
             <a:round/>
-            <a:headEnd len="med" w="med" type="none"/>
-            <a:tailEnd len="med" w="med" type="none"/>
+            <a:headEnd type="none" w="med" len="med"/>
+            <a:tailEnd type="none" w="med" len="med"/>
           </a:ln>
         </p:spPr>
         <p:txBody>
-          <a:bodyPr anchorCtr="0" anchor="ctr" bIns="91425" lIns="91425" rIns="91425" wrap="square" tIns="91425">
+          <a:bodyPr wrap="square" lIns="91425" tIns="91425" rIns="91425" bIns="91425" anchor="ctr" anchorCtr="0">
             <a:noAutofit/>
           </a:bodyPr>
           <a:lstStyle/>
           <a:p>
-            <a:pPr indent="0" lvl="0" marL="0">
+            <a:pPr marL="0" lvl="0" indent="0">
               <a:spcBef>
                 <a:spcPts val="0"/>
               </a:spcBef>
               <a:buNone/>
             </a:pPr>
-            <a:r>
-              <a:t/>
-            </a:r>
             <a:endParaRPr/>
           </a:p>
         </p:txBody>
@@ -6911,12 +7326,12 @@
           </a:ln>
         </p:spPr>
         <p:txBody>
-          <a:bodyPr anchorCtr="0" anchor="t" bIns="91425" lIns="91425" rIns="91425" wrap="square" tIns="91425">
+          <a:bodyPr wrap="square" lIns="91425" tIns="91425" rIns="91425" bIns="91425" anchor="t" anchorCtr="0">
             <a:noAutofit/>
           </a:bodyPr>
           <a:lstStyle/>
           <a:p>
-            <a:pPr indent="0" lvl="0" marL="0">
+            <a:pPr marL="0" lvl="0" indent="0">
               <a:spcBef>
                 <a:spcPts val="0"/>
               </a:spcBef>
@@ -6947,7 +7362,7 @@
           <a:blip r:embed="rId4">
             <a:alphaModFix/>
           </a:blip>
-          <a:srcRect b="13025" l="6216" r="9210" t="9944"/>
+          <a:srcRect l="6216" t="9944" r="9210" b="13025"/>
           <a:stretch/>
         </p:blipFill>
         <p:spPr>
@@ -6981,31 +7396,28 @@
           <a:solidFill>
             <a:schemeClr val="accent1"/>
           </a:solidFill>
-          <a:ln cap="flat" cmpd="sng" w="9525">
+          <a:ln w="9525" cap="flat" cmpd="sng">
             <a:solidFill>
               <a:schemeClr val="accent1"/>
             </a:solidFill>
             <a:prstDash val="solid"/>
             <a:round/>
-            <a:headEnd len="med" w="med" type="none"/>
-            <a:tailEnd len="med" w="med" type="none"/>
+            <a:headEnd type="none" w="med" len="med"/>
+            <a:tailEnd type="none" w="med" len="med"/>
           </a:ln>
         </p:spPr>
         <p:txBody>
-          <a:bodyPr anchorCtr="0" anchor="ctr" bIns="91425" lIns="91425" rIns="91425" wrap="square" tIns="91425">
+          <a:bodyPr wrap="square" lIns="91425" tIns="91425" rIns="91425" bIns="91425" anchor="ctr" anchorCtr="0">
             <a:noAutofit/>
           </a:bodyPr>
           <a:lstStyle/>
           <a:p>
-            <a:pPr indent="0" lvl="0" marL="0">
+            <a:pPr marL="0" lvl="0" indent="0">
               <a:spcBef>
                 <a:spcPts val="0"/>
               </a:spcBef>
               <a:buNone/>
             </a:pPr>
-            <a:r>
-              <a:t/>
-            </a:r>
             <a:endParaRPr/>
           </a:p>
         </p:txBody>
@@ -7030,12 +7442,12 @@
           </a:ln>
         </p:spPr>
         <p:txBody>
-          <a:bodyPr anchorCtr="0" anchor="t" bIns="91425" lIns="91425" rIns="91425" wrap="square" tIns="91425">
+          <a:bodyPr wrap="square" lIns="91425" tIns="91425" rIns="91425" bIns="91425" anchor="t" anchorCtr="0">
             <a:noAutofit/>
           </a:bodyPr>
           <a:lstStyle/>
           <a:p>
-            <a:pPr indent="0" lvl="0" marL="0" algn="ctr">
+            <a:pPr marL="0" lvl="0" indent="0" algn="ctr">
               <a:spcBef>
                 <a:spcPts val="0"/>
               </a:spcBef>
@@ -7065,11 +7477,11 @@
 </file>
 
 <file path=ppt/slides/slide6.xml><?xml version="1.0" encoding="utf-8"?>
-<p:sld xmlns:a="http://schemas.openxmlformats.org/drawingml/2006/main" xmlns:r="http://schemas.openxmlformats.org/officeDocument/2006/relationships" xmlns:mc="http://schemas.openxmlformats.org/markup-compatibility/2006" xmlns:mv="urn:schemas-microsoft-com:mac:vml" xmlns:p="http://schemas.openxmlformats.org/presentationml/2006/main" xmlns:c="http://schemas.openxmlformats.org/drawingml/2006/chart" xmlns:dgm="http://schemas.openxmlformats.org/drawingml/2006/diagram" xmlns:o="urn:schemas-microsoft-com:office:office" xmlns:v="urn:schemas-microsoft-com:vml" xmlns:pvml="urn:schemas-microsoft-com:office:powerpoint" xmlns:com="http://schemas.openxmlformats.org/drawingml/2006/compatibility" xmlns:p14="http://schemas.microsoft.com/office/powerpoint/2010/main" xmlns:p15="http://schemas.microsoft.com/office/powerpoint/2012/main">
+<p:sld xmlns:a="http://schemas.openxmlformats.org/drawingml/2006/main" xmlns:r="http://schemas.openxmlformats.org/officeDocument/2006/relationships" xmlns:p="http://schemas.openxmlformats.org/presentationml/2006/main">
   <p:cSld>
     <p:spTree>
       <p:nvGrpSpPr>
-        <p:cNvPr id="84" name="Shape 84"/>
+        <p:cNvPr id="1" name="Shape 84"/>
         <p:cNvGrpSpPr/>
         <p:nvPr/>
       </p:nvGrpSpPr>
@@ -7084,7 +7496,9 @@
       <p:sp>
         <p:nvSpPr>
           <p:cNvPr id="85" name="Shape 85"/>
-          <p:cNvSpPr txBox="1"/>
+          <p:cNvSpPr txBox="1">
+            <a:spLocks noGrp="1"/>
+          </p:cNvSpPr>
           <p:nvPr>
             <p:ph type="title"/>
           </p:nvPr>
@@ -7099,12 +7513,12 @@
           </a:prstGeom>
         </p:spPr>
         <p:txBody>
-          <a:bodyPr anchorCtr="0" anchor="t" bIns="91425" lIns="91425" rIns="91425" wrap="square" tIns="91425">
+          <a:bodyPr wrap="square" lIns="91425" tIns="91425" rIns="91425" bIns="91425" anchor="t" anchorCtr="0">
             <a:noAutofit/>
           </a:bodyPr>
           <a:lstStyle/>
           <a:p>
-            <a:pPr indent="0" lvl="0" marL="0">
+            <a:pPr marL="0" lvl="0" indent="0">
               <a:spcBef>
                 <a:spcPts val="0"/>
               </a:spcBef>
@@ -7125,9 +7539,11 @@
       <p:sp>
         <p:nvSpPr>
           <p:cNvPr id="86" name="Shape 86"/>
-          <p:cNvSpPr txBox="1"/>
+          <p:cNvSpPr txBox="1">
+            <a:spLocks noGrp="1"/>
+          </p:cNvSpPr>
           <p:nvPr>
-            <p:ph idx="1" type="body"/>
+            <p:ph type="body" idx="1"/>
           </p:nvPr>
         </p:nvSpPr>
         <p:spPr>
@@ -7140,28 +7556,55 @@
           </a:prstGeom>
         </p:spPr>
         <p:txBody>
-          <a:bodyPr anchorCtr="0" anchor="ctr" bIns="91425" lIns="91425" rIns="91425" wrap="square" tIns="91425">
+          <a:bodyPr wrap="square" lIns="91425" tIns="91425" rIns="91425" bIns="91425" anchor="ctr" anchorCtr="0">
             <a:noAutofit/>
           </a:bodyPr>
           <a:lstStyle/>
           <a:p>
-            <a:pPr indent="0" lvl="0" marL="0">
+            <a:pPr marL="0" lvl="0" indent="0">
               <a:spcBef>
                 <a:spcPts val="0"/>
               </a:spcBef>
               <a:buNone/>
             </a:pPr>
             <a:r>
-              <a:rPr lang="en">
+              <a:rPr lang="en" dirty="0">
                 <a:latin typeface="Lato"/>
                 <a:ea typeface="Lato"/>
                 <a:cs typeface="Lato"/>
                 <a:sym typeface="Lato"/>
               </a:rPr>
-              <a:t>Once the user enters a budget or clicks one of the budget buttons, budget will be saved in SharePrefrences--a useful tool in android studios that allows stores data--so it can be accessed at later times. At this time, the longitude and latitude of the phone’s location is also saved in SharedPrefrences. These values will become crucial in using out API provided by </a:t>
+              <a:t>Once the user enters a budget or clicks one of the budget buttons, budget will be saved in SharePrefrences--a useful tool in android studios that allows stores data--so it can be accessed </a:t>
             </a:r>
             <a:r>
-              <a:rPr i="1" lang="en">
+              <a:rPr lang="en" dirty="0" smtClean="0">
+                <a:latin typeface="Lato"/>
+                <a:ea typeface="Lato"/>
+                <a:cs typeface="Lato"/>
+                <a:sym typeface="Lato"/>
+              </a:rPr>
+              <a:t>in another java activity</a:t>
+            </a:r>
+            <a:r>
+              <a:rPr lang="en" dirty="0" smtClean="0">
+                <a:latin typeface="Lato"/>
+                <a:ea typeface="Lato"/>
+                <a:cs typeface="Lato"/>
+                <a:sym typeface="Lato"/>
+              </a:rPr>
+              <a:t>. </a:t>
+            </a:r>
+            <a:r>
+              <a:rPr lang="en" dirty="0">
+                <a:latin typeface="Lato"/>
+                <a:ea typeface="Lato"/>
+                <a:cs typeface="Lato"/>
+                <a:sym typeface="Lato"/>
+              </a:rPr>
+              <a:t>At this time, the longitude and latitude of the phone’s location is also saved in SharedPrefrences. These values will become crucial in using out API provided by </a:t>
+            </a:r>
+            <a:r>
+              <a:rPr lang="en" i="1" dirty="0">
                 <a:latin typeface="Lato"/>
                 <a:ea typeface="Lato"/>
                 <a:cs typeface="Lato"/>
@@ -7170,7 +7613,7 @@
               <a:t>Zomato</a:t>
             </a:r>
             <a:r>
-              <a:rPr lang="en">
+              <a:rPr lang="en" dirty="0">
                 <a:latin typeface="Lato"/>
                 <a:ea typeface="Lato"/>
                 <a:cs typeface="Lato"/>
@@ -7190,11 +7633,11 @@
 </file>
 
 <file path=ppt/slides/slide7.xml><?xml version="1.0" encoding="utf-8"?>
-<p:sld xmlns:a="http://schemas.openxmlformats.org/drawingml/2006/main" xmlns:r="http://schemas.openxmlformats.org/officeDocument/2006/relationships" xmlns:mc="http://schemas.openxmlformats.org/markup-compatibility/2006" xmlns:mv="urn:schemas-microsoft-com:mac:vml" xmlns:p="http://schemas.openxmlformats.org/presentationml/2006/main" xmlns:c="http://schemas.openxmlformats.org/drawingml/2006/chart" xmlns:dgm="http://schemas.openxmlformats.org/drawingml/2006/diagram" xmlns:o="urn:schemas-microsoft-com:office:office" xmlns:v="urn:schemas-microsoft-com:vml" xmlns:pvml="urn:schemas-microsoft-com:office:powerpoint" xmlns:com="http://schemas.openxmlformats.org/drawingml/2006/compatibility" xmlns:p14="http://schemas.microsoft.com/office/powerpoint/2010/main" xmlns:p15="http://schemas.microsoft.com/office/powerpoint/2012/main">
+<p:sld xmlns:a="http://schemas.openxmlformats.org/drawingml/2006/main" xmlns:r="http://schemas.openxmlformats.org/officeDocument/2006/relationships" xmlns:p="http://schemas.openxmlformats.org/presentationml/2006/main">
   <p:cSld>
     <p:spTree>
       <p:nvGrpSpPr>
-        <p:cNvPr id="90" name="Shape 90"/>
+        <p:cNvPr id="1" name="Shape 90"/>
         <p:cNvGrpSpPr/>
         <p:nvPr/>
       </p:nvGrpSpPr>
@@ -7251,31 +7694,28 @@
           <a:solidFill>
             <a:schemeClr val="accent1"/>
           </a:solidFill>
-          <a:ln cap="flat" cmpd="sng" w="9525">
+          <a:ln w="9525" cap="flat" cmpd="sng">
             <a:solidFill>
               <a:schemeClr val="accent1"/>
             </a:solidFill>
             <a:prstDash val="solid"/>
             <a:round/>
-            <a:headEnd len="med" w="med" type="none"/>
-            <a:tailEnd len="med" w="med" type="none"/>
+            <a:headEnd type="none" w="med" len="med"/>
+            <a:tailEnd type="none" w="med" len="med"/>
           </a:ln>
         </p:spPr>
         <p:txBody>
-          <a:bodyPr anchorCtr="0" anchor="ctr" bIns="91425" lIns="91425" rIns="91425" wrap="square" tIns="91425">
+          <a:bodyPr wrap="square" lIns="91425" tIns="91425" rIns="91425" bIns="91425" anchor="ctr" anchorCtr="0">
             <a:noAutofit/>
           </a:bodyPr>
           <a:lstStyle/>
           <a:p>
-            <a:pPr indent="0" lvl="0" marL="0">
+            <a:pPr marL="0" lvl="0" indent="0">
               <a:spcBef>
                 <a:spcPts val="0"/>
               </a:spcBef>
               <a:buNone/>
             </a:pPr>
-            <a:r>
-              <a:t/>
-            </a:r>
             <a:endParaRPr/>
           </a:p>
         </p:txBody>
@@ -7300,12 +7740,12 @@
           </a:ln>
         </p:spPr>
         <p:txBody>
-          <a:bodyPr anchorCtr="0" anchor="t" bIns="91425" lIns="91425" rIns="91425" wrap="square" tIns="91425">
+          <a:bodyPr wrap="square" lIns="91425" tIns="91425" rIns="91425" bIns="91425" anchor="t" anchorCtr="0">
             <a:noAutofit/>
           </a:bodyPr>
           <a:lstStyle/>
           <a:p>
-            <a:pPr indent="0" lvl="0" marL="0" algn="ctr">
+            <a:pPr marL="0" lvl="0" indent="0" algn="ctr">
               <a:spcBef>
                 <a:spcPts val="0"/>
               </a:spcBef>
@@ -7371,31 +7811,28 @@
           <a:solidFill>
             <a:schemeClr val="accent1"/>
           </a:solidFill>
-          <a:ln cap="flat" cmpd="sng" w="9525">
+          <a:ln w="9525" cap="flat" cmpd="sng">
             <a:solidFill>
               <a:schemeClr val="accent1"/>
             </a:solidFill>
             <a:prstDash val="solid"/>
             <a:round/>
-            <a:headEnd len="med" w="med" type="none"/>
-            <a:tailEnd len="med" w="med" type="none"/>
+            <a:headEnd type="none" w="med" len="med"/>
+            <a:tailEnd type="none" w="med" len="med"/>
           </a:ln>
         </p:spPr>
         <p:txBody>
-          <a:bodyPr anchorCtr="0" anchor="ctr" bIns="91425" lIns="91425" rIns="91425" wrap="square" tIns="91425">
+          <a:bodyPr wrap="square" lIns="91425" tIns="91425" rIns="91425" bIns="91425" anchor="ctr" anchorCtr="0">
             <a:noAutofit/>
           </a:bodyPr>
           <a:lstStyle/>
           <a:p>
-            <a:pPr indent="0" lvl="0" marL="0">
+            <a:pPr marL="0" lvl="0" indent="0">
               <a:spcBef>
                 <a:spcPts val="0"/>
               </a:spcBef>
               <a:buNone/>
             </a:pPr>
-            <a:r>
-              <a:t/>
-            </a:r>
             <a:endParaRPr/>
           </a:p>
         </p:txBody>
@@ -7420,12 +7857,12 @@
           </a:ln>
         </p:spPr>
         <p:txBody>
-          <a:bodyPr anchorCtr="0" anchor="t" bIns="91425" lIns="91425" rIns="91425" wrap="square" tIns="91425">
+          <a:bodyPr wrap="square" lIns="91425" tIns="91425" rIns="91425" bIns="91425" anchor="t" anchorCtr="0">
             <a:noAutofit/>
           </a:bodyPr>
           <a:lstStyle/>
           <a:p>
-            <a:pPr indent="0" lvl="0" marL="0" algn="ctr">
+            <a:pPr marL="0" lvl="0" indent="0" algn="ctr">
               <a:spcBef>
                 <a:spcPts val="0"/>
               </a:spcBef>
@@ -7451,11 +7888,11 @@
 </file>
 
 <file path=ppt/slides/slide8.xml><?xml version="1.0" encoding="utf-8"?>
-<p:sld xmlns:a="http://schemas.openxmlformats.org/drawingml/2006/main" xmlns:r="http://schemas.openxmlformats.org/officeDocument/2006/relationships" xmlns:mc="http://schemas.openxmlformats.org/markup-compatibility/2006" xmlns:mv="urn:schemas-microsoft-com:mac:vml" xmlns:p="http://schemas.openxmlformats.org/presentationml/2006/main" xmlns:c="http://schemas.openxmlformats.org/drawingml/2006/chart" xmlns:dgm="http://schemas.openxmlformats.org/drawingml/2006/diagram" xmlns:o="urn:schemas-microsoft-com:office:office" xmlns:v="urn:schemas-microsoft-com:vml" xmlns:pvml="urn:schemas-microsoft-com:office:powerpoint" xmlns:com="http://schemas.openxmlformats.org/drawingml/2006/compatibility" xmlns:p14="http://schemas.microsoft.com/office/powerpoint/2010/main" xmlns:p15="http://schemas.microsoft.com/office/powerpoint/2012/main">
+<p:sld xmlns:a="http://schemas.openxmlformats.org/drawingml/2006/main" xmlns:r="http://schemas.openxmlformats.org/officeDocument/2006/relationships" xmlns:p="http://schemas.openxmlformats.org/presentationml/2006/main">
   <p:cSld>
     <p:spTree>
       <p:nvGrpSpPr>
-        <p:cNvPr id="100" name="Shape 100"/>
+        <p:cNvPr id="1" name="Shape 100"/>
         <p:cNvGrpSpPr/>
         <p:nvPr/>
       </p:nvGrpSpPr>
@@ -7470,7 +7907,9 @@
       <p:sp>
         <p:nvSpPr>
           <p:cNvPr id="101" name="Shape 101"/>
-          <p:cNvSpPr txBox="1"/>
+          <p:cNvSpPr txBox="1">
+            <a:spLocks noGrp="1"/>
+          </p:cNvSpPr>
           <p:nvPr>
             <p:ph type="title"/>
           </p:nvPr>
@@ -7485,12 +7924,12 @@
           </a:prstGeom>
         </p:spPr>
         <p:txBody>
-          <a:bodyPr anchorCtr="0" anchor="t" bIns="91425" lIns="91425" rIns="91425" wrap="square" tIns="91425">
+          <a:bodyPr wrap="square" lIns="91425" tIns="91425" rIns="91425" bIns="91425" anchor="t" anchorCtr="0">
             <a:noAutofit/>
           </a:bodyPr>
           <a:lstStyle/>
           <a:p>
-            <a:pPr indent="0" lvl="0" marL="0">
+            <a:pPr marL="0" lvl="0" indent="0">
               <a:spcBef>
                 <a:spcPts val="0"/>
               </a:spcBef>
@@ -7511,9 +7950,11 @@
       <p:sp>
         <p:nvSpPr>
           <p:cNvPr id="102" name="Shape 102"/>
-          <p:cNvSpPr txBox="1"/>
+          <p:cNvSpPr txBox="1">
+            <a:spLocks noGrp="1"/>
+          </p:cNvSpPr>
           <p:nvPr>
-            <p:ph idx="1" type="body"/>
+            <p:ph type="body" idx="1"/>
           </p:nvPr>
         </p:nvSpPr>
         <p:spPr>
@@ -7526,19 +7967,19 @@
           </a:prstGeom>
         </p:spPr>
         <p:txBody>
-          <a:bodyPr anchorCtr="0" anchor="ctr" bIns="91425" lIns="91425" rIns="91425" wrap="square" tIns="91425">
+          <a:bodyPr wrap="square" lIns="91425" tIns="91425" rIns="91425" bIns="91425" anchor="ctr" anchorCtr="0">
             <a:noAutofit/>
           </a:bodyPr>
           <a:lstStyle/>
           <a:p>
-            <a:pPr indent="0" lvl="0" marL="0">
+            <a:pPr marL="0" lvl="0" indent="0">
               <a:spcBef>
                 <a:spcPts val="0"/>
               </a:spcBef>
               <a:buNone/>
             </a:pPr>
             <a:r>
-              <a:rPr lang="en">
+              <a:rPr lang="en" dirty="0">
                 <a:latin typeface="Lato"/>
                 <a:ea typeface="Lato"/>
                 <a:cs typeface="Lato"/>
@@ -7547,7 +7988,7 @@
               <a:t>After the user puts in their budget, they are directed to a page that has a page that contains three columns of button. Each button has a type of food cuisine. This allows our users to narrow down their search by cuisine. How this is done is with our </a:t>
             </a:r>
             <a:r>
-              <a:rPr i="1" lang="en">
+              <a:rPr lang="en" i="1" dirty="0">
                 <a:latin typeface="Lato"/>
                 <a:ea typeface="Lato"/>
                 <a:cs typeface="Lato"/>
@@ -7556,13 +7997,31 @@
               <a:t>Zomato</a:t>
             </a:r>
             <a:r>
-              <a:rPr lang="en">
+              <a:rPr lang="en" dirty="0">
                 <a:latin typeface="Lato"/>
                 <a:ea typeface="Lato"/>
                 <a:cs typeface="Lato"/>
                 <a:sym typeface="Lato"/>
               </a:rPr>
-              <a:t> API, you can specify the cuisine within the request URL by adding the correct cusine id onto the end of the link. When the user clicks a button, a variable named cuisine is assigned an integer value and stored in sharedpreferences.  This integer will be later retrieved during the API call.</a:t>
+              <a:t> API, you can specify the cuisine within the request URL by adding the correct cusine id onto the end of the link. When the user clicks a button, a variable named cuisine is assigned an integer value and stored in sharedpreferences.  This integer will be later </a:t>
+            </a:r>
+            <a:r>
+              <a:rPr lang="en" dirty="0" smtClean="0">
+                <a:latin typeface="Lato"/>
+                <a:ea typeface="Lato"/>
+                <a:cs typeface="Lato"/>
+                <a:sym typeface="Lato"/>
+              </a:rPr>
+              <a:t>retrieved and concatenated into the request url </a:t>
+            </a:r>
+            <a:r>
+              <a:rPr lang="en" dirty="0">
+                <a:latin typeface="Lato"/>
+                <a:ea typeface="Lato"/>
+                <a:cs typeface="Lato"/>
+                <a:sym typeface="Lato"/>
+              </a:rPr>
+              <a:t>during the API call.</a:t>
             </a:r>
           </a:p>
         </p:txBody>
@@ -7576,11 +8035,11 @@
 </file>
 
 <file path=ppt/slides/slide9.xml><?xml version="1.0" encoding="utf-8"?>
-<p:sld xmlns:a="http://schemas.openxmlformats.org/drawingml/2006/main" xmlns:r="http://schemas.openxmlformats.org/officeDocument/2006/relationships" xmlns:mc="http://schemas.openxmlformats.org/markup-compatibility/2006" xmlns:mv="urn:schemas-microsoft-com:mac:vml" xmlns:p="http://schemas.openxmlformats.org/presentationml/2006/main" xmlns:c="http://schemas.openxmlformats.org/drawingml/2006/chart" xmlns:dgm="http://schemas.openxmlformats.org/drawingml/2006/diagram" xmlns:o="urn:schemas-microsoft-com:office:office" xmlns:v="urn:schemas-microsoft-com:vml" xmlns:pvml="urn:schemas-microsoft-com:office:powerpoint" xmlns:com="http://schemas.openxmlformats.org/drawingml/2006/compatibility" xmlns:p14="http://schemas.microsoft.com/office/powerpoint/2010/main" xmlns:p15="http://schemas.microsoft.com/office/powerpoint/2012/main">
+<p:sld xmlns:a="http://schemas.openxmlformats.org/drawingml/2006/main" xmlns:r="http://schemas.openxmlformats.org/officeDocument/2006/relationships" xmlns:p="http://schemas.openxmlformats.org/presentationml/2006/main">
   <p:cSld>
     <p:spTree>
       <p:nvGrpSpPr>
-        <p:cNvPr id="106" name="Shape 106"/>
+        <p:cNvPr id="1" name="Shape 106"/>
         <p:cNvGrpSpPr/>
         <p:nvPr/>
       </p:nvGrpSpPr>
@@ -7665,31 +8124,28 @@
           <a:solidFill>
             <a:schemeClr val="accent1"/>
           </a:solidFill>
-          <a:ln cap="flat" cmpd="sng" w="9525">
+          <a:ln w="9525" cap="flat" cmpd="sng">
             <a:solidFill>
               <a:schemeClr val="accent1"/>
             </a:solidFill>
             <a:prstDash val="solid"/>
             <a:round/>
-            <a:headEnd len="med" w="med" type="none"/>
-            <a:tailEnd len="med" w="med" type="none"/>
+            <a:headEnd type="none" w="med" len="med"/>
+            <a:tailEnd type="none" w="med" len="med"/>
           </a:ln>
         </p:spPr>
         <p:txBody>
-          <a:bodyPr anchorCtr="0" anchor="ctr" bIns="91425" lIns="91425" rIns="91425" wrap="square" tIns="91425">
+          <a:bodyPr wrap="square" lIns="91425" tIns="91425" rIns="91425" bIns="91425" anchor="ctr" anchorCtr="0">
             <a:noAutofit/>
           </a:bodyPr>
           <a:lstStyle/>
           <a:p>
-            <a:pPr indent="0" lvl="0" marL="0">
+            <a:pPr marL="0" lvl="0" indent="0">
               <a:spcBef>
                 <a:spcPts val="0"/>
               </a:spcBef>
               <a:buNone/>
             </a:pPr>
-            <a:r>
-              <a:t/>
-            </a:r>
             <a:endParaRPr/>
           </a:p>
         </p:txBody>
@@ -7714,12 +8170,12 @@
           </a:ln>
         </p:spPr>
         <p:txBody>
-          <a:bodyPr anchorCtr="0" anchor="t" bIns="91425" lIns="91425" rIns="91425" wrap="square" tIns="91425">
+          <a:bodyPr wrap="square" lIns="91425" tIns="91425" rIns="91425" bIns="91425" anchor="t" anchorCtr="0">
             <a:noAutofit/>
           </a:bodyPr>
           <a:lstStyle/>
           <a:p>
-            <a:pPr indent="0" lvl="0" marL="0" algn="ctr">
+            <a:pPr marL="0" lvl="0" indent="0" algn="ctr">
               <a:spcBef>
                 <a:spcPts val="0"/>
               </a:spcBef>
@@ -7753,31 +8209,28 @@
           <a:solidFill>
             <a:schemeClr val="accent1"/>
           </a:solidFill>
-          <a:ln cap="flat" cmpd="sng" w="9525">
+          <a:ln w="9525" cap="flat" cmpd="sng">
             <a:solidFill>
               <a:schemeClr val="accent1"/>
             </a:solidFill>
             <a:prstDash val="solid"/>
             <a:round/>
-            <a:headEnd len="med" w="med" type="none"/>
-            <a:tailEnd len="med" w="med" type="none"/>
+            <a:headEnd type="none" w="med" len="med"/>
+            <a:tailEnd type="none" w="med" len="med"/>
           </a:ln>
         </p:spPr>
         <p:txBody>
-          <a:bodyPr anchorCtr="0" anchor="ctr" bIns="91425" lIns="91425" rIns="91425" wrap="square" tIns="91425">
+          <a:bodyPr wrap="square" lIns="91425" tIns="91425" rIns="91425" bIns="91425" anchor="ctr" anchorCtr="0">
             <a:noAutofit/>
           </a:bodyPr>
           <a:lstStyle/>
           <a:p>
-            <a:pPr indent="0" lvl="0" marL="0">
+            <a:pPr marL="0" lvl="0" indent="0">
               <a:spcBef>
                 <a:spcPts val="0"/>
               </a:spcBef>
               <a:buNone/>
             </a:pPr>
-            <a:r>
-              <a:t/>
-            </a:r>
             <a:endParaRPr/>
           </a:p>
         </p:txBody>
@@ -7802,12 +8255,12 @@
           </a:ln>
         </p:spPr>
         <p:txBody>
-          <a:bodyPr anchorCtr="0" anchor="t" bIns="91425" lIns="91425" rIns="91425" wrap="square" tIns="91425">
+          <a:bodyPr wrap="square" lIns="91425" tIns="91425" rIns="91425" bIns="91425" anchor="t" anchorCtr="0">
             <a:noAutofit/>
           </a:bodyPr>
           <a:lstStyle/>
           <a:p>
-            <a:pPr indent="0" lvl="0" marL="0" algn="ctr">
+            <a:pPr marL="0" lvl="0" indent="0" algn="ctr">
               <a:spcBef>
                 <a:spcPts val="0"/>
               </a:spcBef>
@@ -7833,7 +8286,7 @@
 </file>
 
 <file path=ppt/theme/theme1.xml><?xml version="1.0" encoding="utf-8"?>
-<a:theme xmlns:a="http://schemas.openxmlformats.org/drawingml/2006/main" xmlns:r="http://schemas.openxmlformats.org/officeDocument/2006/relationships" name="Simple Dark">
+<a:theme xmlns:a="http://schemas.openxmlformats.org/drawingml/2006/main" name="Simple Dark">
   <a:themeElements>
     <a:clrScheme name="Simple Dark">
       <a:dk1>
@@ -8108,11 +8561,13 @@
       </a:bgFillStyleLst>
     </a:fmtScheme>
   </a:themeElements>
+  <a:objectDefaults/>
+  <a:extraClrSchemeLst/>
 </a:theme>
 </file>
 
 <file path=ppt/theme/theme2.xml><?xml version="1.0" encoding="utf-8"?>
-<a:theme xmlns:a="http://schemas.openxmlformats.org/drawingml/2006/main" xmlns:r="http://schemas.openxmlformats.org/officeDocument/2006/relationships" name="Custom Theme">
+<a:theme xmlns:a="http://schemas.openxmlformats.org/drawingml/2006/main" name="Custom Theme">
   <a:themeElements>
     <a:clrScheme name="Default">
       <a:dk1>
@@ -8387,5 +8842,7 @@
       </a:bgFillStyleLst>
     </a:fmtScheme>
   </a:themeElements>
+  <a:objectDefaults/>
+  <a:extraClrSchemeLst/>
 </a:theme>
 </file>